--- a/Capstone(Nashville Housing).pptx
+++ b/Capstone(Nashville Housing).pptx
@@ -131,7 +131,7 @@
 <file path=ppt/revisionInfo.xml><?xml version="1.0" encoding="utf-8"?>
 <p1510:revInfo xmlns:a="http://schemas.openxmlformats.org/drawingml/2006/main" xmlns:r="http://schemas.openxmlformats.org/officeDocument/2006/relationships" xmlns:p1510="http://schemas.microsoft.com/office/powerpoint/2015/10/main">
   <p1510:revLst>
-    <p1510:client id="{4C0D10D6-1D88-4B0E-87C1-EF36A8B2A437}" v="81" dt="2025-12-18T21:26:00.003"/>
+    <p1510:client id="{4C0D10D6-1D88-4B0E-87C1-EF36A8B2A437}" v="109" dt="2025-12-19T17:02:23.972"/>
   </p1510:revLst>
 </p1510:revInfo>
 </file>
@@ -141,7 +141,7 @@
   <pc:docChgLst>
     <pc:chgData name="Luke Gaffney" userId="6fa697cc8cd57f76" providerId="LiveId" clId="{528BD4CA-A453-43AA-8F73-3E975C3B2CFE}"/>
     <pc:docChg chg="undo custSel addSld delSld modSld">
-      <pc:chgData name="Luke Gaffney" userId="6fa697cc8cd57f76" providerId="LiveId" clId="{528BD4CA-A453-43AA-8F73-3E975C3B2CFE}" dt="2025-12-18T21:10:56.624" v="1238" actId="1076"/>
+      <pc:chgData name="Luke Gaffney" userId="6fa697cc8cd57f76" providerId="LiveId" clId="{528BD4CA-A453-43AA-8F73-3E975C3B2CFE}" dt="2025-12-19T17:02:23.972" v="1650"/>
       <pc:docMkLst>
         <pc:docMk/>
       </pc:docMkLst>
@@ -184,7 +184,7 @@
         </pc:spChg>
       </pc:sldChg>
       <pc:sldChg chg="addSp delSp modSp mod">
-        <pc:chgData name="Luke Gaffney" userId="6fa697cc8cd57f76" providerId="LiveId" clId="{528BD4CA-A453-43AA-8F73-3E975C3B2CFE}" dt="2025-12-18T20:12:11.998" v="970" actId="113"/>
+        <pc:chgData name="Luke Gaffney" userId="6fa697cc8cd57f76" providerId="LiveId" clId="{528BD4CA-A453-43AA-8F73-3E975C3B2CFE}" dt="2025-12-18T21:41:24.673" v="1240" actId="20577"/>
         <pc:sldMkLst>
           <pc:docMk/>
           <pc:sldMk cId="4045112871" sldId="275"/>
@@ -198,7 +198,7 @@
           </ac:spMkLst>
         </pc:spChg>
         <pc:spChg chg="mod">
-          <ac:chgData name="Luke Gaffney" userId="6fa697cc8cd57f76" providerId="LiveId" clId="{528BD4CA-A453-43AA-8F73-3E975C3B2CFE}" dt="2025-12-18T19:10:26.968" v="624" actId="20577"/>
+          <ac:chgData name="Luke Gaffney" userId="6fa697cc8cd57f76" providerId="LiveId" clId="{528BD4CA-A453-43AA-8F73-3E975C3B2CFE}" dt="2025-12-18T21:41:24.673" v="1240" actId="20577"/>
           <ac:spMkLst>
             <pc:docMk/>
             <pc:sldMk cId="4045112871" sldId="275"/>
@@ -214,8 +214,8 @@
           </ac:picMkLst>
         </pc:picChg>
       </pc:sldChg>
-      <pc:sldChg chg="modSp mod">
-        <pc:chgData name="Luke Gaffney" userId="6fa697cc8cd57f76" providerId="LiveId" clId="{528BD4CA-A453-43AA-8F73-3E975C3B2CFE}" dt="2025-12-18T20:12:38.193" v="974" actId="113"/>
+      <pc:sldChg chg="addSp delSp modSp mod modNotesTx">
+        <pc:chgData name="Luke Gaffney" userId="6fa697cc8cd57f76" providerId="LiveId" clId="{528BD4CA-A453-43AA-8F73-3E975C3B2CFE}" dt="2025-12-19T17:02:23.972" v="1650"/>
         <pc:sldMkLst>
           <pc:docMk/>
           <pc:sldMk cId="542633763" sldId="277"/>
@@ -228,8 +228,72 @@
             <ac:spMk id="2" creationId="{AFB1300D-AC32-6A7E-3302-C38583BC0E9A}"/>
           </ac:spMkLst>
         </pc:spChg>
+        <pc:spChg chg="add mod">
+          <ac:chgData name="Luke Gaffney" userId="6fa697cc8cd57f76" providerId="LiveId" clId="{528BD4CA-A453-43AA-8F73-3E975C3B2CFE}" dt="2025-12-19T16:03:45.807" v="1413" actId="1076"/>
+          <ac:spMkLst>
+            <pc:docMk/>
+            <pc:sldMk cId="542633763" sldId="277"/>
+            <ac:spMk id="3" creationId="{BD7F736E-6940-81F4-8CCE-71C9F3341512}"/>
+          </ac:spMkLst>
+        </pc:spChg>
+        <pc:spChg chg="add mod">
+          <ac:chgData name="Luke Gaffney" userId="6fa697cc8cd57f76" providerId="LiveId" clId="{528BD4CA-A453-43AA-8F73-3E975C3B2CFE}" dt="2025-12-19T16:03:49.932" v="1415" actId="20577"/>
+          <ac:spMkLst>
+            <pc:docMk/>
+            <pc:sldMk cId="542633763" sldId="277"/>
+            <ac:spMk id="4" creationId="{E493CBD1-94BF-5E0A-77DB-FF5C226FD519}"/>
+          </ac:spMkLst>
+        </pc:spChg>
+        <pc:spChg chg="add mod">
+          <ac:chgData name="Luke Gaffney" userId="6fa697cc8cd57f76" providerId="LiveId" clId="{528BD4CA-A453-43AA-8F73-3E975C3B2CFE}" dt="2025-12-19T16:11:54.100" v="1509" actId="554"/>
+          <ac:spMkLst>
+            <pc:docMk/>
+            <pc:sldMk cId="542633763" sldId="277"/>
+            <ac:spMk id="5" creationId="{7188F6DC-749C-0E58-9C52-708EB0881C1C}"/>
+          </ac:spMkLst>
+        </pc:spChg>
+        <pc:spChg chg="add mod">
+          <ac:chgData name="Luke Gaffney" userId="6fa697cc8cd57f76" providerId="LiveId" clId="{528BD4CA-A453-43AA-8F73-3E975C3B2CFE}" dt="2025-12-19T16:11:54.100" v="1509" actId="554"/>
+          <ac:spMkLst>
+            <pc:docMk/>
+            <pc:sldMk cId="542633763" sldId="277"/>
+            <ac:spMk id="6" creationId="{E9D36018-8142-2EDD-EF2A-A6BBC8C171D8}"/>
+          </ac:spMkLst>
+        </pc:spChg>
+        <pc:spChg chg="add mod">
+          <ac:chgData name="Luke Gaffney" userId="6fa697cc8cd57f76" providerId="LiveId" clId="{528BD4CA-A453-43AA-8F73-3E975C3B2CFE}" dt="2025-12-19T16:11:56.909" v="1510" actId="408"/>
+          <ac:spMkLst>
+            <pc:docMk/>
+            <pc:sldMk cId="542633763" sldId="277"/>
+            <ac:spMk id="7" creationId="{29E4D0B8-5AD9-3177-AEEB-D8BF77B12F2A}"/>
+          </ac:spMkLst>
+        </pc:spChg>
+        <pc:spChg chg="add mod">
+          <ac:chgData name="Luke Gaffney" userId="6fa697cc8cd57f76" providerId="LiveId" clId="{528BD4CA-A453-43AA-8F73-3E975C3B2CFE}" dt="2025-12-19T16:11:56.909" v="1510" actId="408"/>
+          <ac:spMkLst>
+            <pc:docMk/>
+            <pc:sldMk cId="542633763" sldId="277"/>
+            <ac:spMk id="8" creationId="{C50D66DC-6DC7-0FFF-14AB-BE095496AAF2}"/>
+          </ac:spMkLst>
+        </pc:spChg>
+        <pc:spChg chg="add mod">
+          <ac:chgData name="Luke Gaffney" userId="6fa697cc8cd57f76" providerId="LiveId" clId="{528BD4CA-A453-43AA-8F73-3E975C3B2CFE}" dt="2025-12-19T17:02:23.972" v="1650"/>
+          <ac:spMkLst>
+            <pc:docMk/>
+            <pc:sldMk cId="542633763" sldId="277"/>
+            <ac:spMk id="9" creationId="{3C7FBA32-85DE-EFE7-0D4A-994A972D3294}"/>
+          </ac:spMkLst>
+        </pc:spChg>
         <pc:spChg chg="mod">
-          <ac:chgData name="Luke Gaffney" userId="6fa697cc8cd57f76" providerId="LiveId" clId="{528BD4CA-A453-43AA-8F73-3E975C3B2CFE}" dt="2025-12-18T16:49:51.740" v="483" actId="1076"/>
+          <ac:chgData name="Luke Gaffney" userId="6fa697cc8cd57f76" providerId="LiveId" clId="{528BD4CA-A453-43AA-8F73-3E975C3B2CFE}" dt="2025-12-19T16:38:08.701" v="1612" actId="208"/>
+          <ac:spMkLst>
+            <pc:docMk/>
+            <pc:sldMk cId="542633763" sldId="277"/>
+            <ac:spMk id="50" creationId="{7B064B8D-B47F-4375-2B50-CF6CF3893C03}"/>
+          </ac:spMkLst>
+        </pc:spChg>
+        <pc:spChg chg="del mod">
+          <ac:chgData name="Luke Gaffney" userId="6fa697cc8cd57f76" providerId="LiveId" clId="{528BD4CA-A453-43AA-8F73-3E975C3B2CFE}" dt="2025-12-19T16:02:23.451" v="1399" actId="21"/>
           <ac:spMkLst>
             <pc:docMk/>
             <pc:sldMk cId="542633763" sldId="277"/>
@@ -237,7 +301,7 @@
           </ac:spMkLst>
         </pc:spChg>
         <pc:spChg chg="mod">
-          <ac:chgData name="Luke Gaffney" userId="6fa697cc8cd57f76" providerId="LiveId" clId="{528BD4CA-A453-43AA-8F73-3E975C3B2CFE}" dt="2025-12-18T14:10:52.276" v="443" actId="554"/>
+          <ac:chgData name="Luke Gaffney" userId="6fa697cc8cd57f76" providerId="LiveId" clId="{528BD4CA-A453-43AA-8F73-3E975C3B2CFE}" dt="2025-12-19T16:38:33.175" v="1617" actId="208"/>
           <ac:spMkLst>
             <pc:docMk/>
             <pc:sldMk cId="542633763" sldId="277"/>
@@ -245,7 +309,15 @@
           </ac:spMkLst>
         </pc:spChg>
         <pc:spChg chg="mod">
-          <ac:chgData name="Luke Gaffney" userId="6fa697cc8cd57f76" providerId="LiveId" clId="{528BD4CA-A453-43AA-8F73-3E975C3B2CFE}" dt="2025-12-18T14:10:52.276" v="443" actId="554"/>
+          <ac:chgData name="Luke Gaffney" userId="6fa697cc8cd57f76" providerId="LiveId" clId="{528BD4CA-A453-43AA-8F73-3E975C3B2CFE}" dt="2025-12-19T16:38:14.740" v="1613" actId="208"/>
+          <ac:spMkLst>
+            <pc:docMk/>
+            <pc:sldMk cId="542633763" sldId="277"/>
+            <ac:spMk id="54" creationId="{1EDDE1D7-883C-62FF-3687-9FBB1577874D}"/>
+          </ac:spMkLst>
+        </pc:spChg>
+        <pc:spChg chg="mod">
+          <ac:chgData name="Luke Gaffney" userId="6fa697cc8cd57f76" providerId="LiveId" clId="{528BD4CA-A453-43AA-8F73-3E975C3B2CFE}" dt="2025-12-19T16:38:41.250" v="1619" actId="208"/>
           <ac:spMkLst>
             <pc:docMk/>
             <pc:sldMk cId="542633763" sldId="277"/>
@@ -253,7 +325,15 @@
           </ac:spMkLst>
         </pc:spChg>
         <pc:spChg chg="mod">
-          <ac:chgData name="Luke Gaffney" userId="6fa697cc8cd57f76" providerId="LiveId" clId="{528BD4CA-A453-43AA-8F73-3E975C3B2CFE}" dt="2025-12-18T14:10:52.276" v="443" actId="554"/>
+          <ac:chgData name="Luke Gaffney" userId="6fa697cc8cd57f76" providerId="LiveId" clId="{528BD4CA-A453-43AA-8F73-3E975C3B2CFE}" dt="2025-12-19T16:38:24.953" v="1615" actId="208"/>
+          <ac:spMkLst>
+            <pc:docMk/>
+            <pc:sldMk cId="542633763" sldId="277"/>
+            <ac:spMk id="56" creationId="{F92D9006-4F0B-4761-2C1A-A8C48A31A008}"/>
+          </ac:spMkLst>
+        </pc:spChg>
+        <pc:spChg chg="mod">
+          <ac:chgData name="Luke Gaffney" userId="6fa697cc8cd57f76" providerId="LiveId" clId="{528BD4CA-A453-43AA-8F73-3E975C3B2CFE}" dt="2025-12-19T16:38:29.285" v="1616" actId="208"/>
           <ac:spMkLst>
             <pc:docMk/>
             <pc:sldMk cId="542633763" sldId="277"/>
@@ -261,7 +341,7 @@
           </ac:spMkLst>
         </pc:spChg>
         <pc:spChg chg="mod">
-          <ac:chgData name="Luke Gaffney" userId="6fa697cc8cd57f76" providerId="LiveId" clId="{528BD4CA-A453-43AA-8F73-3E975C3B2CFE}" dt="2025-12-18T14:10:52.276" v="443" actId="554"/>
+          <ac:chgData name="Luke Gaffney" userId="6fa697cc8cd57f76" providerId="LiveId" clId="{528BD4CA-A453-43AA-8F73-3E975C3B2CFE}" dt="2025-12-19T16:38:37.291" v="1618" actId="208"/>
           <ac:spMkLst>
             <pc:docMk/>
             <pc:sldMk cId="542633763" sldId="277"/>
@@ -269,7 +349,15 @@
           </ac:spMkLst>
         </pc:spChg>
         <pc:spChg chg="mod">
-          <ac:chgData name="Luke Gaffney" userId="6fa697cc8cd57f76" providerId="LiveId" clId="{528BD4CA-A453-43AA-8F73-3E975C3B2CFE}" dt="2025-12-18T17:01:28.543" v="490" actId="1076"/>
+          <ac:chgData name="Luke Gaffney" userId="6fa697cc8cd57f76" providerId="LiveId" clId="{528BD4CA-A453-43AA-8F73-3E975C3B2CFE}" dt="2025-12-19T16:38:21.695" v="1614" actId="208"/>
+          <ac:spMkLst>
+            <pc:docMk/>
+            <pc:sldMk cId="542633763" sldId="277"/>
+            <ac:spMk id="60" creationId="{9BFF97D0-ED64-E128-C274-C00499EFFAE4}"/>
+          </ac:spMkLst>
+        </pc:spChg>
+        <pc:spChg chg="del mod">
+          <ac:chgData name="Luke Gaffney" userId="6fa697cc8cd57f76" providerId="LiveId" clId="{528BD4CA-A453-43AA-8F73-3E975C3B2CFE}" dt="2025-12-19T16:02:21.192" v="1398" actId="21"/>
           <ac:spMkLst>
             <pc:docMk/>
             <pc:sldMk cId="542633763" sldId="277"/>
@@ -277,7 +365,7 @@
           </ac:spMkLst>
         </pc:spChg>
         <pc:spChg chg="mod">
-          <ac:chgData name="Luke Gaffney" userId="6fa697cc8cd57f76" providerId="LiveId" clId="{528BD4CA-A453-43AA-8F73-3E975C3B2CFE}" dt="2025-12-18T17:04:11.551" v="508" actId="20577"/>
+          <ac:chgData name="Luke Gaffney" userId="6fa697cc8cd57f76" providerId="LiveId" clId="{528BD4CA-A453-43AA-8F73-3E975C3B2CFE}" dt="2025-12-19T16:04:43.483" v="1426" actId="1076"/>
           <ac:spMkLst>
             <pc:docMk/>
             <pc:sldMk cId="542633763" sldId="277"/>
@@ -285,15 +373,15 @@
           </ac:spMkLst>
         </pc:spChg>
         <pc:spChg chg="mod">
-          <ac:chgData name="Luke Gaffney" userId="6fa697cc8cd57f76" providerId="LiveId" clId="{528BD4CA-A453-43AA-8F73-3E975C3B2CFE}" dt="2025-12-18T17:03:55.919" v="501" actId="20577"/>
+          <ac:chgData name="Luke Gaffney" userId="6fa697cc8cd57f76" providerId="LiveId" clId="{528BD4CA-A453-43AA-8F73-3E975C3B2CFE}" dt="2025-12-19T16:04:43.483" v="1426" actId="1076"/>
           <ac:spMkLst>
             <pc:docMk/>
             <pc:sldMk cId="542633763" sldId="277"/>
             <ac:spMk id="63" creationId="{5CDB8C99-1CCB-5587-C46B-2A5DF5A29899}"/>
           </ac:spMkLst>
         </pc:spChg>
-        <pc:spChg chg="mod">
-          <ac:chgData name="Luke Gaffney" userId="6fa697cc8cd57f76" providerId="LiveId" clId="{528BD4CA-A453-43AA-8F73-3E975C3B2CFE}" dt="2025-12-18T17:05:12.068" v="531" actId="1076"/>
+        <pc:spChg chg="del mod">
+          <ac:chgData name="Luke Gaffney" userId="6fa697cc8cd57f76" providerId="LiveId" clId="{528BD4CA-A453-43AA-8F73-3E975C3B2CFE}" dt="2025-12-19T16:02:08.246" v="1396" actId="21"/>
           <ac:spMkLst>
             <pc:docMk/>
             <pc:sldMk cId="542633763" sldId="277"/>
@@ -301,15 +389,15 @@
           </ac:spMkLst>
         </pc:spChg>
         <pc:spChg chg="mod">
-          <ac:chgData name="Luke Gaffney" userId="6fa697cc8cd57f76" providerId="LiveId" clId="{528BD4CA-A453-43AA-8F73-3E975C3B2CFE}" dt="2025-12-18T17:13:22.926" v="553" actId="20577"/>
+          <ac:chgData name="Luke Gaffney" userId="6fa697cc8cd57f76" providerId="LiveId" clId="{528BD4CA-A453-43AA-8F73-3E975C3B2CFE}" dt="2025-12-19T16:04:43.483" v="1426" actId="1076"/>
           <ac:spMkLst>
             <pc:docMk/>
             <pc:sldMk cId="542633763" sldId="277"/>
             <ac:spMk id="65" creationId="{40D337F7-9BCF-4A96-AD0F-AE467E9DF863}"/>
           </ac:spMkLst>
         </pc:spChg>
-        <pc:spChg chg="mod">
-          <ac:chgData name="Luke Gaffney" userId="6fa697cc8cd57f76" providerId="LiveId" clId="{528BD4CA-A453-43AA-8F73-3E975C3B2CFE}" dt="2025-12-18T14:11:12.201" v="446" actId="1076"/>
+        <pc:spChg chg="del mod">
+          <ac:chgData name="Luke Gaffney" userId="6fa697cc8cd57f76" providerId="LiveId" clId="{528BD4CA-A453-43AA-8F73-3E975C3B2CFE}" dt="2025-12-19T16:02:17.148" v="1397" actId="21"/>
           <ac:spMkLst>
             <pc:docMk/>
             <pc:sldMk cId="542633763" sldId="277"/>
@@ -317,7 +405,7 @@
           </ac:spMkLst>
         </pc:spChg>
         <pc:spChg chg="mod">
-          <ac:chgData name="Luke Gaffney" userId="6fa697cc8cd57f76" providerId="LiveId" clId="{528BD4CA-A453-43AA-8F73-3E975C3B2CFE}" dt="2025-12-18T17:13:31.701" v="559" actId="20577"/>
+          <ac:chgData name="Luke Gaffney" userId="6fa697cc8cd57f76" providerId="LiveId" clId="{528BD4CA-A453-43AA-8F73-3E975C3B2CFE}" dt="2025-12-19T16:04:43.483" v="1426" actId="1076"/>
           <ac:spMkLst>
             <pc:docMk/>
             <pc:sldMk cId="542633763" sldId="277"/>
@@ -373,7 +461,7 @@
         </pc:graphicFrameChg>
       </pc:sldChg>
       <pc:sldChg chg="addSp delSp modSp mod">
-        <pc:chgData name="Luke Gaffney" userId="6fa697cc8cd57f76" providerId="LiveId" clId="{528BD4CA-A453-43AA-8F73-3E975C3B2CFE}" dt="2025-12-18T20:53:11.407" v="1133" actId="1076"/>
+        <pc:chgData name="Luke Gaffney" userId="6fa697cc8cd57f76" providerId="LiveId" clId="{528BD4CA-A453-43AA-8F73-3E975C3B2CFE}" dt="2025-12-19T17:01:55.519" v="1644" actId="1076"/>
         <pc:sldMkLst>
           <pc:docMk/>
           <pc:sldMk cId="1987554360" sldId="280"/>
@@ -384,6 +472,14 @@
             <pc:docMk/>
             <pc:sldMk cId="1987554360" sldId="280"/>
             <ac:spMk id="2" creationId="{29061BB3-7E15-2851-2DDF-7643C2B84269}"/>
+          </ac:spMkLst>
+        </pc:spChg>
+        <pc:spChg chg="add mod">
+          <ac:chgData name="Luke Gaffney" userId="6fa697cc8cd57f76" providerId="LiveId" clId="{528BD4CA-A453-43AA-8F73-3E975C3B2CFE}" dt="2025-12-19T17:01:55.519" v="1644" actId="1076"/>
+          <ac:spMkLst>
+            <pc:docMk/>
+            <pc:sldMk cId="1987554360" sldId="280"/>
+            <ac:spMk id="7" creationId="{F8680954-FCF1-9813-090F-D0E3B62B1BC5}"/>
           </ac:spMkLst>
         </pc:spChg>
         <pc:spChg chg="del mod">
@@ -403,13 +499,29 @@
           </ac:spMkLst>
         </pc:spChg>
         <pc:spChg chg="add mod">
-          <ac:chgData name="Luke Gaffney" userId="6fa697cc8cd57f76" providerId="LiveId" clId="{528BD4CA-A453-43AA-8F73-3E975C3B2CFE}" dt="2025-12-18T20:53:11.407" v="1133" actId="1076"/>
+          <ac:chgData name="Luke Gaffney" userId="6fa697cc8cd57f76" providerId="LiveId" clId="{528BD4CA-A453-43AA-8F73-3E975C3B2CFE}" dt="2025-12-19T16:32:49.578" v="1547" actId="1076"/>
           <ac:spMkLst>
             <pc:docMk/>
             <pc:sldMk cId="1987554360" sldId="280"/>
             <ac:spMk id="21" creationId="{600A8C6F-BFC4-607E-3627-E251A8A378A6}"/>
           </ac:spMkLst>
         </pc:spChg>
+        <pc:picChg chg="add del mod">
+          <ac:chgData name="Luke Gaffney" userId="6fa697cc8cd57f76" providerId="LiveId" clId="{528BD4CA-A453-43AA-8F73-3E975C3B2CFE}" dt="2025-12-19T16:30:10.324" v="1517" actId="21"/>
+          <ac:picMkLst>
+            <pc:docMk/>
+            <pc:sldMk cId="1987554360" sldId="280"/>
+            <ac:picMk id="4" creationId="{00B91D9E-3FE6-288F-48AA-D503AE620FB9}"/>
+          </ac:picMkLst>
+        </pc:picChg>
+        <pc:picChg chg="add mod">
+          <ac:chgData name="Luke Gaffney" userId="6fa697cc8cd57f76" providerId="LiveId" clId="{528BD4CA-A453-43AA-8F73-3E975C3B2CFE}" dt="2025-12-19T16:37:12.073" v="1606" actId="208"/>
+          <ac:picMkLst>
+            <pc:docMk/>
+            <pc:sldMk cId="1987554360" sldId="280"/>
+            <ac:picMk id="6" creationId="{77D74E8A-7840-298A-D4E2-4ECE77828DAF}"/>
+          </ac:picMkLst>
+        </pc:picChg>
         <pc:picChg chg="del">
           <ac:chgData name="Luke Gaffney" userId="6fa697cc8cd57f76" providerId="LiveId" clId="{528BD4CA-A453-43AA-8F73-3E975C3B2CFE}" dt="2025-12-18T19:28:06.178" v="646" actId="478"/>
           <ac:picMkLst>
@@ -418,8 +530,8 @@
             <ac:picMk id="16" creationId="{C01580BE-5937-35C6-CE81-8CB9F6E7EACB}"/>
           </ac:picMkLst>
         </pc:picChg>
-        <pc:picChg chg="add mod">
-          <ac:chgData name="Luke Gaffney" userId="6fa697cc8cd57f76" providerId="LiveId" clId="{528BD4CA-A453-43AA-8F73-3E975C3B2CFE}" dt="2025-12-18T20:53:08.879" v="1132" actId="1076"/>
+        <pc:picChg chg="add del mod">
+          <ac:chgData name="Luke Gaffney" userId="6fa697cc8cd57f76" providerId="LiveId" clId="{528BD4CA-A453-43AA-8F73-3E975C3B2CFE}" dt="2025-12-19T16:31:27.813" v="1518" actId="478"/>
           <ac:picMkLst>
             <pc:docMk/>
             <pc:sldMk cId="1987554360" sldId="280"/>
@@ -428,7 +540,7 @@
         </pc:picChg>
       </pc:sldChg>
       <pc:sldChg chg="addSp delSp modSp mod">
-        <pc:chgData name="Luke Gaffney" userId="6fa697cc8cd57f76" providerId="LiveId" clId="{528BD4CA-A453-43AA-8F73-3E975C3B2CFE}" dt="2025-12-18T20:54:05.272" v="1135"/>
+        <pc:chgData name="Luke Gaffney" userId="6fa697cc8cd57f76" providerId="LiveId" clId="{528BD4CA-A453-43AA-8F73-3E975C3B2CFE}" dt="2025-12-19T17:02:01.933" v="1645"/>
         <pc:sldMkLst>
           <pc:docMk/>
           <pc:sldMk cId="2767592310" sldId="282"/>
@@ -439,6 +551,14 @@
             <pc:docMk/>
             <pc:sldMk cId="2767592310" sldId="282"/>
             <ac:spMk id="2" creationId="{9CD3A3AA-476B-A498-4856-A7F18AA6D853}"/>
+          </ac:spMkLst>
+        </pc:spChg>
+        <pc:spChg chg="add mod">
+          <ac:chgData name="Luke Gaffney" userId="6fa697cc8cd57f76" providerId="LiveId" clId="{528BD4CA-A453-43AA-8F73-3E975C3B2CFE}" dt="2025-12-19T17:02:01.933" v="1645"/>
+          <ac:spMkLst>
+            <pc:docMk/>
+            <pc:sldMk cId="2767592310" sldId="282"/>
+            <ac:spMk id="5" creationId="{02DDFBE0-D271-E4EC-47A5-AABCE4FE7865}"/>
           </ac:spMkLst>
         </pc:spChg>
         <pc:spChg chg="del">
@@ -489,6 +609,14 @@
             <ac:spMk id="12" creationId="{106330F7-4175-F54E-5BFC-7E5FDF1409EC}"/>
           </ac:spMkLst>
         </pc:spChg>
+        <pc:picChg chg="add mod">
+          <ac:chgData name="Luke Gaffney" userId="6fa697cc8cd57f76" providerId="LiveId" clId="{528BD4CA-A453-43AA-8F73-3E975C3B2CFE}" dt="2025-12-19T16:37:23.927" v="1607" actId="208"/>
+          <ac:picMkLst>
+            <pc:docMk/>
+            <pc:sldMk cId="2767592310" sldId="282"/>
+            <ac:picMk id="4" creationId="{81C2F2B9-F46E-BEFD-D723-DB00C6B71162}"/>
+          </ac:picMkLst>
+        </pc:picChg>
         <pc:picChg chg="del">
           <ac:chgData name="Luke Gaffney" userId="6fa697cc8cd57f76" providerId="LiveId" clId="{528BD4CA-A453-43AA-8F73-3E975C3B2CFE}" dt="2025-12-18T19:41:21.549" v="687" actId="478"/>
           <ac:picMkLst>
@@ -497,8 +625,8 @@
             <ac:picMk id="4" creationId="{CBCDD5BD-E41D-96BD-F14F-9DEBD40C62F7}"/>
           </ac:picMkLst>
         </pc:picChg>
-        <pc:picChg chg="add mod">
-          <ac:chgData name="Luke Gaffney" userId="6fa697cc8cd57f76" providerId="LiveId" clId="{528BD4CA-A453-43AA-8F73-3E975C3B2CFE}" dt="2025-12-18T20:29:54.976" v="1124" actId="1076"/>
+        <pc:picChg chg="add del mod">
+          <ac:chgData name="Luke Gaffney" userId="6fa697cc8cd57f76" providerId="LiveId" clId="{528BD4CA-A453-43AA-8F73-3E975C3B2CFE}" dt="2025-12-19T16:31:37.909" v="1524" actId="478"/>
           <ac:picMkLst>
             <pc:docMk/>
             <pc:sldMk cId="2767592310" sldId="282"/>
@@ -515,7 +643,7 @@
         </pc:cxnChg>
       </pc:sldChg>
       <pc:sldChg chg="addSp delSp modSp mod">
-        <pc:chgData name="Luke Gaffney" userId="6fa697cc8cd57f76" providerId="LiveId" clId="{528BD4CA-A453-43AA-8F73-3E975C3B2CFE}" dt="2025-12-18T20:56:57.446" v="1142" actId="1076"/>
+        <pc:chgData name="Luke Gaffney" userId="6fa697cc8cd57f76" providerId="LiveId" clId="{528BD4CA-A453-43AA-8F73-3E975C3B2CFE}" dt="2025-12-19T17:02:07.389" v="1646"/>
         <pc:sldMkLst>
           <pc:docMk/>
           <pc:sldMk cId="2267194495" sldId="283"/>
@@ -537,13 +665,29 @@
           </ac:spMkLst>
         </pc:spChg>
         <pc:spChg chg="add mod">
-          <ac:chgData name="Luke Gaffney" userId="6fa697cc8cd57f76" providerId="LiveId" clId="{528BD4CA-A453-43AA-8F73-3E975C3B2CFE}" dt="2025-12-18T20:56:46.188" v="1140" actId="1076"/>
+          <ac:chgData name="Luke Gaffney" userId="6fa697cc8cd57f76" providerId="LiveId" clId="{528BD4CA-A453-43AA-8F73-3E975C3B2CFE}" dt="2025-12-19T17:02:07.389" v="1646"/>
+          <ac:spMkLst>
+            <pc:docMk/>
+            <pc:sldMk cId="2267194495" sldId="283"/>
+            <ac:spMk id="5" creationId="{47234CCC-923A-7AC6-E216-680BA1BD92B6}"/>
+          </ac:spMkLst>
+        </pc:spChg>
+        <pc:spChg chg="add mod">
+          <ac:chgData name="Luke Gaffney" userId="6fa697cc8cd57f76" providerId="LiveId" clId="{528BD4CA-A453-43AA-8F73-3E975C3B2CFE}" dt="2025-12-19T16:35:01.028" v="1572" actId="14100"/>
           <ac:spMkLst>
             <pc:docMk/>
             <pc:sldMk cId="2267194495" sldId="283"/>
             <ac:spMk id="8" creationId="{9D29D358-04B9-5357-361B-0994D1A9FA6E}"/>
           </ac:spMkLst>
         </pc:spChg>
+        <pc:picChg chg="add mod">
+          <ac:chgData name="Luke Gaffney" userId="6fa697cc8cd57f76" providerId="LiveId" clId="{528BD4CA-A453-43AA-8F73-3E975C3B2CFE}" dt="2025-12-19T16:37:36.896" v="1608" actId="208"/>
+          <ac:picMkLst>
+            <pc:docMk/>
+            <pc:sldMk cId="2267194495" sldId="283"/>
+            <ac:picMk id="4" creationId="{16790ABE-1FE4-4DDF-939D-A6D93D939BAE}"/>
+          </ac:picMkLst>
+        </pc:picChg>
         <pc:picChg chg="del">
           <ac:chgData name="Luke Gaffney" userId="6fa697cc8cd57f76" providerId="LiveId" clId="{528BD4CA-A453-43AA-8F73-3E975C3B2CFE}" dt="2025-12-18T19:47:16.876" v="699" actId="478"/>
           <ac:picMkLst>
@@ -552,8 +696,8 @@
             <ac:picMk id="5" creationId="{3ABD3270-EED2-272F-5DB7-267DB37C4CCA}"/>
           </ac:picMkLst>
         </pc:picChg>
-        <pc:picChg chg="add mod">
-          <ac:chgData name="Luke Gaffney" userId="6fa697cc8cd57f76" providerId="LiveId" clId="{528BD4CA-A453-43AA-8F73-3E975C3B2CFE}" dt="2025-12-18T20:56:57.446" v="1142" actId="1076"/>
+        <pc:picChg chg="add del mod">
+          <ac:chgData name="Luke Gaffney" userId="6fa697cc8cd57f76" providerId="LiveId" clId="{528BD4CA-A453-43AA-8F73-3E975C3B2CFE}" dt="2025-12-19T16:31:44" v="1528" actId="478"/>
           <ac:picMkLst>
             <pc:docMk/>
             <pc:sldMk cId="2267194495" sldId="283"/>
@@ -561,8 +705,8 @@
           </ac:picMkLst>
         </pc:picChg>
       </pc:sldChg>
-      <pc:sldChg chg="addSp modSp mod">
-        <pc:chgData name="Luke Gaffney" userId="6fa697cc8cd57f76" providerId="LiveId" clId="{528BD4CA-A453-43AA-8F73-3E975C3B2CFE}" dt="2025-12-18T21:01:12.125" v="1156" actId="255"/>
+      <pc:sldChg chg="addSp delSp modSp mod">
+        <pc:chgData name="Luke Gaffney" userId="6fa697cc8cd57f76" providerId="LiveId" clId="{528BD4CA-A453-43AA-8F73-3E975C3B2CFE}" dt="2025-12-19T17:02:11.270" v="1647"/>
         <pc:sldMkLst>
           <pc:docMk/>
           <pc:sldMk cId="3664452497" sldId="284"/>
@@ -576,24 +720,40 @@
           </ac:spMkLst>
         </pc:spChg>
         <pc:spChg chg="add mod">
-          <ac:chgData name="Luke Gaffney" userId="6fa697cc8cd57f76" providerId="LiveId" clId="{528BD4CA-A453-43AA-8F73-3E975C3B2CFE}" dt="2025-12-18T20:59:53.458" v="1148" actId="1076"/>
+          <ac:chgData name="Luke Gaffney" userId="6fa697cc8cd57f76" providerId="LiveId" clId="{528BD4CA-A453-43AA-8F73-3E975C3B2CFE}" dt="2025-12-19T16:35:45.365" v="1585" actId="1076"/>
           <ac:spMkLst>
             <pc:docMk/>
             <pc:sldMk cId="3664452497" sldId="284"/>
             <ac:spMk id="5" creationId="{44BA4203-4B1F-29D4-9B45-1F495A7BBED2}"/>
           </ac:spMkLst>
         </pc:spChg>
-        <pc:picChg chg="add mod">
-          <ac:chgData name="Luke Gaffney" userId="6fa697cc8cd57f76" providerId="LiveId" clId="{528BD4CA-A453-43AA-8F73-3E975C3B2CFE}" dt="2025-12-18T19:52:26.078" v="733" actId="14861"/>
+        <pc:spChg chg="add mod">
+          <ac:chgData name="Luke Gaffney" userId="6fa697cc8cd57f76" providerId="LiveId" clId="{528BD4CA-A453-43AA-8F73-3E975C3B2CFE}" dt="2025-12-19T17:02:11.270" v="1647"/>
+          <ac:spMkLst>
+            <pc:docMk/>
+            <pc:sldMk cId="3664452497" sldId="284"/>
+            <ac:spMk id="7" creationId="{CD2A6343-3F32-E1BA-2F4E-58ECF4E926AE}"/>
+          </ac:spMkLst>
+        </pc:spChg>
+        <pc:picChg chg="add del mod">
+          <ac:chgData name="Luke Gaffney" userId="6fa697cc8cd57f76" providerId="LiveId" clId="{528BD4CA-A453-43AA-8F73-3E975C3B2CFE}" dt="2025-12-19T16:31:50.373" v="1532" actId="478"/>
           <ac:picMkLst>
             <pc:docMk/>
             <pc:sldMk cId="3664452497" sldId="284"/>
             <ac:picMk id="4" creationId="{A9BE2DA3-AE8E-0BAD-F93C-9F9E5374244F}"/>
           </ac:picMkLst>
         </pc:picChg>
+        <pc:picChg chg="add mod">
+          <ac:chgData name="Luke Gaffney" userId="6fa697cc8cd57f76" providerId="LiveId" clId="{528BD4CA-A453-43AA-8F73-3E975C3B2CFE}" dt="2025-12-19T16:37:43.517" v="1609" actId="208"/>
+          <ac:picMkLst>
+            <pc:docMk/>
+            <pc:sldMk cId="3664452497" sldId="284"/>
+            <ac:picMk id="6" creationId="{54612A8B-9643-974C-DCE9-2E7FD4A71A57}"/>
+          </ac:picMkLst>
+        </pc:picChg>
       </pc:sldChg>
       <pc:sldChg chg="addSp modSp mod">
-        <pc:chgData name="Luke Gaffney" userId="6fa697cc8cd57f76" providerId="LiveId" clId="{528BD4CA-A453-43AA-8F73-3E975C3B2CFE}" dt="2025-12-18T21:10:56.624" v="1238" actId="1076"/>
+        <pc:chgData name="Luke Gaffney" userId="6fa697cc8cd57f76" providerId="LiveId" clId="{528BD4CA-A453-43AA-8F73-3E975C3B2CFE}" dt="2025-12-19T17:00:28.062" v="1638" actId="20577"/>
         <pc:sldMkLst>
           <pc:docMk/>
           <pc:sldMk cId="3434264560" sldId="285"/>
@@ -607,7 +767,7 @@
           </ac:spMkLst>
         </pc:spChg>
         <pc:spChg chg="add mod">
-          <ac:chgData name="Luke Gaffney" userId="6fa697cc8cd57f76" providerId="LiveId" clId="{528BD4CA-A453-43AA-8F73-3E975C3B2CFE}" dt="2025-12-18T21:10:56.624" v="1238" actId="1076"/>
+          <ac:chgData name="Luke Gaffney" userId="6fa697cc8cd57f76" providerId="LiveId" clId="{528BD4CA-A453-43AA-8F73-3E975C3B2CFE}" dt="2025-12-19T17:00:28.062" v="1638" actId="20577"/>
           <ac:spMkLst>
             <pc:docMk/>
             <pc:sldMk cId="3434264560" sldId="285"/>
@@ -616,7 +776,7 @@
         </pc:spChg>
       </pc:sldChg>
       <pc:sldChg chg="addSp modSp mod modNotesTx">
-        <pc:chgData name="Luke Gaffney" userId="6fa697cc8cd57f76" providerId="LiveId" clId="{528BD4CA-A453-43AA-8F73-3E975C3B2CFE}" dt="2025-12-18T21:10:02.126" v="1232" actId="20577"/>
+        <pc:chgData name="Luke Gaffney" userId="6fa697cc8cd57f76" providerId="LiveId" clId="{528BD4CA-A453-43AA-8F73-3E975C3B2CFE}" dt="2025-12-19T17:00:16.004" v="1632" actId="20577"/>
         <pc:sldMkLst>
           <pc:docMk/>
           <pc:sldMk cId="3314449408" sldId="286"/>
@@ -630,7 +790,7 @@
           </ac:spMkLst>
         </pc:spChg>
         <pc:spChg chg="add mod">
-          <ac:chgData name="Luke Gaffney" userId="6fa697cc8cd57f76" providerId="LiveId" clId="{528BD4CA-A453-43AA-8F73-3E975C3B2CFE}" dt="2025-12-18T21:09:45.942" v="1230" actId="1076"/>
+          <ac:chgData name="Luke Gaffney" userId="6fa697cc8cd57f76" providerId="LiveId" clId="{528BD4CA-A453-43AA-8F73-3E975C3B2CFE}" dt="2025-12-19T17:00:16.004" v="1632" actId="20577"/>
           <ac:spMkLst>
             <pc:docMk/>
             <pc:sldMk cId="3314449408" sldId="286"/>
@@ -639,7 +799,7 @@
         </pc:spChg>
       </pc:sldChg>
       <pc:sldChg chg="addSp delSp modSp mod modNotesTx">
-        <pc:chgData name="Luke Gaffney" userId="6fa697cc8cd57f76" providerId="LiveId" clId="{528BD4CA-A453-43AA-8F73-3E975C3B2CFE}" dt="2025-12-18T21:06:30.887" v="1218" actId="1076"/>
+        <pc:chgData name="Luke Gaffney" userId="6fa697cc8cd57f76" providerId="LiveId" clId="{528BD4CA-A453-43AA-8F73-3E975C3B2CFE}" dt="2025-12-19T16:51:43.854" v="1626" actId="313"/>
         <pc:sldMkLst>
           <pc:docMk/>
           <pc:sldMk cId="2071100020" sldId="287"/>
@@ -661,7 +821,7 @@
           </ac:spMkLst>
         </pc:spChg>
         <pc:spChg chg="add mod">
-          <ac:chgData name="Luke Gaffney" userId="6fa697cc8cd57f76" providerId="LiveId" clId="{528BD4CA-A453-43AA-8F73-3E975C3B2CFE}" dt="2025-12-18T21:06:30.887" v="1218" actId="1076"/>
+          <ac:chgData name="Luke Gaffney" userId="6fa697cc8cd57f76" providerId="LiveId" clId="{528BD4CA-A453-43AA-8F73-3E975C3B2CFE}" dt="2025-12-19T16:48:51.379" v="1624" actId="20577"/>
           <ac:spMkLst>
             <pc:docMk/>
             <pc:sldMk cId="2071100020" sldId="287"/>
@@ -677,8 +837,8 @@
           </ac:picMkLst>
         </pc:picChg>
       </pc:sldChg>
-      <pc:sldChg chg="addSp modSp mod">
-        <pc:chgData name="Luke Gaffney" userId="6fa697cc8cd57f76" providerId="LiveId" clId="{528BD4CA-A453-43AA-8F73-3E975C3B2CFE}" dt="2025-12-18T21:03:22.569" v="1166" actId="1076"/>
+      <pc:sldChg chg="addSp delSp modSp mod">
+        <pc:chgData name="Luke Gaffney" userId="6fa697cc8cd57f76" providerId="LiveId" clId="{528BD4CA-A453-43AA-8F73-3E975C3B2CFE}" dt="2025-12-19T17:02:18.379" v="1649"/>
         <pc:sldMkLst>
           <pc:docMk/>
           <pc:sldMk cId="3684625901" sldId="288"/>
@@ -692,19 +852,35 @@
           </ac:spMkLst>
         </pc:spChg>
         <pc:spChg chg="add mod">
-          <ac:chgData name="Luke Gaffney" userId="6fa697cc8cd57f76" providerId="LiveId" clId="{528BD4CA-A453-43AA-8F73-3E975C3B2CFE}" dt="2025-12-18T21:03:22.569" v="1166" actId="1076"/>
+          <ac:chgData name="Luke Gaffney" userId="6fa697cc8cd57f76" providerId="LiveId" clId="{528BD4CA-A453-43AA-8F73-3E975C3B2CFE}" dt="2025-12-19T16:36:48.179" v="1605" actId="1076"/>
           <ac:spMkLst>
             <pc:docMk/>
             <pc:sldMk cId="3684625901" sldId="288"/>
             <ac:spMk id="5" creationId="{FD65859E-3885-553F-D101-4DA042CB4B7F}"/>
           </ac:spMkLst>
         </pc:spChg>
-        <pc:picChg chg="add mod">
-          <ac:chgData name="Luke Gaffney" userId="6fa697cc8cd57f76" providerId="LiveId" clId="{528BD4CA-A453-43AA-8F73-3E975C3B2CFE}" dt="2025-12-18T19:58:39.398" v="753" actId="14861"/>
+        <pc:spChg chg="add mod">
+          <ac:chgData name="Luke Gaffney" userId="6fa697cc8cd57f76" providerId="LiveId" clId="{528BD4CA-A453-43AA-8F73-3E975C3B2CFE}" dt="2025-12-19T17:02:18.379" v="1649"/>
+          <ac:spMkLst>
+            <pc:docMk/>
+            <pc:sldMk cId="3684625901" sldId="288"/>
+            <ac:spMk id="7" creationId="{AAB38F1D-65AE-4A13-42AF-46651D5EDEFA}"/>
+          </ac:spMkLst>
+        </pc:spChg>
+        <pc:picChg chg="add del mod">
+          <ac:chgData name="Luke Gaffney" userId="6fa697cc8cd57f76" providerId="LiveId" clId="{528BD4CA-A453-43AA-8F73-3E975C3B2CFE}" dt="2025-12-19T16:32:05.853" v="1540" actId="478"/>
           <ac:picMkLst>
             <pc:docMk/>
             <pc:sldMk cId="3684625901" sldId="288"/>
             <ac:picMk id="4" creationId="{E3E521B4-28F8-B155-39D9-FFC2A322F275}"/>
+          </ac:picMkLst>
+        </pc:picChg>
+        <pc:picChg chg="add mod">
+          <ac:chgData name="Luke Gaffney" userId="6fa697cc8cd57f76" providerId="LiveId" clId="{528BD4CA-A453-43AA-8F73-3E975C3B2CFE}" dt="2025-12-19T16:37:55.761" v="1611" actId="208"/>
+          <ac:picMkLst>
+            <pc:docMk/>
+            <pc:sldMk cId="3684625901" sldId="288"/>
+            <ac:picMk id="6" creationId="{2504C8FC-6A5A-EEC5-4754-C9C6FE4A9504}"/>
           </ac:picMkLst>
         </pc:picChg>
       </pc:sldChg>
@@ -723,8 +899,8 @@
           </ac:spMkLst>
         </pc:spChg>
       </pc:sldChg>
-      <pc:sldChg chg="addSp modSp add mod">
-        <pc:chgData name="Luke Gaffney" userId="6fa697cc8cd57f76" providerId="LiveId" clId="{528BD4CA-A453-43AA-8F73-3E975C3B2CFE}" dt="2025-12-18T21:00:39.387" v="1153"/>
+      <pc:sldChg chg="addSp delSp modSp add mod modNotesTx">
+        <pc:chgData name="Luke Gaffney" userId="6fa697cc8cd57f76" providerId="LiveId" clId="{528BD4CA-A453-43AA-8F73-3E975C3B2CFE}" dt="2025-12-19T17:02:15.323" v="1648"/>
         <pc:sldMkLst>
           <pc:docMk/>
           <pc:sldMk cId="1769301805" sldId="290"/>
@@ -738,19 +914,35 @@
           </ac:spMkLst>
         </pc:spChg>
         <pc:spChg chg="add mod">
-          <ac:chgData name="Luke Gaffney" userId="6fa697cc8cd57f76" providerId="LiveId" clId="{528BD4CA-A453-43AA-8F73-3E975C3B2CFE}" dt="2025-12-18T21:00:39.387" v="1153"/>
+          <ac:chgData name="Luke Gaffney" userId="6fa697cc8cd57f76" providerId="LiveId" clId="{528BD4CA-A453-43AA-8F73-3E975C3B2CFE}" dt="2025-12-19T16:36:09.052" v="1592" actId="1076"/>
           <ac:spMkLst>
             <pc:docMk/>
             <pc:sldMk cId="1769301805" sldId="290"/>
             <ac:spMk id="3" creationId="{7F57997F-3107-1310-A949-2FE70FD3D3B0}"/>
           </ac:spMkLst>
         </pc:spChg>
-        <pc:picChg chg="add mod">
-          <ac:chgData name="Luke Gaffney" userId="6fa697cc8cd57f76" providerId="LiveId" clId="{528BD4CA-A453-43AA-8F73-3E975C3B2CFE}" dt="2025-12-18T19:56:20.329" v="744" actId="14861"/>
+        <pc:spChg chg="add mod">
+          <ac:chgData name="Luke Gaffney" userId="6fa697cc8cd57f76" providerId="LiveId" clId="{528BD4CA-A453-43AA-8F73-3E975C3B2CFE}" dt="2025-12-19T17:02:15.323" v="1648"/>
+          <ac:spMkLst>
+            <pc:docMk/>
+            <pc:sldMk cId="1769301805" sldId="290"/>
+            <ac:spMk id="7" creationId="{A004F379-19A0-C0B8-020A-433A7D73BA73}"/>
+          </ac:spMkLst>
+        </pc:spChg>
+        <pc:picChg chg="add del mod">
+          <ac:chgData name="Luke Gaffney" userId="6fa697cc8cd57f76" providerId="LiveId" clId="{528BD4CA-A453-43AA-8F73-3E975C3B2CFE}" dt="2025-12-19T16:31:59.658" v="1536" actId="478"/>
           <ac:picMkLst>
             <pc:docMk/>
             <pc:sldMk cId="1769301805" sldId="290"/>
             <ac:picMk id="5" creationId="{4C079BC6-8B69-7F43-AE1A-294524428087}"/>
+          </ac:picMkLst>
+        </pc:picChg>
+        <pc:picChg chg="add mod">
+          <ac:chgData name="Luke Gaffney" userId="6fa697cc8cd57f76" providerId="LiveId" clId="{528BD4CA-A453-43AA-8F73-3E975C3B2CFE}" dt="2025-12-19T16:37:49.657" v="1610" actId="208"/>
+          <ac:picMkLst>
+            <pc:docMk/>
+            <pc:sldMk cId="1769301805" sldId="290"/>
+            <ac:picMk id="6" creationId="{7C99DD9C-200C-6757-2144-D4A58CED240B}"/>
           </ac:picMkLst>
         </pc:picChg>
       </pc:sldChg>
@@ -841,7 +1033,7 @@
           <a:p>
             <a:fld id="{79DC4030-9B2D-4C56-AA99-33874DEDBB43}" type="datetimeFigureOut">
               <a:rPr lang="en-US" smtClean="0"/>
-              <a:t>12/17/2025</a:t>
+              <a:t>12/19/2025</a:t>
             </a:fld>
             <a:endParaRPr lang="en-US"/>
           </a:p>
@@ -1331,6 +1523,15 @@
               <a:t>These summary statistics provide context for the affordability and housing market trends discussed next.</a:t>
             </a:r>
           </a:p>
+          <a:p>
+            <a:endParaRPr lang="en-US" dirty="0"/>
+          </a:p>
+          <a:p>
+            <a:r>
+              <a:rPr lang="en-US" dirty="0"/>
+              <a:t>Slide could show comparisons between 2020 and 2023 (top to bottom and remove population) </a:t>
+            </a:r>
+          </a:p>
         </p:txBody>
       </p:sp>
       <p:sp>
@@ -1413,44 +1614,6 @@
           <a:bodyPr/>
           <a:lstStyle/>
           <a:p>
-            <a:pPr marL="285750" indent="-285750">
-              <a:buFont typeface="Arial" panose="020B0604020202020204" pitchFamily="34" charset="0"/>
-              <a:buChar char="•"/>
-            </a:pPr>
-            <a:r>
-              <a:rPr lang="en-US" b="1" dirty="0"/>
-              <a:t>Price-to-Income Ratio</a:t>
-            </a:r>
-          </a:p>
-          <a:p>
-            <a:pPr marL="742950" lvl="1" indent="-285750">
-              <a:buFont typeface="Arial" panose="020B0604020202020204" pitchFamily="34" charset="0"/>
-              <a:buChar char="•"/>
-            </a:pPr>
-            <a:r>
-              <a:rPr lang="en-US" dirty="0"/>
-              <a:t>The </a:t>
-            </a:r>
-            <a:r>
-              <a:rPr lang="en-US" b="1" dirty="0"/>
-              <a:t>price-to-income ratio</a:t>
-            </a:r>
-            <a:r>
-              <a:rPr lang="en-US" dirty="0"/>
-              <a:t> measures how affordable housing is by comparing the cost of a typical home to the income of a typical household.</a:t>
-            </a:r>
-          </a:p>
-          <a:p>
-            <a:pPr marL="742950" lvl="1" indent="-285750">
-              <a:buFont typeface="Arial" panose="020B0604020202020204" pitchFamily="34" charset="0"/>
-              <a:buChar char="•"/>
-            </a:pPr>
-            <a:r>
-              <a:rPr lang="en-US" b="1" dirty="0"/>
-              <a:t>Price-to-Income Ratio= Median Home Sale Price/Median Household Income</a:t>
-            </a:r>
-          </a:p>
-          <a:p>
             <a:endParaRPr lang="en-US" dirty="0"/>
           </a:p>
         </p:txBody>
@@ -1472,7 +1635,7 @@
           <a:p>
             <a:fld id="{F04F93AA-2A77-4ACB-8117-F9E159C9069A}" type="slidenum">
               <a:rPr lang="en-US" smtClean="0"/>
-              <a:t>7</a:t>
+              <a:t>6</a:t>
             </a:fld>
             <a:endParaRPr lang="en-US"/>
           </a:p>
@@ -1481,7 +1644,7 @@
     </p:spTree>
     <p:extLst>
       <p:ext uri="{BB962C8B-B14F-4D97-AF65-F5344CB8AC3E}">
-        <p14:creationId xmlns:p14="http://schemas.microsoft.com/office/powerpoint/2010/main" val="3524343700"/>
+        <p14:creationId xmlns:p14="http://schemas.microsoft.com/office/powerpoint/2010/main" val="1652447903"/>
       </p:ext>
     </p:extLst>
   </p:cSld>
@@ -1535,31 +1698,41 @@
           <a:bodyPr/>
           <a:lstStyle/>
           <a:p>
+            <a:pPr marL="285750" indent="-285750">
+              <a:buFont typeface="Arial" panose="020B0604020202020204" pitchFamily="34" charset="0"/>
+              <a:buChar char="•"/>
+            </a:pPr>
+            <a:r>
+              <a:rPr lang="en-US" b="1" dirty="0"/>
+              <a:t>Price-to-Income Ratio</a:t>
+            </a:r>
+          </a:p>
+          <a:p>
+            <a:pPr marL="742950" lvl="1" indent="-285750">
+              <a:buFont typeface="Arial" panose="020B0604020202020204" pitchFamily="34" charset="0"/>
+              <a:buChar char="•"/>
+            </a:pPr>
             <a:r>
               <a:rPr lang="en-US" dirty="0"/>
-              <a:t>When looking at slide 5 data when looking at median home price how that has changed compared to the interest rate change my findings would be that </a:t>
-            </a:r>
-            <a:r>
-              <a:rPr lang="en-US" dirty="0" err="1"/>
-              <a:t>avaerag</a:t>
+              <a:t>The </a:t>
+            </a:r>
+            <a:r>
+              <a:rPr lang="en-US" b="1" dirty="0"/>
+              <a:t>price-to-income ratio</a:t>
             </a:r>
             <a:r>
               <a:rPr lang="en-US" dirty="0"/>
-              <a:t> </a:t>
-            </a:r>
-            <a:r>
-              <a:rPr lang="en-US" dirty="0" err="1"/>
-              <a:t>ehome</a:t>
-            </a:r>
-            <a:r>
-              <a:rPr lang="en-US" dirty="0"/>
-              <a:t> owner that purchased in 2023 vs 2020 spent on average x amount more on a monthly –payment with 20%</a:t>
-            </a:r>
-          </a:p>
-          <a:p>
-            <a:r>
-              <a:rPr lang="en-US" dirty="0"/>
-              <a:t> how the average payment would change</a:t>
+              <a:t> measures how affordable housing is by comparing the cost of a typical home to the income of a typical household.</a:t>
+            </a:r>
+          </a:p>
+          <a:p>
+            <a:pPr marL="742950" lvl="1" indent="-285750">
+              <a:buFont typeface="Arial" panose="020B0604020202020204" pitchFamily="34" charset="0"/>
+              <a:buChar char="•"/>
+            </a:pPr>
+            <a:r>
+              <a:rPr lang="en-US" b="1" dirty="0"/>
+              <a:t>Price-to-Income Ratio= Median Home Sale Price/Median Household Income</a:t>
             </a:r>
           </a:p>
           <a:p>
@@ -1584,6 +1757,296 @@
           <a:p>
             <a:fld id="{F04F93AA-2A77-4ACB-8117-F9E159C9069A}" type="slidenum">
               <a:rPr lang="en-US" smtClean="0"/>
+              <a:t>7</a:t>
+            </a:fld>
+            <a:endParaRPr lang="en-US"/>
+          </a:p>
+        </p:txBody>
+      </p:sp>
+    </p:spTree>
+    <p:extLst>
+      <p:ext uri="{BB962C8B-B14F-4D97-AF65-F5344CB8AC3E}">
+        <p14:creationId xmlns:p14="http://schemas.microsoft.com/office/powerpoint/2010/main" val="3524343700"/>
+      </p:ext>
+    </p:extLst>
+  </p:cSld>
+  <p:clrMapOvr>
+    <a:masterClrMapping/>
+  </p:clrMapOvr>
+</p:notes>
+</file>
+
+<file path=ppt/notesSlides/notesSlide6.xml><?xml version="1.0" encoding="utf-8"?>
+<p:notes xmlns:a="http://schemas.openxmlformats.org/drawingml/2006/main" xmlns:r="http://schemas.openxmlformats.org/officeDocument/2006/relationships" xmlns:p="http://schemas.openxmlformats.org/presentationml/2006/main">
+  <p:cSld>
+    <p:spTree>
+      <p:nvGrpSpPr>
+        <p:cNvPr id="1" name=""/>
+        <p:cNvGrpSpPr/>
+        <p:nvPr/>
+      </p:nvGrpSpPr>
+      <p:grpSpPr>
+        <a:xfrm>
+          <a:off x="0" y="0"/>
+          <a:ext cx="0" cy="0"/>
+          <a:chOff x="0" y="0"/>
+          <a:chExt cx="0" cy="0"/>
+        </a:xfrm>
+      </p:grpSpPr>
+      <p:sp>
+        <p:nvSpPr>
+          <p:cNvPr id="2" name="Slide Image Placeholder 1"/>
+          <p:cNvSpPr>
+            <a:spLocks noGrp="1" noRot="1" noChangeAspect="1"/>
+          </p:cNvSpPr>
+          <p:nvPr>
+            <p:ph type="sldImg"/>
+          </p:nvPr>
+        </p:nvSpPr>
+        <p:spPr/>
+      </p:sp>
+      <p:sp>
+        <p:nvSpPr>
+          <p:cNvPr id="3" name="Notes Placeholder 2"/>
+          <p:cNvSpPr>
+            <a:spLocks noGrp="1"/>
+          </p:cNvSpPr>
+          <p:nvPr>
+            <p:ph type="body" idx="1"/>
+          </p:nvPr>
+        </p:nvSpPr>
+        <p:spPr/>
+        <p:txBody>
+          <a:bodyPr/>
+          <a:lstStyle/>
+          <a:p>
+            <a:pPr marL="0" marR="0" lvl="0" indent="0" algn="l" defTabSz="914400" rtl="0" eaLnBrk="1" fontAlgn="auto" latinLnBrk="0" hangingPunct="1">
+              <a:lnSpc>
+                <a:spcPct val="100000"/>
+              </a:lnSpc>
+              <a:spcBef>
+                <a:spcPts val="0"/>
+              </a:spcBef>
+              <a:spcAft>
+                <a:spcPts val="0"/>
+              </a:spcAft>
+              <a:buClrTx/>
+              <a:buSzTx/>
+              <a:buFontTx/>
+              <a:buNone/>
+              <a:tabLst/>
+              <a:defRPr/>
+            </a:pPr>
+            <a:r>
+              <a:rPr lang="en-US" dirty="0"/>
+              <a:t>During this period, Metro Nashville experienced continued population growth, while housing inventory remained constrained. This imbalance between demand and available housing helps explain why prices continued to rise despite fluctuations in sales volume.  Maybe talk about population increase in the speaker notes on this one</a:t>
+            </a:r>
+          </a:p>
+          <a:p>
+            <a:endParaRPr lang="en-US" dirty="0"/>
+          </a:p>
+        </p:txBody>
+      </p:sp>
+      <p:sp>
+        <p:nvSpPr>
+          <p:cNvPr id="4" name="Slide Number Placeholder 3"/>
+          <p:cNvSpPr>
+            <a:spLocks noGrp="1"/>
+          </p:cNvSpPr>
+          <p:nvPr>
+            <p:ph type="sldNum" sz="quarter" idx="5"/>
+          </p:nvPr>
+        </p:nvSpPr>
+        <p:spPr/>
+        <p:txBody>
+          <a:bodyPr/>
+          <a:lstStyle/>
+          <a:p>
+            <a:fld id="{F04F93AA-2A77-4ACB-8117-F9E159C9069A}" type="slidenum">
+              <a:rPr lang="en-US" smtClean="0"/>
+              <a:t>8</a:t>
+            </a:fld>
+            <a:endParaRPr lang="en-US"/>
+          </a:p>
+        </p:txBody>
+      </p:sp>
+    </p:spTree>
+    <p:extLst>
+      <p:ext uri="{BB962C8B-B14F-4D97-AF65-F5344CB8AC3E}">
+        <p14:creationId xmlns:p14="http://schemas.microsoft.com/office/powerpoint/2010/main" val="2359422724"/>
+      </p:ext>
+    </p:extLst>
+  </p:cSld>
+  <p:clrMapOvr>
+    <a:masterClrMapping/>
+  </p:clrMapOvr>
+</p:notes>
+</file>
+
+<file path=ppt/notesSlides/notesSlide7.xml><?xml version="1.0" encoding="utf-8"?>
+<p:notes xmlns:a="http://schemas.openxmlformats.org/drawingml/2006/main" xmlns:r="http://schemas.openxmlformats.org/officeDocument/2006/relationships" xmlns:p="http://schemas.openxmlformats.org/presentationml/2006/main">
+  <p:cSld>
+    <p:spTree>
+      <p:nvGrpSpPr>
+        <p:cNvPr id="1" name=""/>
+        <p:cNvGrpSpPr/>
+        <p:nvPr/>
+      </p:nvGrpSpPr>
+      <p:grpSpPr>
+        <a:xfrm>
+          <a:off x="0" y="0"/>
+          <a:ext cx="0" cy="0"/>
+          <a:chOff x="0" y="0"/>
+          <a:chExt cx="0" cy="0"/>
+        </a:xfrm>
+      </p:grpSpPr>
+      <p:sp>
+        <p:nvSpPr>
+          <p:cNvPr id="2" name="Slide Image Placeholder 1"/>
+          <p:cNvSpPr>
+            <a:spLocks noGrp="1" noRot="1" noChangeAspect="1"/>
+          </p:cNvSpPr>
+          <p:nvPr>
+            <p:ph type="sldImg"/>
+          </p:nvPr>
+        </p:nvSpPr>
+        <p:spPr/>
+      </p:sp>
+      <p:sp>
+        <p:nvSpPr>
+          <p:cNvPr id="3" name="Notes Placeholder 2"/>
+          <p:cNvSpPr>
+            <a:spLocks noGrp="1"/>
+          </p:cNvSpPr>
+          <p:nvPr>
+            <p:ph type="body" idx="1"/>
+          </p:nvPr>
+        </p:nvSpPr>
+        <p:spPr/>
+        <p:txBody>
+          <a:bodyPr/>
+          <a:lstStyle/>
+          <a:p>
+            <a:r>
+              <a:rPr lang="en-US" dirty="0"/>
+              <a:t>Income was not increasing with cost of living </a:t>
+            </a:r>
+          </a:p>
+        </p:txBody>
+      </p:sp>
+      <p:sp>
+        <p:nvSpPr>
+          <p:cNvPr id="4" name="Slide Number Placeholder 3"/>
+          <p:cNvSpPr>
+            <a:spLocks noGrp="1"/>
+          </p:cNvSpPr>
+          <p:nvPr>
+            <p:ph type="sldNum" sz="quarter" idx="5"/>
+          </p:nvPr>
+        </p:nvSpPr>
+        <p:spPr/>
+        <p:txBody>
+          <a:bodyPr/>
+          <a:lstStyle/>
+          <a:p>
+            <a:fld id="{F04F93AA-2A77-4ACB-8117-F9E159C9069A}" type="slidenum">
+              <a:rPr lang="en-US" smtClean="0"/>
+              <a:t>10</a:t>
+            </a:fld>
+            <a:endParaRPr lang="en-US"/>
+          </a:p>
+        </p:txBody>
+      </p:sp>
+    </p:spTree>
+    <p:extLst>
+      <p:ext uri="{BB962C8B-B14F-4D97-AF65-F5344CB8AC3E}">
+        <p14:creationId xmlns:p14="http://schemas.microsoft.com/office/powerpoint/2010/main" val="736034999"/>
+      </p:ext>
+    </p:extLst>
+  </p:cSld>
+  <p:clrMapOvr>
+    <a:masterClrMapping/>
+  </p:clrMapOvr>
+</p:notes>
+</file>
+
+<file path=ppt/notesSlides/notesSlide8.xml><?xml version="1.0" encoding="utf-8"?>
+<p:notes xmlns:a="http://schemas.openxmlformats.org/drawingml/2006/main" xmlns:r="http://schemas.openxmlformats.org/officeDocument/2006/relationships" xmlns:p="http://schemas.openxmlformats.org/presentationml/2006/main">
+  <p:cSld>
+    <p:spTree>
+      <p:nvGrpSpPr>
+        <p:cNvPr id="1" name=""/>
+        <p:cNvGrpSpPr/>
+        <p:nvPr/>
+      </p:nvGrpSpPr>
+      <p:grpSpPr>
+        <a:xfrm>
+          <a:off x="0" y="0"/>
+          <a:ext cx="0" cy="0"/>
+          <a:chOff x="0" y="0"/>
+          <a:chExt cx="0" cy="0"/>
+        </a:xfrm>
+      </p:grpSpPr>
+      <p:sp>
+        <p:nvSpPr>
+          <p:cNvPr id="2" name="Slide Image Placeholder 1"/>
+          <p:cNvSpPr>
+            <a:spLocks noGrp="1" noRot="1" noChangeAspect="1"/>
+          </p:cNvSpPr>
+          <p:nvPr>
+            <p:ph type="sldImg"/>
+          </p:nvPr>
+        </p:nvSpPr>
+        <p:spPr/>
+      </p:sp>
+      <p:sp>
+        <p:nvSpPr>
+          <p:cNvPr id="3" name="Notes Placeholder 2"/>
+          <p:cNvSpPr>
+            <a:spLocks noGrp="1"/>
+          </p:cNvSpPr>
+          <p:nvPr>
+            <p:ph type="body" idx="1"/>
+          </p:nvPr>
+        </p:nvSpPr>
+        <p:spPr/>
+        <p:txBody>
+          <a:bodyPr/>
+          <a:lstStyle/>
+          <a:p>
+            <a:r>
+              <a:rPr lang="en-US" dirty="0"/>
+              <a:t>When looking at slide 5 data when looking at median home price how that has changed compared to the interest rate change my findings would be that average home owner that purchased in 2023 vs 2020 spent on average x amount more on a monthly –payment with 20%</a:t>
+            </a:r>
+          </a:p>
+          <a:p>
+            <a:r>
+              <a:rPr lang="en-US" dirty="0"/>
+              <a:t> how the average payment would change</a:t>
+            </a:r>
+          </a:p>
+          <a:p>
+            <a:endParaRPr lang="en-US" dirty="0"/>
+          </a:p>
+        </p:txBody>
+      </p:sp>
+      <p:sp>
+        <p:nvSpPr>
+          <p:cNvPr id="4" name="Slide Number Placeholder 3"/>
+          <p:cNvSpPr>
+            <a:spLocks noGrp="1"/>
+          </p:cNvSpPr>
+          <p:nvPr>
+            <p:ph type="sldNum" sz="quarter" idx="5"/>
+          </p:nvPr>
+        </p:nvSpPr>
+        <p:spPr/>
+        <p:txBody>
+          <a:bodyPr/>
+          <a:lstStyle/>
+          <a:p>
+            <a:fld id="{F04F93AA-2A77-4ACB-8117-F9E159C9069A}" type="slidenum">
+              <a:rPr lang="en-US" smtClean="0"/>
               <a:t>12</a:t>
             </a:fld>
             <a:endParaRPr lang="en-US"/>
@@ -1603,7 +2066,7 @@
 </p:notes>
 </file>
 
-<file path=ppt/notesSlides/notesSlide6.xml><?xml version="1.0" encoding="utf-8"?>
+<file path=ppt/notesSlides/notesSlide9.xml><?xml version="1.0" encoding="utf-8"?>
 <p:notes xmlns:a="http://schemas.openxmlformats.org/drawingml/2006/main" xmlns:r="http://schemas.openxmlformats.org/officeDocument/2006/relationships" xmlns:p="http://schemas.openxmlformats.org/presentationml/2006/main">
   <p:cSld>
     <p:spTree>
@@ -1944,7 +2407,7 @@
           <a:p>
             <a:fld id="{13FBD760-3C71-467A-88B1-1440ED683542}" type="datetimeFigureOut">
               <a:rPr lang="en-US" smtClean="0"/>
-              <a:t>12/16/2025</a:t>
+              <a:t>12/19/2025</a:t>
             </a:fld>
             <a:endParaRPr lang="en-US"/>
           </a:p>
@@ -2142,7 +2605,7 @@
           <a:p>
             <a:fld id="{13FBD760-3C71-467A-88B1-1440ED683542}" type="datetimeFigureOut">
               <a:rPr lang="en-US" smtClean="0"/>
-              <a:t>12/16/2025</a:t>
+              <a:t>12/19/2025</a:t>
             </a:fld>
             <a:endParaRPr lang="en-US"/>
           </a:p>
@@ -2350,7 +2813,7 @@
           <a:p>
             <a:fld id="{13FBD760-3C71-467A-88B1-1440ED683542}" type="datetimeFigureOut">
               <a:rPr lang="en-US" smtClean="0"/>
-              <a:t>12/16/2025</a:t>
+              <a:t>12/19/2025</a:t>
             </a:fld>
             <a:endParaRPr lang="en-US"/>
           </a:p>
@@ -2548,7 +3011,7 @@
           <a:p>
             <a:fld id="{13FBD760-3C71-467A-88B1-1440ED683542}" type="datetimeFigureOut">
               <a:rPr lang="en-US" smtClean="0"/>
-              <a:t>12/16/2025</a:t>
+              <a:t>12/19/2025</a:t>
             </a:fld>
             <a:endParaRPr lang="en-US"/>
           </a:p>
@@ -2823,7 +3286,7 @@
           <a:p>
             <a:fld id="{13FBD760-3C71-467A-88B1-1440ED683542}" type="datetimeFigureOut">
               <a:rPr lang="en-US" smtClean="0"/>
-              <a:t>12/16/2025</a:t>
+              <a:t>12/19/2025</a:t>
             </a:fld>
             <a:endParaRPr lang="en-US"/>
           </a:p>
@@ -3088,7 +3551,7 @@
           <a:p>
             <a:fld id="{13FBD760-3C71-467A-88B1-1440ED683542}" type="datetimeFigureOut">
               <a:rPr lang="en-US" smtClean="0"/>
-              <a:t>12/16/2025</a:t>
+              <a:t>12/19/2025</a:t>
             </a:fld>
             <a:endParaRPr lang="en-US"/>
           </a:p>
@@ -3500,7 +3963,7 @@
           <a:p>
             <a:fld id="{13FBD760-3C71-467A-88B1-1440ED683542}" type="datetimeFigureOut">
               <a:rPr lang="en-US" smtClean="0"/>
-              <a:t>12/16/2025</a:t>
+              <a:t>12/19/2025</a:t>
             </a:fld>
             <a:endParaRPr lang="en-US"/>
           </a:p>
@@ -3641,7 +4104,7 @@
           <a:p>
             <a:fld id="{13FBD760-3C71-467A-88B1-1440ED683542}" type="datetimeFigureOut">
               <a:rPr lang="en-US" smtClean="0"/>
-              <a:t>12/16/2025</a:t>
+              <a:t>12/19/2025</a:t>
             </a:fld>
             <a:endParaRPr lang="en-US"/>
           </a:p>
@@ -3754,7 +4217,7 @@
           <a:p>
             <a:fld id="{13FBD760-3C71-467A-88B1-1440ED683542}" type="datetimeFigureOut">
               <a:rPr lang="en-US" smtClean="0"/>
-              <a:t>12/16/2025</a:t>
+              <a:t>12/19/2025</a:t>
             </a:fld>
             <a:endParaRPr lang="en-US"/>
           </a:p>
@@ -4065,7 +4528,7 @@
           <a:p>
             <a:fld id="{13FBD760-3C71-467A-88B1-1440ED683542}" type="datetimeFigureOut">
               <a:rPr lang="en-US" smtClean="0"/>
-              <a:t>12/16/2025</a:t>
+              <a:t>12/19/2025</a:t>
             </a:fld>
             <a:endParaRPr lang="en-US"/>
           </a:p>
@@ -4353,7 +4816,7 @@
           <a:p>
             <a:fld id="{13FBD760-3C71-467A-88B1-1440ED683542}" type="datetimeFigureOut">
               <a:rPr lang="en-US" smtClean="0"/>
-              <a:t>12/16/2025</a:t>
+              <a:t>12/19/2025</a:t>
             </a:fld>
             <a:endParaRPr lang="en-US"/>
           </a:p>
@@ -4594,7 +5057,7 @@
           <a:p>
             <a:fld id="{13FBD760-3C71-467A-88B1-1440ED683542}" type="datetimeFigureOut">
               <a:rPr lang="en-US" smtClean="0"/>
-              <a:t>12/16/2025</a:t>
+              <a:t>12/19/2025</a:t>
             </a:fld>
             <a:endParaRPr lang="en-US"/>
           </a:p>
@@ -6628,7 +7091,7 @@
         </p:nvSpPr>
         <p:spPr>
           <a:xfrm>
-            <a:off x="6781800" y="3002936"/>
+            <a:off x="7079318" y="3002936"/>
             <a:ext cx="4809067" cy="2308324"/>
           </a:xfrm>
           <a:prstGeom prst="rect">
@@ -6651,10 +7114,10 @@
       </p:sp>
       <p:pic>
         <p:nvPicPr>
-          <p:cNvPr id="5" name="Picture 4" descr="A graph showing a line of income&#10;&#10;AI-generated content may be incorrect.">
+          <p:cNvPr id="6" name="Picture 5" descr="A graph showing the growth of a mortgage payment&#10;&#10;AI-generated content may be incorrect.">
             <a:extLst>
               <a:ext uri="{FF2B5EF4-FFF2-40B4-BE49-F238E27FC236}">
-                <a16:creationId xmlns:a16="http://schemas.microsoft.com/office/drawing/2014/main" id="{4C079BC6-8B69-7F43-AE1A-294524428087}"/>
+                <a16:creationId xmlns:a16="http://schemas.microsoft.com/office/drawing/2014/main" id="{7C99DD9C-200C-6757-2144-D4A58CED240B}"/>
               </a:ext>
             </a:extLst>
           </p:cNvPr>
@@ -6664,7 +7127,7 @@
           <p:nvPr/>
         </p:nvPicPr>
         <p:blipFill>
-          <a:blip r:embed="rId2">
+          <a:blip r:embed="rId3">
             <a:extLst>
               <a:ext uri="{28A0092B-C50C-407E-A947-70E740481C1C}">
                 <a14:useLocalDpi xmlns:a14="http://schemas.microsoft.com/office/drawing/2010/main" val="0"/>
@@ -6677,15 +7140,17 @@
         </p:blipFill>
         <p:spPr>
           <a:xfrm>
-            <a:off x="464473" y="2187090"/>
-            <a:ext cx="6063327" cy="3926863"/>
+            <a:off x="601132" y="2184265"/>
+            <a:ext cx="6177619" cy="3945666"/>
           </a:xfrm>
           <a:prstGeom prst="rect">
             <a:avLst/>
           </a:prstGeom>
-          <a:ln w="19050">
+          <a:ln w="28575">
             <a:solidFill>
-              <a:schemeClr val="tx1"/>
+              <a:schemeClr val="bg2">
+                <a:lumMod val="25000"/>
+              </a:schemeClr>
             </a:solidFill>
           </a:ln>
           <a:effectLst>
@@ -6697,6 +7162,45 @@
           </a:effectLst>
         </p:spPr>
       </p:pic>
+      <p:sp>
+        <p:nvSpPr>
+          <p:cNvPr id="7" name="TextBox 6">
+            <a:extLst>
+              <a:ext uri="{FF2B5EF4-FFF2-40B4-BE49-F238E27FC236}">
+                <a16:creationId xmlns:a16="http://schemas.microsoft.com/office/drawing/2014/main" id="{A004F379-19A0-C0B8-020A-433A7D73BA73}"/>
+              </a:ext>
+            </a:extLst>
+          </p:cNvPr>
+          <p:cNvSpPr txBox="1"/>
+          <p:nvPr/>
+        </p:nvSpPr>
+        <p:spPr>
+          <a:xfrm>
+            <a:off x="70339" y="6569125"/>
+            <a:ext cx="4873450" cy="215444"/>
+          </a:xfrm>
+          <a:prstGeom prst="rect">
+            <a:avLst/>
+          </a:prstGeom>
+          <a:noFill/>
+        </p:spPr>
+        <p:txBody>
+          <a:bodyPr wrap="square" rtlCol="0">
+            <a:spAutoFit/>
+          </a:bodyPr>
+          <a:lstStyle/>
+          <a:p>
+            <a:r>
+              <a:rPr lang="en-US" sz="800" b="1" i="1" dirty="0"/>
+              <a:t>Source:</a:t>
+            </a:r>
+            <a:r>
+              <a:rPr lang="en-US" sz="800" i="1" dirty="0"/>
+              <a:t> Redfin Housing Market Data; U.S. Census Bureau, American Community Survey (ACS)</a:t>
+            </a:r>
+          </a:p>
+        </p:txBody>
+      </p:sp>
     </p:spTree>
     <p:extLst>
       <p:ext uri="{BB962C8B-B14F-4D97-AF65-F5344CB8AC3E}">
@@ -7532,12 +8036,56 @@
           </a:p>
         </p:txBody>
       </p:sp>
+      <p:sp>
+        <p:nvSpPr>
+          <p:cNvPr id="5" name="TextBox 4">
+            <a:extLst>
+              <a:ext uri="{FF2B5EF4-FFF2-40B4-BE49-F238E27FC236}">
+                <a16:creationId xmlns:a16="http://schemas.microsoft.com/office/drawing/2014/main" id="{FD65859E-3885-553F-D101-4DA042CB4B7F}"/>
+              </a:ext>
+            </a:extLst>
+          </p:cNvPr>
+          <p:cNvSpPr txBox="1"/>
+          <p:nvPr/>
+        </p:nvSpPr>
+        <p:spPr>
+          <a:xfrm>
+            <a:off x="7321317" y="2379566"/>
+            <a:ext cx="4292600" cy="3416320"/>
+          </a:xfrm>
+          <a:prstGeom prst="rect">
+            <a:avLst/>
+          </a:prstGeom>
+          <a:noFill/>
+        </p:spPr>
+        <p:txBody>
+          <a:bodyPr wrap="square" rtlCol="0">
+            <a:spAutoFit/>
+          </a:bodyPr>
+          <a:lstStyle/>
+          <a:p>
+            <a:r>
+              <a:rPr lang="en-US" dirty="0"/>
+              <a:t>Housing affordability changes were not evenly distributed across Metro Nashville. Between 2020 and 2023, several ZIP codes experienced significantly larger increases in price-to-income ratios, indicating more rapid affordability deterioration compared to other areas.</a:t>
+            </a:r>
+          </a:p>
+          <a:p>
+            <a:endParaRPr lang="en-US" dirty="0"/>
+          </a:p>
+          <a:p>
+            <a:r>
+              <a:rPr lang="en-US" dirty="0"/>
+              <a:t>These disparities suggest that neighborhood-level market dynamics played an important role in shaping housing affordability outcomes.</a:t>
+            </a:r>
+          </a:p>
+        </p:txBody>
+      </p:sp>
       <p:pic>
         <p:nvPicPr>
-          <p:cNvPr id="4" name="Picture 3" descr="A graph of a number of blue bars&#10;&#10;AI-generated content may be incorrect.">
+          <p:cNvPr id="6" name="Picture 5" descr="A graph of blue rectangular bars&#10;&#10;AI-generated content may be incorrect.">
             <a:extLst>
               <a:ext uri="{FF2B5EF4-FFF2-40B4-BE49-F238E27FC236}">
-                <a16:creationId xmlns:a16="http://schemas.microsoft.com/office/drawing/2014/main" id="{E3E521B4-28F8-B155-39D9-FFC2A322F275}"/>
+                <a16:creationId xmlns:a16="http://schemas.microsoft.com/office/drawing/2014/main" id="{2504C8FC-6A5A-EEC5-4754-C9C6FE4A9504}"/>
               </a:ext>
             </a:extLst>
           </p:cNvPr>
@@ -7560,18 +8108,17 @@
         </p:blipFill>
         <p:spPr>
           <a:xfrm>
-            <a:off x="505621" y="2261105"/>
-            <a:ext cx="6056045" cy="3886715"/>
+            <a:off x="506110" y="2214778"/>
+            <a:ext cx="6467446" cy="3960337"/>
           </a:xfrm>
           <a:prstGeom prst="rect">
             <a:avLst/>
           </a:prstGeom>
-          <a:solidFill>
-            <a:srgbClr val="F2F2F2"/>
-          </a:solidFill>
-          <a:ln w="19050">
+          <a:ln w="28575">
             <a:solidFill>
-              <a:schemeClr val="tx1"/>
+              <a:schemeClr val="bg2">
+                <a:lumMod val="25000"/>
+              </a:schemeClr>
             </a:solidFill>
           </a:ln>
           <a:effectLst>
@@ -7585,10 +8132,10 @@
       </p:pic>
       <p:sp>
         <p:nvSpPr>
-          <p:cNvPr id="5" name="TextBox 4">
+          <p:cNvPr id="7" name="TextBox 6">
             <a:extLst>
               <a:ext uri="{FF2B5EF4-FFF2-40B4-BE49-F238E27FC236}">
-                <a16:creationId xmlns:a16="http://schemas.microsoft.com/office/drawing/2014/main" id="{FD65859E-3885-553F-D101-4DA042CB4B7F}"/>
+                <a16:creationId xmlns:a16="http://schemas.microsoft.com/office/drawing/2014/main" id="{AAB38F1D-65AE-4A13-42AF-46651D5EDEFA}"/>
               </a:ext>
             </a:extLst>
           </p:cNvPr>
@@ -7597,8 +8144,8 @@
         </p:nvSpPr>
         <p:spPr>
           <a:xfrm>
-            <a:off x="7140447" y="2359469"/>
-            <a:ext cx="4292600" cy="3416320"/>
+            <a:off x="70339" y="6569125"/>
+            <a:ext cx="4873450" cy="215444"/>
           </a:xfrm>
           <a:prstGeom prst="rect">
             <a:avLst/>
@@ -7612,17 +8159,12 @@
           <a:lstStyle/>
           <a:p>
             <a:r>
-              <a:rPr lang="en-US" dirty="0"/>
-              <a:t>Housing affordability changes were not evenly distributed across Metro Nashville. Between 2020 and 2023, several ZIP codes experienced significantly larger increases in price-to-income ratios, indicating more rapid affordability deterioration compared to other areas.</a:t>
-            </a:r>
-          </a:p>
-          <a:p>
-            <a:endParaRPr lang="en-US" dirty="0"/>
-          </a:p>
-          <a:p>
-            <a:r>
-              <a:rPr lang="en-US" dirty="0"/>
-              <a:t>These disparities suggest that neighborhood-level market dynamics played an important role in shaping housing affordability outcomes.</a:t>
+              <a:rPr lang="en-US" sz="800" b="1" i="1" dirty="0"/>
+              <a:t>Source:</a:t>
+            </a:r>
+            <a:r>
+              <a:rPr lang="en-US" sz="800" i="1" dirty="0"/>
+              <a:t> Redfin Housing Market Data; U.S. Census Bureau, American Community Survey (ACS)</a:t>
             </a:r>
           </a:p>
         </p:txBody>
@@ -8510,7 +9052,7 @@
             </a:r>
             <a:r>
               <a:rPr lang="en-US" sz="1600" b="1" dirty="0"/>
-              <a:t>~41% between 2020 and 2023</a:t>
+              <a:t>41% between 2020 and 2023</a:t>
             </a:r>
             <a:r>
               <a:rPr lang="en-US" sz="1600" dirty="0"/>
@@ -8518,7 +9060,7 @@
             </a:r>
             <a:r>
               <a:rPr lang="en-US" sz="1600" b="1" dirty="0"/>
-              <a:t>~22%</a:t>
+              <a:t>22%</a:t>
             </a:r>
             <a:r>
               <a:rPr lang="en-US" sz="1600" dirty="0"/>
@@ -8556,7 +9098,7 @@
             </a:r>
             <a:r>
               <a:rPr lang="en-US" sz="1600" b="1" dirty="0"/>
-              <a:t>4.7 in 2020 to a peak of 5.8 in 2022</a:t>
+              <a:t>4.7% in 2020 to a peak of 5.8% in 2022</a:t>
             </a:r>
             <a:r>
               <a:rPr lang="en-US" sz="1600" dirty="0"/>
@@ -8612,7 +9154,7 @@
             </a:r>
             <a:r>
               <a:rPr lang="en-US" sz="1600" b="1" dirty="0"/>
-              <a:t>~19% to over 34% of median income</a:t>
+              <a:t>19% to over 34% of median income</a:t>
             </a:r>
             <a:r>
               <a:rPr lang="en-US" sz="1600" dirty="0"/>
@@ -9566,7 +10108,7 @@
             </a:pPr>
             <a:r>
               <a:rPr lang="en-US" dirty="0"/>
-              <a:t>Metro Nashville ZIP-code boundaries vary across data sources, creating challenges in defining a consistent study area.</a:t>
+              <a:t>Metro Nashville ZIP code boundaries vary across data sources, creating challenges in defining a consistent study area.</a:t>
             </a:r>
           </a:p>
           <a:p>
@@ -9579,7 +10121,7 @@
             </a:pPr>
             <a:r>
               <a:rPr lang="en-US" dirty="0"/>
-              <a:t>ZIP-code–level income data limited the analysis to 2020–2023.</a:t>
+              <a:t>ZIP code level income data limited the analysis to 2020–2023.</a:t>
             </a:r>
           </a:p>
           <a:p>
@@ -10471,7 +11013,7 @@
           <a:p>
             <a:r>
               <a:rPr lang="en-US" dirty="0"/>
-              <a:t>Together, these findings highlight how multiple market forces—not prices alone—shaped worsening housing affordability in Metro Nashville.</a:t>
+              <a:t>Together, these findings highlight how multiple market forces not prices alone shaped worsening housing affordability in Metro Nashville.</a:t>
             </a:r>
           </a:p>
         </p:txBody>
@@ -11588,7 +12130,7 @@
         <p:spPr>
           <a:xfrm>
             <a:off x="5354759" y="962152"/>
-            <a:ext cx="6149788" cy="5078313"/>
+            <a:ext cx="6149788" cy="4801314"/>
           </a:xfrm>
           <a:prstGeom prst="rect">
             <a:avLst/>
@@ -11623,7 +12165,7 @@
             </a:pPr>
             <a:r>
               <a:rPr lang="en-US" dirty="0"/>
-              <a:t>How did housing supply conditions measured by inventory levels and homes sold change between 2020 and 2023, and how did these trends relate to rising home prices in Metro Nashville?</a:t>
+              <a:t>How did housing inventory levels and homes sold change between 2020 and 2023, and how did these trends relate to rising home prices in Metro Nashville?</a:t>
             </a:r>
           </a:p>
           <a:p>
@@ -11657,7 +12199,7 @@
             </a:pPr>
             <a:r>
               <a:rPr lang="en-US" dirty="0"/>
-              <a:t>Were changes in housing affordability evenly distributed across Metro Nashville, or did certain ZIP codes experience more rapid changes in affordability pressure between 2020 and 2023?</a:t>
+              <a:t>Were changes in housing affordability evenly distributed across Metro Nashville, or did certain ZIP codes experience more rapid changes in affordability between 2020 and 2023?</a:t>
             </a:r>
           </a:p>
         </p:txBody>
@@ -13444,7 +13986,7 @@
         </p:nvSpPr>
         <p:spPr>
           <a:xfrm>
-            <a:off x="697481" y="2262359"/>
+            <a:off x="669036" y="2593271"/>
             <a:ext cx="2514600" cy="1600200"/>
           </a:xfrm>
           <a:prstGeom prst="rect">
@@ -13454,7 +13996,11 @@
             <a:srgbClr val="F2F2F2"/>
           </a:solidFill>
           <a:ln>
-            <a:noFill/>
+            <a:solidFill>
+              <a:schemeClr val="bg2">
+                <a:lumMod val="25000"/>
+              </a:schemeClr>
+            </a:solidFill>
           </a:ln>
           <a:effectLst>
             <a:outerShdw blurRad="63500" sx="102000" sy="102000" algn="ctr" rotWithShape="0">
@@ -13491,49 +14037,6 @@
       </p:sp>
       <p:sp>
         <p:nvSpPr>
-          <p:cNvPr id="52" name="TextBox 51">
-            <a:extLst>
-              <a:ext uri="{FF2B5EF4-FFF2-40B4-BE49-F238E27FC236}">
-                <a16:creationId xmlns:a16="http://schemas.microsoft.com/office/drawing/2014/main" id="{D8F05392-D2AB-832C-F0A7-FDBEC20C334A}"/>
-              </a:ext>
-            </a:extLst>
-          </p:cNvPr>
-          <p:cNvSpPr txBox="1"/>
-          <p:nvPr/>
-        </p:nvSpPr>
-        <p:spPr>
-          <a:xfrm>
-            <a:off x="998181" y="2598003"/>
-            <a:ext cx="1856310" cy="830997"/>
-          </a:xfrm>
-          <a:prstGeom prst="rect">
-            <a:avLst/>
-          </a:prstGeom>
-          <a:noFill/>
-        </p:spPr>
-        <p:txBody>
-          <a:bodyPr wrap="square" rtlCol="0">
-            <a:spAutoFit/>
-          </a:bodyPr>
-          <a:lstStyle/>
-          <a:p>
-            <a:pPr algn="ctr"/>
-            <a:r>
-              <a:rPr lang="en-US" sz="3400" b="1" dirty="0"/>
-              <a:t>133,474</a:t>
-            </a:r>
-          </a:p>
-          <a:p>
-            <a:pPr algn="ctr"/>
-            <a:r>
-              <a:rPr lang="en-US" sz="1400" dirty="0"/>
-              <a:t>Total Homes Sold</a:t>
-            </a:r>
-          </a:p>
-        </p:txBody>
-      </p:sp>
-      <p:sp>
-        <p:nvSpPr>
           <p:cNvPr id="53" name="Rectangle 52">
             <a:extLst>
               <a:ext uri="{FF2B5EF4-FFF2-40B4-BE49-F238E27FC236}">
@@ -13546,7 +14049,7 @@
         </p:nvSpPr>
         <p:spPr>
           <a:xfrm>
-            <a:off x="3515531" y="4262549"/>
+            <a:off x="3525013" y="4460187"/>
             <a:ext cx="2514600" cy="1600200"/>
           </a:xfrm>
           <a:prstGeom prst="rect">
@@ -13556,7 +14059,11 @@
             <a:srgbClr val="F2F2F2"/>
           </a:solidFill>
           <a:ln>
-            <a:noFill/>
+            <a:solidFill>
+              <a:schemeClr val="bg2">
+                <a:lumMod val="25000"/>
+              </a:schemeClr>
+            </a:solidFill>
           </a:ln>
           <a:effectLst>
             <a:outerShdw blurRad="63500" sx="102000" sy="102000" algn="ctr" rotWithShape="0">
@@ -13605,7 +14112,7 @@
         </p:nvSpPr>
         <p:spPr>
           <a:xfrm>
-            <a:off x="3542140" y="2262359"/>
+            <a:off x="3513695" y="2593271"/>
             <a:ext cx="2514600" cy="1600200"/>
           </a:xfrm>
           <a:prstGeom prst="rect">
@@ -13615,7 +14122,11 @@
             <a:srgbClr val="F2F2F2"/>
           </a:solidFill>
           <a:ln>
-            <a:noFill/>
+            <a:solidFill>
+              <a:schemeClr val="bg2">
+                <a:lumMod val="25000"/>
+              </a:schemeClr>
+            </a:solidFill>
           </a:ln>
           <a:effectLst>
             <a:outerShdw blurRad="63500" sx="102000" sy="102000" algn="ctr" rotWithShape="0">
@@ -13664,7 +14175,7 @@
         </p:nvSpPr>
         <p:spPr>
           <a:xfrm>
-            <a:off x="9236966" y="4262549"/>
+            <a:off x="9236966" y="4460187"/>
             <a:ext cx="2514600" cy="1600200"/>
           </a:xfrm>
           <a:prstGeom prst="rect">
@@ -13674,7 +14185,11 @@
             <a:srgbClr val="F2F2F2"/>
           </a:solidFill>
           <a:ln>
-            <a:noFill/>
+            <a:solidFill>
+              <a:schemeClr val="bg2">
+                <a:lumMod val="25000"/>
+              </a:schemeClr>
+            </a:solidFill>
           </a:ln>
           <a:effectLst>
             <a:outerShdw blurRad="63500" sx="102000" sy="102000" algn="ctr" rotWithShape="0">
@@ -13723,7 +14238,7 @@
         </p:nvSpPr>
         <p:spPr>
           <a:xfrm>
-            <a:off x="9231457" y="2262359"/>
+            <a:off x="9203012" y="2593271"/>
             <a:ext cx="2514600" cy="1600200"/>
           </a:xfrm>
           <a:prstGeom prst="rect">
@@ -13733,7 +14248,11 @@
             <a:srgbClr val="F2F2F2"/>
           </a:solidFill>
           <a:ln>
-            <a:noFill/>
+            <a:solidFill>
+              <a:schemeClr val="bg2">
+                <a:lumMod val="25000"/>
+              </a:schemeClr>
+            </a:solidFill>
           </a:ln>
           <a:effectLst>
             <a:outerShdw blurRad="63500" sx="102000" sy="102000" algn="ctr" rotWithShape="0">
@@ -13782,7 +14301,7 @@
         </p:nvSpPr>
         <p:spPr>
           <a:xfrm>
-            <a:off x="669036" y="4262549"/>
+            <a:off x="669036" y="4460187"/>
             <a:ext cx="2514600" cy="1600200"/>
           </a:xfrm>
           <a:prstGeom prst="rect">
@@ -13792,7 +14311,11 @@
             <a:srgbClr val="F2F2F2"/>
           </a:solidFill>
           <a:ln>
-            <a:noFill/>
+            <a:solidFill>
+              <a:schemeClr val="bg2">
+                <a:lumMod val="25000"/>
+              </a:schemeClr>
+            </a:solidFill>
           </a:ln>
           <a:effectLst>
             <a:outerShdw blurRad="63500" sx="102000" sy="102000" algn="ctr" rotWithShape="0">
@@ -13841,7 +14364,7 @@
         </p:nvSpPr>
         <p:spPr>
           <a:xfrm>
-            <a:off x="6390471" y="4262549"/>
+            <a:off x="6380990" y="4460187"/>
             <a:ext cx="2514600" cy="1600200"/>
           </a:xfrm>
           <a:prstGeom prst="rect">
@@ -13851,7 +14374,11 @@
             <a:srgbClr val="F2F2F2"/>
           </a:solidFill>
           <a:ln>
-            <a:noFill/>
+            <a:solidFill>
+              <a:schemeClr val="bg2">
+                <a:lumMod val="25000"/>
+              </a:schemeClr>
+            </a:solidFill>
           </a:ln>
           <a:effectLst>
             <a:outerShdw blurRad="63500" sx="102000" sy="102000" algn="ctr" rotWithShape="0">
@@ -13900,7 +14427,7 @@
         </p:nvSpPr>
         <p:spPr>
           <a:xfrm>
-            <a:off x="6386799" y="2262359"/>
+            <a:off x="6358354" y="2593271"/>
             <a:ext cx="2514600" cy="1600200"/>
           </a:xfrm>
           <a:prstGeom prst="rect">
@@ -13910,7 +14437,11 @@
             <a:srgbClr val="F2F2F2"/>
           </a:solidFill>
           <a:ln>
-            <a:noFill/>
+            <a:solidFill>
+              <a:schemeClr val="bg2">
+                <a:lumMod val="25000"/>
+              </a:schemeClr>
+            </a:solidFill>
           </a:ln>
           <a:effectLst>
             <a:outerShdw blurRad="63500" sx="102000" sy="102000" algn="ctr" rotWithShape="0">
@@ -13947,10 +14478,10 @@
       </p:sp>
       <p:sp>
         <p:nvSpPr>
-          <p:cNvPr id="61" name="TextBox 60">
+          <p:cNvPr id="62" name="TextBox 61">
             <a:extLst>
               <a:ext uri="{FF2B5EF4-FFF2-40B4-BE49-F238E27FC236}">
-                <a16:creationId xmlns:a16="http://schemas.microsoft.com/office/drawing/2014/main" id="{18AD629B-E91D-DE53-3D91-9B4392A59A0C}"/>
+                <a16:creationId xmlns:a16="http://schemas.microsoft.com/office/drawing/2014/main" id="{EC08A544-DE54-C799-B423-36CDCF2C5E78}"/>
               </a:ext>
             </a:extLst>
           </p:cNvPr>
@@ -13959,50 +14490,7 @@
         </p:nvSpPr>
         <p:spPr>
           <a:xfrm>
-            <a:off x="3558960" y="2598003"/>
-            <a:ext cx="2427742" cy="830997"/>
-          </a:xfrm>
-          <a:prstGeom prst="rect">
-            <a:avLst/>
-          </a:prstGeom>
-          <a:noFill/>
-        </p:spPr>
-        <p:txBody>
-          <a:bodyPr wrap="square" rtlCol="0">
-            <a:spAutoFit/>
-          </a:bodyPr>
-          <a:lstStyle/>
-          <a:p>
-            <a:pPr algn="ctr"/>
-            <a:r>
-              <a:rPr lang="en-US" sz="3400" b="1" dirty="0"/>
-              <a:t>33,369</a:t>
-            </a:r>
-          </a:p>
-          <a:p>
-            <a:pPr algn="ctr"/>
-            <a:r>
-              <a:rPr lang="en-US" sz="1400" dirty="0"/>
-              <a:t>Average Yearly Home Sales</a:t>
-            </a:r>
-          </a:p>
-        </p:txBody>
-      </p:sp>
-      <p:sp>
-        <p:nvSpPr>
-          <p:cNvPr id="62" name="TextBox 61">
-            <a:extLst>
-              <a:ext uri="{FF2B5EF4-FFF2-40B4-BE49-F238E27FC236}">
-                <a16:creationId xmlns:a16="http://schemas.microsoft.com/office/drawing/2014/main" id="{EC08A544-DE54-C799-B423-36CDCF2C5E78}"/>
-              </a:ext>
-            </a:extLst>
-          </p:cNvPr>
-          <p:cNvSpPr txBox="1"/>
-          <p:nvPr/>
-        </p:nvSpPr>
-        <p:spPr>
-          <a:xfrm>
-            <a:off x="6615820" y="2649348"/>
+            <a:off x="898058" y="2977872"/>
             <a:ext cx="2056555" cy="830997"/>
           </a:xfrm>
           <a:prstGeom prst="rect">
@@ -14026,7 +14514,7 @@
             <a:pPr algn="ctr"/>
             <a:r>
               <a:rPr lang="en-US" sz="1400" dirty="0"/>
-              <a:t>Median Sale Price 2020</a:t>
+              <a:t>Median Sale Price</a:t>
             </a:r>
           </a:p>
         </p:txBody>
@@ -14045,7 +14533,7 @@
         </p:nvSpPr>
         <p:spPr>
           <a:xfrm>
-            <a:off x="9443815" y="2643071"/>
+            <a:off x="6574972" y="2977872"/>
             <a:ext cx="2089881" cy="830997"/>
           </a:xfrm>
           <a:prstGeom prst="rect">
@@ -14069,17 +14557,17 @@
             <a:pPr algn="ctr"/>
             <a:r>
               <a:rPr lang="en-US" sz="1400" dirty="0"/>
-              <a:t>Median Sale Price 2023</a:t>
+              <a:t>Median Sale Price</a:t>
             </a:r>
           </a:p>
         </p:txBody>
       </p:sp>
       <p:sp>
         <p:nvSpPr>
-          <p:cNvPr id="64" name="TextBox 63">
+          <p:cNvPr id="65" name="TextBox 64">
             <a:extLst>
               <a:ext uri="{FF2B5EF4-FFF2-40B4-BE49-F238E27FC236}">
-                <a16:creationId xmlns:a16="http://schemas.microsoft.com/office/drawing/2014/main" id="{52E77D86-07E9-33B7-C2FD-38107DBCFFB2}"/>
+                <a16:creationId xmlns:a16="http://schemas.microsoft.com/office/drawing/2014/main" id="{40D337F7-9BCF-4A96-AD0F-AE467E9DF863}"/>
               </a:ext>
             </a:extLst>
           </p:cNvPr>
@@ -14088,8 +14576,8 @@
         </p:nvSpPr>
         <p:spPr>
           <a:xfrm>
-            <a:off x="838200" y="4622856"/>
-            <a:ext cx="2135373" cy="830997"/>
+            <a:off x="3599856" y="2977872"/>
+            <a:ext cx="2329873" cy="830997"/>
           </a:xfrm>
           <a:prstGeom prst="rect">
             <a:avLst/>
@@ -14105,24 +14593,24 @@
             <a:pPr algn="ctr"/>
             <a:r>
               <a:rPr lang="en-US" sz="3400" b="1" dirty="0"/>
-              <a:t>1,135,147</a:t>
+              <a:t>$71,059</a:t>
             </a:r>
           </a:p>
           <a:p>
             <a:pPr algn="ctr"/>
             <a:r>
               <a:rPr lang="en-US" sz="1400" dirty="0"/>
-              <a:t>Average Population</a:t>
+              <a:t>Median Household Income</a:t>
             </a:r>
           </a:p>
         </p:txBody>
       </p:sp>
       <p:sp>
         <p:nvSpPr>
-          <p:cNvPr id="65" name="TextBox 64">
+          <p:cNvPr id="67" name="TextBox 66">
             <a:extLst>
               <a:ext uri="{FF2B5EF4-FFF2-40B4-BE49-F238E27FC236}">
-                <a16:creationId xmlns:a16="http://schemas.microsoft.com/office/drawing/2014/main" id="{40D337F7-9BCF-4A96-AD0F-AE467E9DF863}"/>
+                <a16:creationId xmlns:a16="http://schemas.microsoft.com/office/drawing/2014/main" id="{CD7201A7-9E3A-067E-7422-34FDC06F2DFB}"/>
               </a:ext>
             </a:extLst>
           </p:cNvPr>
@@ -14131,8 +14619,8 @@
         </p:nvSpPr>
         <p:spPr>
           <a:xfrm>
-            <a:off x="3623212" y="4622856"/>
-            <a:ext cx="2329873" cy="1046440"/>
+            <a:off x="9310097" y="2977872"/>
+            <a:ext cx="2368338" cy="830997"/>
           </a:xfrm>
           <a:prstGeom prst="rect">
             <a:avLst/>
@@ -14148,7 +14636,7 @@
             <a:pPr algn="ctr"/>
             <a:r>
               <a:rPr lang="en-US" sz="3400" b="1" dirty="0"/>
-              <a:t>$71,059</a:t>
+              <a:t>$86,461</a:t>
             </a:r>
           </a:p>
           <a:p>
@@ -14156,23 +14644,16 @@
             <a:r>
               <a:rPr lang="en-US" sz="1400" dirty="0"/>
               <a:t>Median Household Income</a:t>
-            </a:r>
-          </a:p>
-          <a:p>
-            <a:pPr algn="ctr"/>
-            <a:r>
-              <a:rPr lang="en-US" sz="1400" dirty="0"/>
-              <a:t>2020</a:t>
             </a:r>
           </a:p>
         </p:txBody>
       </p:sp>
       <p:sp>
         <p:nvSpPr>
-          <p:cNvPr id="66" name="TextBox 65">
+          <p:cNvPr id="3" name="TextBox 2">
             <a:extLst>
               <a:ext uri="{FF2B5EF4-FFF2-40B4-BE49-F238E27FC236}">
-                <a16:creationId xmlns:a16="http://schemas.microsoft.com/office/drawing/2014/main" id="{22F225A1-E99E-2815-850D-21FA018A2195}"/>
+                <a16:creationId xmlns:a16="http://schemas.microsoft.com/office/drawing/2014/main" id="{BD7F736E-6940-81F4-8CCE-71C9F3341512}"/>
               </a:ext>
             </a:extLst>
           </p:cNvPr>
@@ -14181,8 +14662,8 @@
         </p:nvSpPr>
         <p:spPr>
           <a:xfrm>
-            <a:off x="9489801" y="4584562"/>
-            <a:ext cx="1997908" cy="830997"/>
+            <a:off x="2799451" y="1816327"/>
+            <a:ext cx="1428488" cy="646331"/>
           </a:xfrm>
           <a:prstGeom prst="rect">
             <a:avLst/>
@@ -14195,27 +14676,19 @@
           </a:bodyPr>
           <a:lstStyle/>
           <a:p>
-            <a:pPr algn="ctr"/>
-            <a:r>
-              <a:rPr lang="en-US" sz="3400" b="1" dirty="0"/>
-              <a:t>4.55%</a:t>
-            </a:r>
-          </a:p>
-          <a:p>
-            <a:pPr algn="ctr"/>
-            <a:r>
-              <a:rPr lang="en-US" sz="1400" dirty="0"/>
-              <a:t>Average Mortgage Rate</a:t>
+            <a:r>
+              <a:rPr lang="en-US" sz="3600" b="1" dirty="0"/>
+              <a:t>2020</a:t>
             </a:r>
           </a:p>
         </p:txBody>
       </p:sp>
       <p:sp>
         <p:nvSpPr>
-          <p:cNvPr id="67" name="TextBox 66">
+          <p:cNvPr id="4" name="TextBox 3">
             <a:extLst>
               <a:ext uri="{FF2B5EF4-FFF2-40B4-BE49-F238E27FC236}">
-                <a16:creationId xmlns:a16="http://schemas.microsoft.com/office/drawing/2014/main" id="{CD7201A7-9E3A-067E-7422-34FDC06F2DFB}"/>
+                <a16:creationId xmlns:a16="http://schemas.microsoft.com/office/drawing/2014/main" id="{E493CBD1-94BF-5E0A-77DB-FF5C226FD519}"/>
               </a:ext>
             </a:extLst>
           </p:cNvPr>
@@ -14224,8 +14697,8 @@
         </p:nvSpPr>
         <p:spPr>
           <a:xfrm>
-            <a:off x="6459928" y="4584562"/>
-            <a:ext cx="2368338" cy="1046440"/>
+            <a:off x="8488768" y="1863382"/>
+            <a:ext cx="1428488" cy="646331"/>
           </a:xfrm>
           <a:prstGeom prst="rect">
             <a:avLst/>
@@ -14238,24 +14711,220 @@
           </a:bodyPr>
           <a:lstStyle/>
           <a:p>
+            <a:r>
+              <a:rPr lang="en-US" sz="3600" b="1" dirty="0"/>
+              <a:t>2023</a:t>
+            </a:r>
+          </a:p>
+        </p:txBody>
+      </p:sp>
+      <p:sp>
+        <p:nvSpPr>
+          <p:cNvPr id="5" name="TextBox 4">
+            <a:extLst>
+              <a:ext uri="{FF2B5EF4-FFF2-40B4-BE49-F238E27FC236}">
+                <a16:creationId xmlns:a16="http://schemas.microsoft.com/office/drawing/2014/main" id="{7188F6DC-749C-0E58-9C52-708EB0881C1C}"/>
+              </a:ext>
+            </a:extLst>
+          </p:cNvPr>
+          <p:cNvSpPr txBox="1"/>
+          <p:nvPr/>
+        </p:nvSpPr>
+        <p:spPr>
+          <a:xfrm>
+            <a:off x="898057" y="4765128"/>
+            <a:ext cx="2056555" cy="830997"/>
+          </a:xfrm>
+          <a:prstGeom prst="rect">
+            <a:avLst/>
+          </a:prstGeom>
+          <a:noFill/>
+        </p:spPr>
+        <p:txBody>
+          <a:bodyPr wrap="square" rtlCol="0">
+            <a:spAutoFit/>
+          </a:bodyPr>
+          <a:lstStyle/>
+          <a:p>
             <a:pPr algn="ctr"/>
             <a:r>
               <a:rPr lang="en-US" sz="3400" b="1" dirty="0"/>
-              <a:t>$86,461</a:t>
+              <a:t>38,234</a:t>
             </a:r>
           </a:p>
           <a:p>
             <a:pPr algn="ctr"/>
             <a:r>
               <a:rPr lang="en-US" sz="1400" dirty="0"/>
-              <a:t>Median Household Income</a:t>
-            </a:r>
-          </a:p>
+              <a:t>Total Home Sales</a:t>
+            </a:r>
+          </a:p>
+        </p:txBody>
+      </p:sp>
+      <p:sp>
+        <p:nvSpPr>
+          <p:cNvPr id="6" name="TextBox 5">
+            <a:extLst>
+              <a:ext uri="{FF2B5EF4-FFF2-40B4-BE49-F238E27FC236}">
+                <a16:creationId xmlns:a16="http://schemas.microsoft.com/office/drawing/2014/main" id="{E9D36018-8142-2EDD-EF2A-A6BBC8C171D8}"/>
+              </a:ext>
+            </a:extLst>
+          </p:cNvPr>
+          <p:cNvSpPr txBox="1"/>
+          <p:nvPr/>
+        </p:nvSpPr>
+        <p:spPr>
+          <a:xfrm>
+            <a:off x="9432034" y="4765128"/>
+            <a:ext cx="2056555" cy="830997"/>
+          </a:xfrm>
+          <a:prstGeom prst="rect">
+            <a:avLst/>
+          </a:prstGeom>
+          <a:noFill/>
+        </p:spPr>
+        <p:txBody>
+          <a:bodyPr wrap="square" rtlCol="0">
+            <a:spAutoFit/>
+          </a:bodyPr>
+          <a:lstStyle/>
           <a:p>
             <a:pPr algn="ctr"/>
             <a:r>
+              <a:rPr lang="en-US" sz="3400" b="1" dirty="0"/>
+              <a:t>6.81%</a:t>
+            </a:r>
+          </a:p>
+          <a:p>
+            <a:pPr algn="ctr"/>
+            <a:r>
               <a:rPr lang="en-US" sz="1400" dirty="0"/>
-              <a:t>2023</a:t>
+              <a:t>Avg 30-Yr Mortgage Rate</a:t>
+            </a:r>
+          </a:p>
+        </p:txBody>
+      </p:sp>
+      <p:sp>
+        <p:nvSpPr>
+          <p:cNvPr id="7" name="TextBox 6">
+            <a:extLst>
+              <a:ext uri="{FF2B5EF4-FFF2-40B4-BE49-F238E27FC236}">
+                <a16:creationId xmlns:a16="http://schemas.microsoft.com/office/drawing/2014/main" id="{29E4D0B8-5AD9-3177-AEEB-D8BF77B12F2A}"/>
+              </a:ext>
+            </a:extLst>
+          </p:cNvPr>
+          <p:cNvSpPr txBox="1"/>
+          <p:nvPr/>
+        </p:nvSpPr>
+        <p:spPr>
+          <a:xfrm>
+            <a:off x="6587375" y="4765128"/>
+            <a:ext cx="2056555" cy="830997"/>
+          </a:xfrm>
+          <a:prstGeom prst="rect">
+            <a:avLst/>
+          </a:prstGeom>
+          <a:noFill/>
+        </p:spPr>
+        <p:txBody>
+          <a:bodyPr wrap="square" rtlCol="0">
+            <a:spAutoFit/>
+          </a:bodyPr>
+          <a:lstStyle/>
+          <a:p>
+            <a:pPr algn="ctr"/>
+            <a:r>
+              <a:rPr lang="en-US" sz="3400" b="1" dirty="0"/>
+              <a:t>26,570</a:t>
+            </a:r>
+          </a:p>
+          <a:p>
+            <a:pPr algn="ctr"/>
+            <a:r>
+              <a:rPr lang="en-US" sz="1400" dirty="0"/>
+              <a:t>Total Home Sales</a:t>
+            </a:r>
+          </a:p>
+        </p:txBody>
+      </p:sp>
+      <p:sp>
+        <p:nvSpPr>
+          <p:cNvPr id="8" name="TextBox 7">
+            <a:extLst>
+              <a:ext uri="{FF2B5EF4-FFF2-40B4-BE49-F238E27FC236}">
+                <a16:creationId xmlns:a16="http://schemas.microsoft.com/office/drawing/2014/main" id="{C50D66DC-6DC7-0FFF-14AB-BE095496AAF2}"/>
+              </a:ext>
+            </a:extLst>
+          </p:cNvPr>
+          <p:cNvSpPr txBox="1"/>
+          <p:nvPr/>
+        </p:nvSpPr>
+        <p:spPr>
+          <a:xfrm>
+            <a:off x="3742716" y="4765128"/>
+            <a:ext cx="2056555" cy="830997"/>
+          </a:xfrm>
+          <a:prstGeom prst="rect">
+            <a:avLst/>
+          </a:prstGeom>
+          <a:noFill/>
+        </p:spPr>
+        <p:txBody>
+          <a:bodyPr wrap="square" rtlCol="0">
+            <a:spAutoFit/>
+          </a:bodyPr>
+          <a:lstStyle/>
+          <a:p>
+            <a:pPr algn="ctr"/>
+            <a:r>
+              <a:rPr lang="en-US" sz="3400" b="1" dirty="0"/>
+              <a:t>3.11%</a:t>
+            </a:r>
+          </a:p>
+          <a:p>
+            <a:pPr algn="ctr"/>
+            <a:r>
+              <a:rPr lang="en-US" sz="1400" dirty="0"/>
+              <a:t>Avg 30-Yr Mortgage Rate</a:t>
+            </a:r>
+          </a:p>
+        </p:txBody>
+      </p:sp>
+      <p:sp>
+        <p:nvSpPr>
+          <p:cNvPr id="9" name="TextBox 8">
+            <a:extLst>
+              <a:ext uri="{FF2B5EF4-FFF2-40B4-BE49-F238E27FC236}">
+                <a16:creationId xmlns:a16="http://schemas.microsoft.com/office/drawing/2014/main" id="{3C7FBA32-85DE-EFE7-0D4A-994A972D3294}"/>
+              </a:ext>
+            </a:extLst>
+          </p:cNvPr>
+          <p:cNvSpPr txBox="1"/>
+          <p:nvPr/>
+        </p:nvSpPr>
+        <p:spPr>
+          <a:xfrm>
+            <a:off x="70339" y="6569125"/>
+            <a:ext cx="4873450" cy="215444"/>
+          </a:xfrm>
+          <a:prstGeom prst="rect">
+            <a:avLst/>
+          </a:prstGeom>
+          <a:noFill/>
+        </p:spPr>
+        <p:txBody>
+          <a:bodyPr wrap="square" rtlCol="0">
+            <a:spAutoFit/>
+          </a:bodyPr>
+          <a:lstStyle/>
+          <a:p>
+            <a:r>
+              <a:rPr lang="en-US" sz="800" b="1" i="1" dirty="0"/>
+              <a:t>Source:</a:t>
+            </a:r>
+            <a:r>
+              <a:rPr lang="en-US" sz="800" i="1" dirty="0"/>
+              <a:t> Redfin Housing Market Data; U.S. Census Bureau, American Community Survey (ACS)</a:t>
             </a:r>
           </a:p>
         </p:txBody>
@@ -15095,12 +15764,47 @@
           </a:p>
         </p:txBody>
       </p:sp>
+      <p:sp>
+        <p:nvSpPr>
+          <p:cNvPr id="21" name="TextBox 20">
+            <a:extLst>
+              <a:ext uri="{FF2B5EF4-FFF2-40B4-BE49-F238E27FC236}">
+                <a16:creationId xmlns:a16="http://schemas.microsoft.com/office/drawing/2014/main" id="{600A8C6F-BFC4-607E-3627-E251A8A378A6}"/>
+              </a:ext>
+            </a:extLst>
+          </p:cNvPr>
+          <p:cNvSpPr txBox="1"/>
+          <p:nvPr/>
+        </p:nvSpPr>
+        <p:spPr>
+          <a:xfrm>
+            <a:off x="1331976" y="1902062"/>
+            <a:ext cx="9525000" cy="369332"/>
+          </a:xfrm>
+          <a:prstGeom prst="rect">
+            <a:avLst/>
+          </a:prstGeom>
+          <a:noFill/>
+        </p:spPr>
+        <p:txBody>
+          <a:bodyPr wrap="square" rtlCol="0">
+            <a:spAutoFit/>
+          </a:bodyPr>
+          <a:lstStyle/>
+          <a:p>
+            <a:r>
+              <a:rPr lang="en-US" dirty="0"/>
+              <a:t>Median home prices rose nearly twice as fast as household incomes between 2020 and 2023.</a:t>
+            </a:r>
+          </a:p>
+        </p:txBody>
+      </p:sp>
       <p:pic>
         <p:nvPicPr>
-          <p:cNvPr id="20" name="Picture 19" descr="A graph of a graph&#10;&#10;AI-generated content may be incorrect.">
+          <p:cNvPr id="6" name="Picture 5" descr="A graph of a number of percent&#10;&#10;AI-generated content may be incorrect.">
             <a:extLst>
               <a:ext uri="{FF2B5EF4-FFF2-40B4-BE49-F238E27FC236}">
-                <a16:creationId xmlns:a16="http://schemas.microsoft.com/office/drawing/2014/main" id="{D6B1AE58-D5D8-4517-E679-BDEF35A0840C}"/>
+                <a16:creationId xmlns:a16="http://schemas.microsoft.com/office/drawing/2014/main" id="{77D74E8A-7840-298A-D4E2-4ECE77828DAF}"/>
               </a:ext>
             </a:extLst>
           </p:cNvPr>
@@ -15110,7 +15814,7 @@
           <p:nvPr/>
         </p:nvPicPr>
         <p:blipFill>
-          <a:blip r:embed="rId2">
+          <a:blip r:embed="rId3">
             <a:extLst>
               <a:ext uri="{28A0092B-C50C-407E-A947-70E740481C1C}">
                 <a14:useLocalDpi xmlns:a14="http://schemas.microsoft.com/office/drawing/2010/main" val="0"/>
@@ -15123,18 +15827,17 @@
         </p:blipFill>
         <p:spPr>
           <a:xfrm>
-            <a:off x="1458204" y="2708100"/>
-            <a:ext cx="9272543" cy="3649537"/>
+            <a:off x="1393920" y="2477795"/>
+            <a:ext cx="9404159" cy="3992651"/>
           </a:xfrm>
           <a:prstGeom prst="rect">
             <a:avLst/>
           </a:prstGeom>
-          <a:solidFill>
-            <a:srgbClr val="F2F2F2"/>
-          </a:solidFill>
-          <a:ln w="19050">
+          <a:ln w="28575">
             <a:solidFill>
-              <a:schemeClr val="tx1"/>
+              <a:schemeClr val="bg2">
+                <a:lumMod val="25000"/>
+              </a:schemeClr>
             </a:solidFill>
           </a:ln>
           <a:effectLst>
@@ -15148,10 +15851,10 @@
       </p:pic>
       <p:sp>
         <p:nvSpPr>
-          <p:cNvPr id="21" name="TextBox 20">
+          <p:cNvPr id="7" name="TextBox 6">
             <a:extLst>
               <a:ext uri="{FF2B5EF4-FFF2-40B4-BE49-F238E27FC236}">
-                <a16:creationId xmlns:a16="http://schemas.microsoft.com/office/drawing/2014/main" id="{600A8C6F-BFC4-607E-3627-E251A8A378A6}"/>
+                <a16:creationId xmlns:a16="http://schemas.microsoft.com/office/drawing/2014/main" id="{F8680954-FCF1-9813-090F-D0E3B62B1BC5}"/>
               </a:ext>
             </a:extLst>
           </p:cNvPr>
@@ -15160,8 +15863,8 @@
         </p:nvSpPr>
         <p:spPr>
           <a:xfrm>
-            <a:off x="1331975" y="2047471"/>
-            <a:ext cx="9525000" cy="369332"/>
+            <a:off x="70339" y="6569125"/>
+            <a:ext cx="4873450" cy="215444"/>
           </a:xfrm>
           <a:prstGeom prst="rect">
             <a:avLst/>
@@ -15175,8 +15878,12 @@
           <a:lstStyle/>
           <a:p>
             <a:r>
-              <a:rPr lang="en-US" dirty="0"/>
-              <a:t>Median home prices rose nearly twice as fast as household incomes between 2020 and 2023.</a:t>
+              <a:rPr lang="en-US" sz="800" b="1" i="1" dirty="0"/>
+              <a:t>Source:</a:t>
+            </a:r>
+            <a:r>
+              <a:rPr lang="en-US" sz="800" i="1" dirty="0"/>
+              <a:t> Redfin Housing Market Data; U.S. Census Bureau, American Community Survey (ACS)</a:t>
             </a:r>
           </a:p>
         </p:txBody>
@@ -16059,54 +16766,6 @@
           </a:p>
         </p:txBody>
       </p:sp>
-      <p:pic>
-        <p:nvPicPr>
-          <p:cNvPr id="8" name="Picture 7" descr="A graph showing the number of income ratio&#10;&#10;AI-generated content may be incorrect.">
-            <a:extLst>
-              <a:ext uri="{FF2B5EF4-FFF2-40B4-BE49-F238E27FC236}">
-                <a16:creationId xmlns:a16="http://schemas.microsoft.com/office/drawing/2014/main" id="{A7261C30-2903-48D2-DB63-C01B4E0A123C}"/>
-              </a:ext>
-            </a:extLst>
-          </p:cNvPr>
-          <p:cNvPicPr>
-            <a:picLocks noChangeAspect="1"/>
-          </p:cNvPicPr>
-          <p:nvPr/>
-        </p:nvPicPr>
-        <p:blipFill>
-          <a:blip r:embed="rId3">
-            <a:extLst>
-              <a:ext uri="{28A0092B-C50C-407E-A947-70E740481C1C}">
-                <a14:useLocalDpi xmlns:a14="http://schemas.microsoft.com/office/drawing/2010/main" val="0"/>
-              </a:ext>
-            </a:extLst>
-          </a:blip>
-          <a:stretch>
-            <a:fillRect/>
-          </a:stretch>
-        </p:blipFill>
-        <p:spPr>
-          <a:xfrm>
-            <a:off x="518617" y="2269067"/>
-            <a:ext cx="5537759" cy="3627147"/>
-          </a:xfrm>
-          <a:prstGeom prst="rect">
-            <a:avLst/>
-          </a:prstGeom>
-          <a:ln w="19050">
-            <a:solidFill>
-              <a:schemeClr val="tx1"/>
-            </a:solidFill>
-          </a:ln>
-          <a:effectLst>
-            <a:outerShdw blurRad="63500" sx="102000" sy="102000" algn="ctr" rotWithShape="0">
-              <a:prstClr val="black">
-                <a:alpha val="40000"/>
-              </a:prstClr>
-            </a:outerShdw>
-          </a:effectLst>
-        </p:spPr>
-      </p:pic>
       <p:sp>
         <p:nvSpPr>
           <p:cNvPr id="10" name="TextBox 9">
@@ -16250,6 +16909,95 @@
           </a:fontRef>
         </p:style>
       </p:cxnSp>
+      <p:pic>
+        <p:nvPicPr>
+          <p:cNvPr id="4" name="Picture 3" descr="A graph showing the growth of income&#10;&#10;AI-generated content may be incorrect.">
+            <a:extLst>
+              <a:ext uri="{FF2B5EF4-FFF2-40B4-BE49-F238E27FC236}">
+                <a16:creationId xmlns:a16="http://schemas.microsoft.com/office/drawing/2014/main" id="{81C2F2B9-F46E-BEFD-D723-DB00C6B71162}"/>
+              </a:ext>
+            </a:extLst>
+          </p:cNvPr>
+          <p:cNvPicPr>
+            <a:picLocks noChangeAspect="1"/>
+          </p:cNvPicPr>
+          <p:nvPr/>
+        </p:nvPicPr>
+        <p:blipFill>
+          <a:blip r:embed="rId3">
+            <a:extLst>
+              <a:ext uri="{28A0092B-C50C-407E-A947-70E740481C1C}">
+                <a14:useLocalDpi xmlns:a14="http://schemas.microsoft.com/office/drawing/2010/main" val="0"/>
+              </a:ext>
+            </a:extLst>
+          </a:blip>
+          <a:stretch>
+            <a:fillRect/>
+          </a:stretch>
+        </p:blipFill>
+        <p:spPr>
+          <a:xfrm>
+            <a:off x="422341" y="2209450"/>
+            <a:ext cx="5800660" cy="3781199"/>
+          </a:xfrm>
+          <a:prstGeom prst="rect">
+            <a:avLst/>
+          </a:prstGeom>
+          <a:ln w="28575">
+            <a:solidFill>
+              <a:schemeClr val="bg2">
+                <a:lumMod val="25000"/>
+              </a:schemeClr>
+            </a:solidFill>
+          </a:ln>
+          <a:effectLst>
+            <a:outerShdw blurRad="63500" sx="102000" sy="102000" algn="ctr" rotWithShape="0">
+              <a:prstClr val="black">
+                <a:alpha val="40000"/>
+              </a:prstClr>
+            </a:outerShdw>
+          </a:effectLst>
+        </p:spPr>
+      </p:pic>
+      <p:sp>
+        <p:nvSpPr>
+          <p:cNvPr id="5" name="TextBox 4">
+            <a:extLst>
+              <a:ext uri="{FF2B5EF4-FFF2-40B4-BE49-F238E27FC236}">
+                <a16:creationId xmlns:a16="http://schemas.microsoft.com/office/drawing/2014/main" id="{02DDFBE0-D271-E4EC-47A5-AABCE4FE7865}"/>
+              </a:ext>
+            </a:extLst>
+          </p:cNvPr>
+          <p:cNvSpPr txBox="1"/>
+          <p:nvPr/>
+        </p:nvSpPr>
+        <p:spPr>
+          <a:xfrm>
+            <a:off x="70339" y="6569125"/>
+            <a:ext cx="4873450" cy="215444"/>
+          </a:xfrm>
+          <a:prstGeom prst="rect">
+            <a:avLst/>
+          </a:prstGeom>
+          <a:noFill/>
+        </p:spPr>
+        <p:txBody>
+          <a:bodyPr wrap="square" rtlCol="0">
+            <a:spAutoFit/>
+          </a:bodyPr>
+          <a:lstStyle/>
+          <a:p>
+            <a:r>
+              <a:rPr lang="en-US" sz="800" b="1" i="1" dirty="0"/>
+              <a:t>Source:</a:t>
+            </a:r>
+            <a:r>
+              <a:rPr lang="en-US" sz="800" i="1" dirty="0"/>
+              <a:t> Redfin Housing Market Data; U.S. Census Bureau, American Community Survey (ACS)</a:t>
+            </a:r>
+          </a:p>
+        </p:txBody>
+      </p:sp>
     </p:spTree>
     <p:extLst>
       <p:ext uri="{BB962C8B-B14F-4D97-AF65-F5344CB8AC3E}">
@@ -17085,12 +17833,47 @@
           </a:p>
         </p:txBody>
       </p:sp>
+      <p:sp>
+        <p:nvSpPr>
+          <p:cNvPr id="8" name="TextBox 7">
+            <a:extLst>
+              <a:ext uri="{FF2B5EF4-FFF2-40B4-BE49-F238E27FC236}">
+                <a16:creationId xmlns:a16="http://schemas.microsoft.com/office/drawing/2014/main" id="{9D29D358-04B9-5357-361B-0994D1A9FA6E}"/>
+              </a:ext>
+            </a:extLst>
+          </p:cNvPr>
+          <p:cNvSpPr txBox="1"/>
+          <p:nvPr/>
+        </p:nvSpPr>
+        <p:spPr>
+          <a:xfrm>
+            <a:off x="7425732" y="3075503"/>
+            <a:ext cx="4258268" cy="2031325"/>
+          </a:xfrm>
+          <a:prstGeom prst="rect">
+            <a:avLst/>
+          </a:prstGeom>
+          <a:noFill/>
+        </p:spPr>
+        <p:txBody>
+          <a:bodyPr wrap="square" rtlCol="0">
+            <a:spAutoFit/>
+          </a:bodyPr>
+          <a:lstStyle/>
+          <a:p>
+            <a:r>
+              <a:rPr lang="en-US" dirty="0"/>
+              <a:t>Housing supply tightened sharply in 2021 as inventory fell and demand remained strong. Even as inventory partially recovered after 2021, higher prices and rising mortgage rates reduced sales activity, contributing to continued price pressure and affordability challenges.</a:t>
+            </a:r>
+          </a:p>
+        </p:txBody>
+      </p:sp>
       <p:pic>
         <p:nvPicPr>
-          <p:cNvPr id="7" name="Picture 6" descr="A graph of a graph showing the number of years&#10;&#10;AI-generated content may be incorrect.">
+          <p:cNvPr id="4" name="Picture 3" descr="A graph of a number of houses and a number of numbers&#10;&#10;AI-generated content may be incorrect.">
             <a:extLst>
               <a:ext uri="{FF2B5EF4-FFF2-40B4-BE49-F238E27FC236}">
-                <a16:creationId xmlns:a16="http://schemas.microsoft.com/office/drawing/2014/main" id="{03D5F38E-0178-A593-8139-0AF0A5BC4C97}"/>
+                <a16:creationId xmlns:a16="http://schemas.microsoft.com/office/drawing/2014/main" id="{16790ABE-1FE4-4DDF-939D-A6D93D939BAE}"/>
               </a:ext>
             </a:extLst>
           </p:cNvPr>
@@ -17100,7 +17883,7 @@
           <p:nvPr/>
         </p:nvPicPr>
         <p:blipFill>
-          <a:blip r:embed="rId2">
+          <a:blip r:embed="rId3">
             <a:extLst>
               <a:ext uri="{28A0092B-C50C-407E-A947-70E740481C1C}">
                 <a14:useLocalDpi xmlns:a14="http://schemas.microsoft.com/office/drawing/2010/main" val="0"/>
@@ -17113,15 +17896,17 @@
         </p:blipFill>
         <p:spPr>
           <a:xfrm>
-            <a:off x="704029" y="2055813"/>
-            <a:ext cx="5564353" cy="4366245"/>
+            <a:off x="508000" y="2048277"/>
+            <a:ext cx="6324879" cy="4424891"/>
           </a:xfrm>
           <a:prstGeom prst="rect">
             <a:avLst/>
           </a:prstGeom>
-          <a:ln w="19050">
+          <a:ln w="28575">
             <a:solidFill>
-              <a:schemeClr val="tx1"/>
+              <a:schemeClr val="bg2">
+                <a:lumMod val="25000"/>
+              </a:schemeClr>
             </a:solidFill>
           </a:ln>
           <a:effectLst>
@@ -17135,10 +17920,10 @@
       </p:pic>
       <p:sp>
         <p:nvSpPr>
-          <p:cNvPr id="8" name="TextBox 7">
+          <p:cNvPr id="5" name="TextBox 4">
             <a:extLst>
               <a:ext uri="{FF2B5EF4-FFF2-40B4-BE49-F238E27FC236}">
-                <a16:creationId xmlns:a16="http://schemas.microsoft.com/office/drawing/2014/main" id="{9D29D358-04B9-5357-361B-0994D1A9FA6E}"/>
+                <a16:creationId xmlns:a16="http://schemas.microsoft.com/office/drawing/2014/main" id="{47234CCC-923A-7AC6-E216-680BA1BD92B6}"/>
               </a:ext>
             </a:extLst>
           </p:cNvPr>
@@ -17147,8 +17932,8 @@
         </p:nvSpPr>
         <p:spPr>
           <a:xfrm>
-            <a:off x="6773334" y="3075503"/>
-            <a:ext cx="4910666" cy="1754326"/>
+            <a:off x="70339" y="6569125"/>
+            <a:ext cx="4873450" cy="215444"/>
           </a:xfrm>
           <a:prstGeom prst="rect">
             <a:avLst/>
@@ -17162,8 +17947,12 @@
           <a:lstStyle/>
           <a:p>
             <a:r>
-              <a:rPr lang="en-US" dirty="0"/>
-              <a:t>Housing supply tightened sharply in 2021 as inventory fell and demand remained strong. Even as inventory partially recovered after 2021, higher prices and rising mortgage rates reduced sales activity, contributing to continued price pressure and affordability challenges.</a:t>
+              <a:rPr lang="en-US" sz="800" b="1" i="1" dirty="0"/>
+              <a:t>Source:</a:t>
+            </a:r>
+            <a:r>
+              <a:rPr lang="en-US" sz="800" i="1" dirty="0"/>
+              <a:t> Redfin Housing Market Data; U.S. Census Bureau, American Community Survey (ACS)</a:t>
             </a:r>
           </a:p>
         </p:txBody>
@@ -18003,12 +18792,47 @@
           </a:p>
         </p:txBody>
       </p:sp>
+      <p:sp>
+        <p:nvSpPr>
+          <p:cNvPr id="5" name="TextBox 4">
+            <a:extLst>
+              <a:ext uri="{FF2B5EF4-FFF2-40B4-BE49-F238E27FC236}">
+                <a16:creationId xmlns:a16="http://schemas.microsoft.com/office/drawing/2014/main" id="{44BA4203-4B1F-29D4-9B45-1F495A7BBED2}"/>
+              </a:ext>
+            </a:extLst>
+          </p:cNvPr>
+          <p:cNvSpPr txBox="1"/>
+          <p:nvPr/>
+        </p:nvSpPr>
+        <p:spPr>
+          <a:xfrm>
+            <a:off x="7449038" y="3278182"/>
+            <a:ext cx="4224866" cy="1200329"/>
+          </a:xfrm>
+          <a:prstGeom prst="rect">
+            <a:avLst/>
+          </a:prstGeom>
+          <a:noFill/>
+        </p:spPr>
+        <p:txBody>
+          <a:bodyPr wrap="square" rtlCol="0">
+            <a:spAutoFit/>
+          </a:bodyPr>
+          <a:lstStyle/>
+          <a:p>
+            <a:r>
+              <a:rPr lang="en-US" dirty="0"/>
+              <a:t>Mortgage interest rates remained historically low in 2020–2021, but rose sharply beginning in 2022, increasing the cost of financing a home purchase.</a:t>
+            </a:r>
+          </a:p>
+        </p:txBody>
+      </p:sp>
       <p:pic>
         <p:nvPicPr>
-          <p:cNvPr id="4" name="Picture 3" descr="A graph showing a line going up&#10;&#10;AI-generated content may be incorrect.">
+          <p:cNvPr id="6" name="Picture 5" descr="A graph showing a line going up&#10;&#10;AI-generated content may be incorrect.">
             <a:extLst>
               <a:ext uri="{FF2B5EF4-FFF2-40B4-BE49-F238E27FC236}">
-                <a16:creationId xmlns:a16="http://schemas.microsoft.com/office/drawing/2014/main" id="{A9BE2DA3-AE8E-0BAD-F93C-9F9E5374244F}"/>
+                <a16:creationId xmlns:a16="http://schemas.microsoft.com/office/drawing/2014/main" id="{54612A8B-9643-974C-DCE9-2E7FD4A71A57}"/>
               </a:ext>
             </a:extLst>
           </p:cNvPr>
@@ -18031,15 +18855,17 @@
         </p:blipFill>
         <p:spPr>
           <a:xfrm>
-            <a:off x="587070" y="2310681"/>
-            <a:ext cx="5957663" cy="3837139"/>
+            <a:off x="669036" y="2207019"/>
+            <a:ext cx="6264955" cy="3879272"/>
           </a:xfrm>
           <a:prstGeom prst="rect">
             <a:avLst/>
           </a:prstGeom>
-          <a:ln w="19050">
+          <a:ln w="28575">
             <a:solidFill>
-              <a:schemeClr val="tx1"/>
+              <a:schemeClr val="bg2">
+                <a:lumMod val="25000"/>
+              </a:schemeClr>
             </a:solidFill>
           </a:ln>
           <a:effectLst>
@@ -18053,10 +18879,10 @@
       </p:pic>
       <p:sp>
         <p:nvSpPr>
-          <p:cNvPr id="5" name="TextBox 4">
+          <p:cNvPr id="7" name="TextBox 6">
             <a:extLst>
               <a:ext uri="{FF2B5EF4-FFF2-40B4-BE49-F238E27FC236}">
-                <a16:creationId xmlns:a16="http://schemas.microsoft.com/office/drawing/2014/main" id="{44BA4203-4B1F-29D4-9B45-1F495A7BBED2}"/>
+                <a16:creationId xmlns:a16="http://schemas.microsoft.com/office/drawing/2014/main" id="{CD2A6343-3F32-E1BA-2F4E-58ECF4E926AE}"/>
               </a:ext>
             </a:extLst>
           </p:cNvPr>
@@ -18065,8 +18891,8 @@
         </p:nvSpPr>
         <p:spPr>
           <a:xfrm>
-            <a:off x="7131803" y="3268133"/>
-            <a:ext cx="4224866" cy="1200329"/>
+            <a:off x="70339" y="6569125"/>
+            <a:ext cx="4873450" cy="215444"/>
           </a:xfrm>
           <a:prstGeom prst="rect">
             <a:avLst/>
@@ -18080,8 +18906,12 @@
           <a:lstStyle/>
           <a:p>
             <a:r>
-              <a:rPr lang="en-US" dirty="0"/>
-              <a:t>Mortgage interest rates remained historically low in 2020–2021, but rose sharply beginning in 2022, increasing the cost of financing a home purchase.</a:t>
+              <a:rPr lang="en-US" sz="800" b="1" i="1" dirty="0"/>
+              <a:t>Source:</a:t>
+            </a:r>
+            <a:r>
+              <a:rPr lang="en-US" sz="800" i="1" dirty="0"/>
+              <a:t> Redfin Housing Market Data; U.S. Census Bureau, American Community Survey (ACS)</a:t>
             </a:r>
           </a:p>
         </p:txBody>

--- a/Capstone(Nashville Housing).pptx
+++ b/Capstone(Nashville Housing).pptx
@@ -141,7 +141,7 @@
   <pc:docChgLst>
     <pc:chgData name="Luke Gaffney" userId="6fa697cc8cd57f76" providerId="LiveId" clId="{528BD4CA-A453-43AA-8F73-3E975C3B2CFE}"/>
     <pc:docChg chg="undo custSel addSld delSld modSld">
-      <pc:chgData name="Luke Gaffney" userId="6fa697cc8cd57f76" providerId="LiveId" clId="{528BD4CA-A453-43AA-8F73-3E975C3B2CFE}" dt="2025-12-19T17:02:23.972" v="1650"/>
+      <pc:chgData name="Luke Gaffney" userId="6fa697cc8cd57f76" providerId="LiveId" clId="{528BD4CA-A453-43AA-8F73-3E975C3B2CFE}" dt="2025-12-19T21:02:58.742" v="1704" actId="20577"/>
       <pc:docMkLst>
         <pc:docMk/>
       </pc:docMkLst>
@@ -215,7 +215,7 @@
         </pc:picChg>
       </pc:sldChg>
       <pc:sldChg chg="addSp delSp modSp mod modNotesTx">
-        <pc:chgData name="Luke Gaffney" userId="6fa697cc8cd57f76" providerId="LiveId" clId="{528BD4CA-A453-43AA-8F73-3E975C3B2CFE}" dt="2025-12-19T17:02:23.972" v="1650"/>
+        <pc:chgData name="Luke Gaffney" userId="6fa697cc8cd57f76" providerId="LiveId" clId="{528BD4CA-A453-43AA-8F73-3E975C3B2CFE}" dt="2025-12-19T21:02:58.742" v="1704" actId="20577"/>
         <pc:sldMkLst>
           <pc:docMk/>
           <pc:sldMk cId="542633763" sldId="277"/>
@@ -365,7 +365,7 @@
           </ac:spMkLst>
         </pc:spChg>
         <pc:spChg chg="mod">
-          <ac:chgData name="Luke Gaffney" userId="6fa697cc8cd57f76" providerId="LiveId" clId="{528BD4CA-A453-43AA-8F73-3E975C3B2CFE}" dt="2025-12-19T16:04:43.483" v="1426" actId="1076"/>
+          <ac:chgData name="Luke Gaffney" userId="6fa697cc8cd57f76" providerId="LiveId" clId="{528BD4CA-A453-43AA-8F73-3E975C3B2CFE}" dt="2025-12-19T20:57:25.300" v="1667" actId="20577"/>
           <ac:spMkLst>
             <pc:docMk/>
             <pc:sldMk cId="542633763" sldId="277"/>
@@ -373,7 +373,7 @@
           </ac:spMkLst>
         </pc:spChg>
         <pc:spChg chg="mod">
-          <ac:chgData name="Luke Gaffney" userId="6fa697cc8cd57f76" providerId="LiveId" clId="{528BD4CA-A453-43AA-8F73-3E975C3B2CFE}" dt="2025-12-19T16:04:43.483" v="1426" actId="1076"/>
+          <ac:chgData name="Luke Gaffney" userId="6fa697cc8cd57f76" providerId="LiveId" clId="{528BD4CA-A453-43AA-8F73-3E975C3B2CFE}" dt="2025-12-19T20:57:36.011" v="1677" actId="20577"/>
           <ac:spMkLst>
             <pc:docMk/>
             <pc:sldMk cId="542633763" sldId="277"/>
@@ -389,7 +389,7 @@
           </ac:spMkLst>
         </pc:spChg>
         <pc:spChg chg="mod">
-          <ac:chgData name="Luke Gaffney" userId="6fa697cc8cd57f76" providerId="LiveId" clId="{528BD4CA-A453-43AA-8F73-3E975C3B2CFE}" dt="2025-12-19T16:04:43.483" v="1426" actId="1076"/>
+          <ac:chgData name="Luke Gaffney" userId="6fa697cc8cd57f76" providerId="LiveId" clId="{528BD4CA-A453-43AA-8F73-3E975C3B2CFE}" dt="2025-12-19T21:02:43.034" v="1689" actId="20577"/>
           <ac:spMkLst>
             <pc:docMk/>
             <pc:sldMk cId="542633763" sldId="277"/>
@@ -405,7 +405,7 @@
           </ac:spMkLst>
         </pc:spChg>
         <pc:spChg chg="mod">
-          <ac:chgData name="Luke Gaffney" userId="6fa697cc8cd57f76" providerId="LiveId" clId="{528BD4CA-A453-43AA-8F73-3E975C3B2CFE}" dt="2025-12-19T16:04:43.483" v="1426" actId="1076"/>
+          <ac:chgData name="Luke Gaffney" userId="6fa697cc8cd57f76" providerId="LiveId" clId="{528BD4CA-A453-43AA-8F73-3E975C3B2CFE}" dt="2025-12-19T21:02:58.742" v="1704" actId="20577"/>
           <ac:spMkLst>
             <pc:docMk/>
             <pc:sldMk cId="542633763" sldId="277"/>
@@ -1518,19 +1518,7 @@
           <a:bodyPr/>
           <a:lstStyle/>
           <a:p>
-            <a:r>
-              <a:rPr lang="en-US" dirty="0"/>
-              <a:t>These summary statistics provide context for the affordability and housing market trends discussed next.</a:t>
-            </a:r>
-          </a:p>
-          <a:p>
             <a:endParaRPr lang="en-US" dirty="0"/>
-          </a:p>
-          <a:p>
-            <a:r>
-              <a:rPr lang="en-US" dirty="0"/>
-              <a:t>Slide could show comparisons between 2020 and 2023 (top to bottom and remove population) </a:t>
-            </a:r>
           </a:p>
         </p:txBody>
       </p:sp>
@@ -14507,14 +14495,14 @@
             <a:pPr algn="ctr"/>
             <a:r>
               <a:rPr lang="en-US" sz="3400" b="1" dirty="0"/>
-              <a:t>$334,500</a:t>
+              <a:t>$334,906</a:t>
             </a:r>
           </a:p>
           <a:p>
             <a:pPr algn="ctr"/>
             <a:r>
               <a:rPr lang="en-US" sz="1400" dirty="0"/>
-              <a:t>Median Sale Price</a:t>
+              <a:t>Avg Sale Price</a:t>
             </a:r>
           </a:p>
         </p:txBody>
@@ -14550,14 +14538,14 @@
             <a:pPr algn="ctr"/>
             <a:r>
               <a:rPr lang="en-US" sz="3400" b="1" dirty="0"/>
-              <a:t>$470,000</a:t>
+              <a:t>$466,651</a:t>
             </a:r>
           </a:p>
           <a:p>
             <a:pPr algn="ctr"/>
             <a:r>
               <a:rPr lang="en-US" sz="1400" dirty="0"/>
-              <a:t>Median Sale Price</a:t>
+              <a:t>Avg Sale Price</a:t>
             </a:r>
           </a:p>
         </p:txBody>
@@ -14593,14 +14581,14 @@
             <a:pPr algn="ctr"/>
             <a:r>
               <a:rPr lang="en-US" sz="3400" b="1" dirty="0"/>
-              <a:t>$71,059</a:t>
+              <a:t>$77,039</a:t>
             </a:r>
           </a:p>
           <a:p>
             <a:pPr algn="ctr"/>
             <a:r>
               <a:rPr lang="en-US" sz="1400" dirty="0"/>
-              <a:t>Median Household Income</a:t>
+              <a:t>Avg Household Income</a:t>
             </a:r>
           </a:p>
         </p:txBody>
@@ -14635,15 +14623,16 @@
           <a:p>
             <a:pPr algn="ctr"/>
             <a:r>
-              <a:rPr lang="en-US" sz="3400" b="1" dirty="0"/>
-              <a:t>$86,461</a:t>
-            </a:r>
+              <a:rPr lang="en-US" sz="3400" b="1"/>
+              <a:t>$92,010</a:t>
+            </a:r>
+            <a:endParaRPr lang="en-US" sz="3400" b="1" dirty="0"/>
           </a:p>
           <a:p>
             <a:pPr algn="ctr"/>
             <a:r>
               <a:rPr lang="en-US" sz="1400" dirty="0"/>
-              <a:t>Median Household Income</a:t>
+              <a:t>Avg Household Income</a:t>
             </a:r>
           </a:p>
         </p:txBody>

--- a/Capstone(Nashville Housing).pptx
+++ b/Capstone(Nashville Housing).pptx
@@ -5,7 +5,7 @@
     <p:sldMasterId id="2147483648" r:id="rId1"/>
   </p:sldMasterIdLst>
   <p:notesMasterIdLst>
-    <p:notesMasterId r:id="rId16"/>
+    <p:notesMasterId r:id="rId17"/>
   </p:notesMasterIdLst>
   <p:sldIdLst>
     <p:sldId id="256" r:id="rId2"/>
@@ -22,6 +22,7 @@
     <p:sldId id="287" r:id="rId13"/>
     <p:sldId id="286" r:id="rId14"/>
     <p:sldId id="285" r:id="rId15"/>
+    <p:sldId id="291" r:id="rId16"/>
   </p:sldIdLst>
   <p:sldSz cx="12192000" cy="6858000"/>
   <p:notesSz cx="6858000" cy="9144000"/>
@@ -131,7 +132,7 @@
 <file path=ppt/revisionInfo.xml><?xml version="1.0" encoding="utf-8"?>
 <p1510:revInfo xmlns:a="http://schemas.openxmlformats.org/drawingml/2006/main" xmlns:r="http://schemas.openxmlformats.org/officeDocument/2006/relationships" xmlns:p1510="http://schemas.microsoft.com/office/powerpoint/2015/10/main">
   <p1510:revLst>
-    <p1510:client id="{4C0D10D6-1D88-4B0E-87C1-EF36A8B2A437}" v="109" dt="2025-12-19T17:02:23.972"/>
+    <p1510:client id="{4C0D10D6-1D88-4B0E-87C1-EF36A8B2A437}" v="166" dt="2025-12-22T15:15:25.957"/>
   </p1510:revLst>
 </p1510:revInfo>
 </file>
@@ -141,12 +142,12 @@
   <pc:docChgLst>
     <pc:chgData name="Luke Gaffney" userId="6fa697cc8cd57f76" providerId="LiveId" clId="{528BD4CA-A453-43AA-8F73-3E975C3B2CFE}"/>
     <pc:docChg chg="undo custSel addSld delSld modSld">
-      <pc:chgData name="Luke Gaffney" userId="6fa697cc8cd57f76" providerId="LiveId" clId="{528BD4CA-A453-43AA-8F73-3E975C3B2CFE}" dt="2025-12-19T21:02:58.742" v="1704" actId="20577"/>
+      <pc:chgData name="Luke Gaffney" userId="6fa697cc8cd57f76" providerId="LiveId" clId="{528BD4CA-A453-43AA-8F73-3E975C3B2CFE}" dt="2025-12-22T15:26:31.484" v="2118" actId="20577"/>
       <pc:docMkLst>
         <pc:docMk/>
       </pc:docMkLst>
       <pc:sldChg chg="modSp mod modNotesTx">
-        <pc:chgData name="Luke Gaffney" userId="6fa697cc8cd57f76" providerId="LiveId" clId="{528BD4CA-A453-43AA-8F73-3E975C3B2CFE}" dt="2025-12-18T20:12:24.774" v="972" actId="1076"/>
+        <pc:chgData name="Luke Gaffney" userId="6fa697cc8cd57f76" providerId="LiveId" clId="{528BD4CA-A453-43AA-8F73-3E975C3B2CFE}" dt="2025-12-22T15:10:31.395" v="2005" actId="20577"/>
         <pc:sldMkLst>
           <pc:docMk/>
           <pc:sldMk cId="101415907" sldId="256"/>
@@ -160,8 +161,8 @@
           </ac:spMkLst>
         </pc:spChg>
       </pc:sldChg>
-      <pc:sldChg chg="modSp mod">
-        <pc:chgData name="Luke Gaffney" userId="6fa697cc8cd57f76" providerId="LiveId" clId="{528BD4CA-A453-43AA-8F73-3E975C3B2CFE}" dt="2025-12-18T20:12:03.507" v="969" actId="113"/>
+      <pc:sldChg chg="modSp mod modNotesTx">
+        <pc:chgData name="Luke Gaffney" userId="6fa697cc8cd57f76" providerId="LiveId" clId="{528BD4CA-A453-43AA-8F73-3E975C3B2CFE}" dt="2025-12-22T15:25:12.394" v="2105" actId="12"/>
         <pc:sldMkLst>
           <pc:docMk/>
           <pc:sldMk cId="3484887589" sldId="257"/>
@@ -175,7 +176,7 @@
           </ac:spMkLst>
         </pc:spChg>
         <pc:spChg chg="mod">
-          <ac:chgData name="Luke Gaffney" userId="6fa697cc8cd57f76" providerId="LiveId" clId="{528BD4CA-A453-43AA-8F73-3E975C3B2CFE}" dt="2025-12-18T20:00:14.545" v="800" actId="20577"/>
+          <ac:chgData name="Luke Gaffney" userId="6fa697cc8cd57f76" providerId="LiveId" clId="{528BD4CA-A453-43AA-8F73-3E975C3B2CFE}" dt="2025-12-22T13:17:12.887" v="1913"/>
           <ac:spMkLst>
             <pc:docMk/>
             <pc:sldMk cId="3484887589" sldId="257"/>
@@ -183,8 +184,8 @@
           </ac:spMkLst>
         </pc:spChg>
       </pc:sldChg>
-      <pc:sldChg chg="addSp delSp modSp mod">
-        <pc:chgData name="Luke Gaffney" userId="6fa697cc8cd57f76" providerId="LiveId" clId="{528BD4CA-A453-43AA-8F73-3E975C3B2CFE}" dt="2025-12-18T21:41:24.673" v="1240" actId="20577"/>
+      <pc:sldChg chg="addSp delSp modSp mod modNotesTx">
+        <pc:chgData name="Luke Gaffney" userId="6fa697cc8cd57f76" providerId="LiveId" clId="{528BD4CA-A453-43AA-8F73-3E975C3B2CFE}" dt="2025-12-22T15:25:18.507" v="2106" actId="12"/>
         <pc:sldMkLst>
           <pc:docMk/>
           <pc:sldMk cId="4045112871" sldId="275"/>
@@ -198,24 +199,16 @@
           </ac:spMkLst>
         </pc:spChg>
         <pc:spChg chg="mod">
-          <ac:chgData name="Luke Gaffney" userId="6fa697cc8cd57f76" providerId="LiveId" clId="{528BD4CA-A453-43AA-8F73-3E975C3B2CFE}" dt="2025-12-18T21:41:24.673" v="1240" actId="20577"/>
+          <ac:chgData name="Luke Gaffney" userId="6fa697cc8cd57f76" providerId="LiveId" clId="{528BD4CA-A453-43AA-8F73-3E975C3B2CFE}" dt="2025-12-20T13:30:07.162" v="1771" actId="12"/>
           <ac:spMkLst>
             <pc:docMk/>
             <pc:sldMk cId="4045112871" sldId="275"/>
             <ac:spMk id="4" creationId="{337C5CAA-78BD-6151-0CC5-8CA452F48391}"/>
           </ac:spMkLst>
         </pc:spChg>
-        <pc:picChg chg="add del mod">
-          <ac:chgData name="Luke Gaffney" userId="6fa697cc8cd57f76" providerId="LiveId" clId="{528BD4CA-A453-43AA-8F73-3E975C3B2CFE}" dt="2025-12-18T17:08:40.189" v="535" actId="478"/>
-          <ac:picMkLst>
-            <pc:docMk/>
-            <pc:sldMk cId="4045112871" sldId="275"/>
-            <ac:picMk id="6" creationId="{7BABD241-79ED-DF5A-7F96-0F9F5A1A871D}"/>
-          </ac:picMkLst>
-        </pc:picChg>
       </pc:sldChg>
       <pc:sldChg chg="addSp delSp modSp mod modNotesTx">
-        <pc:chgData name="Luke Gaffney" userId="6fa697cc8cd57f76" providerId="LiveId" clId="{528BD4CA-A453-43AA-8F73-3E975C3B2CFE}" dt="2025-12-19T21:02:58.742" v="1704" actId="20577"/>
+        <pc:chgData name="Luke Gaffney" userId="6fa697cc8cd57f76" providerId="LiveId" clId="{528BD4CA-A453-43AA-8F73-3E975C3B2CFE}" dt="2025-12-22T15:25:37.977" v="2108" actId="12"/>
         <pc:sldMkLst>
           <pc:docMk/>
           <pc:sldMk cId="542633763" sldId="277"/>
@@ -245,7 +238,7 @@
           </ac:spMkLst>
         </pc:spChg>
         <pc:spChg chg="add mod">
-          <ac:chgData name="Luke Gaffney" userId="6fa697cc8cd57f76" providerId="LiveId" clId="{528BD4CA-A453-43AA-8F73-3E975C3B2CFE}" dt="2025-12-19T16:11:54.100" v="1509" actId="554"/>
+          <ac:chgData name="Luke Gaffney" userId="6fa697cc8cd57f76" providerId="LiveId" clId="{528BD4CA-A453-43AA-8F73-3E975C3B2CFE}" dt="2025-12-22T13:29:00.713" v="1938" actId="113"/>
           <ac:spMkLst>
             <pc:docMk/>
             <pc:sldMk cId="542633763" sldId="277"/>
@@ -261,7 +254,7 @@
           </ac:spMkLst>
         </pc:spChg>
         <pc:spChg chg="add mod">
-          <ac:chgData name="Luke Gaffney" userId="6fa697cc8cd57f76" providerId="LiveId" clId="{528BD4CA-A453-43AA-8F73-3E975C3B2CFE}" dt="2025-12-19T16:11:56.909" v="1510" actId="408"/>
+          <ac:chgData name="Luke Gaffney" userId="6fa697cc8cd57f76" providerId="LiveId" clId="{528BD4CA-A453-43AA-8F73-3E975C3B2CFE}" dt="2025-12-22T13:29:05.562" v="1939" actId="113"/>
           <ac:spMkLst>
             <pc:docMk/>
             <pc:sldMk cId="542633763" sldId="277"/>
@@ -277,7 +270,7 @@
           </ac:spMkLst>
         </pc:spChg>
         <pc:spChg chg="add mod">
-          <ac:chgData name="Luke Gaffney" userId="6fa697cc8cd57f76" providerId="LiveId" clId="{528BD4CA-A453-43AA-8F73-3E975C3B2CFE}" dt="2025-12-19T17:02:23.972" v="1650"/>
+          <ac:chgData name="Luke Gaffney" userId="6fa697cc8cd57f76" providerId="LiveId" clId="{528BD4CA-A453-43AA-8F73-3E975C3B2CFE}" dt="2025-12-22T13:30:08.878" v="1944" actId="114"/>
           <ac:spMkLst>
             <pc:docMk/>
             <pc:sldMk cId="542633763" sldId="277"/>
@@ -290,14 +283,6 @@
             <pc:docMk/>
             <pc:sldMk cId="542633763" sldId="277"/>
             <ac:spMk id="50" creationId="{7B064B8D-B47F-4375-2B50-CF6CF3893C03}"/>
-          </ac:spMkLst>
-        </pc:spChg>
-        <pc:spChg chg="del mod">
-          <ac:chgData name="Luke Gaffney" userId="6fa697cc8cd57f76" providerId="LiveId" clId="{528BD4CA-A453-43AA-8F73-3E975C3B2CFE}" dt="2025-12-19T16:02:23.451" v="1399" actId="21"/>
-          <ac:spMkLst>
-            <pc:docMk/>
-            <pc:sldMk cId="542633763" sldId="277"/>
-            <ac:spMk id="52" creationId="{D8F05392-D2AB-832C-F0A7-FDBEC20C334A}"/>
           </ac:spMkLst>
         </pc:spChg>
         <pc:spChg chg="mod">
@@ -356,16 +341,8 @@
             <ac:spMk id="60" creationId="{9BFF97D0-ED64-E128-C274-C00499EFFAE4}"/>
           </ac:spMkLst>
         </pc:spChg>
-        <pc:spChg chg="del mod">
-          <ac:chgData name="Luke Gaffney" userId="6fa697cc8cd57f76" providerId="LiveId" clId="{528BD4CA-A453-43AA-8F73-3E975C3B2CFE}" dt="2025-12-19T16:02:21.192" v="1398" actId="21"/>
-          <ac:spMkLst>
-            <pc:docMk/>
-            <pc:sldMk cId="542633763" sldId="277"/>
-            <ac:spMk id="61" creationId="{18AD629B-E91D-DE53-3D91-9B4392A59A0C}"/>
-          </ac:spMkLst>
-        </pc:spChg>
         <pc:spChg chg="mod">
-          <ac:chgData name="Luke Gaffney" userId="6fa697cc8cd57f76" providerId="LiveId" clId="{528BD4CA-A453-43AA-8F73-3E975C3B2CFE}" dt="2025-12-19T20:57:25.300" v="1667" actId="20577"/>
+          <ac:chgData name="Luke Gaffney" userId="6fa697cc8cd57f76" providerId="LiveId" clId="{528BD4CA-A453-43AA-8F73-3E975C3B2CFE}" dt="2025-12-20T01:38:31.975" v="1738" actId="20577"/>
           <ac:spMkLst>
             <pc:docMk/>
             <pc:sldMk cId="542633763" sldId="277"/>
@@ -373,39 +350,23 @@
           </ac:spMkLst>
         </pc:spChg>
         <pc:spChg chg="mod">
-          <ac:chgData name="Luke Gaffney" userId="6fa697cc8cd57f76" providerId="LiveId" clId="{528BD4CA-A453-43AA-8F73-3E975C3B2CFE}" dt="2025-12-19T20:57:36.011" v="1677" actId="20577"/>
+          <ac:chgData name="Luke Gaffney" userId="6fa697cc8cd57f76" providerId="LiveId" clId="{528BD4CA-A453-43AA-8F73-3E975C3B2CFE}" dt="2025-12-20T01:38:38.957" v="1750" actId="20577"/>
           <ac:spMkLst>
             <pc:docMk/>
             <pc:sldMk cId="542633763" sldId="277"/>
             <ac:spMk id="63" creationId="{5CDB8C99-1CCB-5587-C46B-2A5DF5A29899}"/>
           </ac:spMkLst>
         </pc:spChg>
-        <pc:spChg chg="del mod">
-          <ac:chgData name="Luke Gaffney" userId="6fa697cc8cd57f76" providerId="LiveId" clId="{528BD4CA-A453-43AA-8F73-3E975C3B2CFE}" dt="2025-12-19T16:02:08.246" v="1396" actId="21"/>
-          <ac:spMkLst>
-            <pc:docMk/>
-            <pc:sldMk cId="542633763" sldId="277"/>
-            <ac:spMk id="64" creationId="{52E77D86-07E9-33B7-C2FD-38107DBCFFB2}"/>
-          </ac:spMkLst>
-        </pc:spChg>
         <pc:spChg chg="mod">
-          <ac:chgData name="Luke Gaffney" userId="6fa697cc8cd57f76" providerId="LiveId" clId="{528BD4CA-A453-43AA-8F73-3E975C3B2CFE}" dt="2025-12-19T21:02:43.034" v="1689" actId="20577"/>
+          <ac:chgData name="Luke Gaffney" userId="6fa697cc8cd57f76" providerId="LiveId" clId="{528BD4CA-A453-43AA-8F73-3E975C3B2CFE}" dt="2025-12-20T13:40:53.595" v="1826" actId="20577"/>
           <ac:spMkLst>
             <pc:docMk/>
             <pc:sldMk cId="542633763" sldId="277"/>
             <ac:spMk id="65" creationId="{40D337F7-9BCF-4A96-AD0F-AE467E9DF863}"/>
           </ac:spMkLst>
         </pc:spChg>
-        <pc:spChg chg="del mod">
-          <ac:chgData name="Luke Gaffney" userId="6fa697cc8cd57f76" providerId="LiveId" clId="{528BD4CA-A453-43AA-8F73-3E975C3B2CFE}" dt="2025-12-19T16:02:17.148" v="1397" actId="21"/>
-          <ac:spMkLst>
-            <pc:docMk/>
-            <pc:sldMk cId="542633763" sldId="277"/>
-            <ac:spMk id="66" creationId="{22F225A1-E99E-2815-850D-21FA018A2195}"/>
-          </ac:spMkLst>
-        </pc:spChg>
         <pc:spChg chg="mod">
-          <ac:chgData name="Luke Gaffney" userId="6fa697cc8cd57f76" providerId="LiveId" clId="{528BD4CA-A453-43AA-8F73-3E975C3B2CFE}" dt="2025-12-19T21:02:58.742" v="1704" actId="20577"/>
+          <ac:chgData name="Luke Gaffney" userId="6fa697cc8cd57f76" providerId="LiveId" clId="{528BD4CA-A453-43AA-8F73-3E975C3B2CFE}" dt="2025-12-22T13:28:19.515" v="1920" actId="20577"/>
           <ac:spMkLst>
             <pc:docMk/>
             <pc:sldMk cId="542633763" sldId="277"/>
@@ -413,8 +374,8 @@
           </ac:spMkLst>
         </pc:spChg>
       </pc:sldChg>
-      <pc:sldChg chg="addSp delSp modSp mod">
-        <pc:chgData name="Luke Gaffney" userId="6fa697cc8cd57f76" providerId="LiveId" clId="{528BD4CA-A453-43AA-8F73-3E975C3B2CFE}" dt="2025-12-18T20:24:47.832" v="994" actId="20577"/>
+      <pc:sldChg chg="addSp delSp modSp mod modNotesTx">
+        <pc:chgData name="Luke Gaffney" userId="6fa697cc8cd57f76" providerId="LiveId" clId="{528BD4CA-A453-43AA-8F73-3E975C3B2CFE}" dt="2025-12-22T15:25:26.097" v="2107" actId="12"/>
         <pc:sldMkLst>
           <pc:docMk/>
           <pc:sldMk cId="835599444" sldId="278"/>
@@ -427,41 +388,17 @@
             <ac:spMk id="2" creationId="{0D3BA9AF-2BD7-97AC-F960-51216C2F9482}"/>
           </ac:spMkLst>
         </pc:spChg>
-        <pc:spChg chg="del">
-          <ac:chgData name="Luke Gaffney" userId="6fa697cc8cd57f76" providerId="LiveId" clId="{528BD4CA-A453-43AA-8F73-3E975C3B2CFE}" dt="2025-12-18T19:12:42.177" v="627" actId="21"/>
-          <ac:spMkLst>
-            <pc:docMk/>
-            <pc:sldMk cId="835599444" sldId="278"/>
-            <ac:spMk id="60" creationId="{EACC3C81-5AC3-F7E2-DD04-AF63D0053FB8}"/>
-          </ac:spMkLst>
-        </pc:spChg>
         <pc:spChg chg="add mod">
-          <ac:chgData name="Luke Gaffney" userId="6fa697cc8cd57f76" providerId="LiveId" clId="{528BD4CA-A453-43AA-8F73-3E975C3B2CFE}" dt="2025-12-18T20:24:47.832" v="994" actId="20577"/>
+          <ac:chgData name="Luke Gaffney" userId="6fa697cc8cd57f76" providerId="LiveId" clId="{528BD4CA-A453-43AA-8F73-3E975C3B2CFE}" dt="2025-12-22T13:23:00.072" v="1919" actId="113"/>
           <ac:spMkLst>
             <pc:docMk/>
             <pc:sldMk cId="835599444" sldId="278"/>
             <ac:spMk id="61" creationId="{BFD046D5-C800-2F5C-68F0-9AD62A89727F}"/>
           </ac:spMkLst>
         </pc:spChg>
-        <pc:spChg chg="add">
-          <ac:chgData name="Luke Gaffney" userId="6fa697cc8cd57f76" providerId="LiveId" clId="{528BD4CA-A453-43AA-8F73-3E975C3B2CFE}" dt="2025-12-18T19:12:53.759" v="629"/>
-          <ac:spMkLst>
-            <pc:docMk/>
-            <pc:sldMk cId="835599444" sldId="278"/>
-            <ac:spMk id="62" creationId="{E373D256-AB44-8017-9C44-F02DD871016B}"/>
-          </ac:spMkLst>
-        </pc:spChg>
-        <pc:graphicFrameChg chg="del modGraphic">
-          <ac:chgData name="Luke Gaffney" userId="6fa697cc8cd57f76" providerId="LiveId" clId="{528BD4CA-A453-43AA-8F73-3E975C3B2CFE}" dt="2025-12-18T19:12:39.380" v="626" actId="21"/>
-          <ac:graphicFrameMkLst>
-            <pc:docMk/>
-            <pc:sldMk cId="835599444" sldId="278"/>
-            <ac:graphicFrameMk id="59" creationId="{BCFE9DD7-46AB-7613-56F3-56A484D83033}"/>
-          </ac:graphicFrameMkLst>
-        </pc:graphicFrameChg>
       </pc:sldChg>
-      <pc:sldChg chg="addSp delSp modSp mod">
-        <pc:chgData name="Luke Gaffney" userId="6fa697cc8cd57f76" providerId="LiveId" clId="{528BD4CA-A453-43AA-8F73-3E975C3B2CFE}" dt="2025-12-19T17:01:55.519" v="1644" actId="1076"/>
+      <pc:sldChg chg="addSp delSp modSp mod modNotesTx">
+        <pc:chgData name="Luke Gaffney" userId="6fa697cc8cd57f76" providerId="LiveId" clId="{528BD4CA-A453-43AA-8F73-3E975C3B2CFE}" dt="2025-12-22T15:25:42.913" v="2109" actId="12"/>
         <pc:sldMkLst>
           <pc:docMk/>
           <pc:sldMk cId="1987554360" sldId="280"/>
@@ -475,72 +412,32 @@
           </ac:spMkLst>
         </pc:spChg>
         <pc:spChg chg="add mod">
-          <ac:chgData name="Luke Gaffney" userId="6fa697cc8cd57f76" providerId="LiveId" clId="{528BD4CA-A453-43AA-8F73-3E975C3B2CFE}" dt="2025-12-19T17:01:55.519" v="1644" actId="1076"/>
+          <ac:chgData name="Luke Gaffney" userId="6fa697cc8cd57f76" providerId="LiveId" clId="{528BD4CA-A453-43AA-8F73-3E975C3B2CFE}" dt="2025-12-22T13:30:24.369" v="1953"/>
           <ac:spMkLst>
             <pc:docMk/>
             <pc:sldMk cId="1987554360" sldId="280"/>
             <ac:spMk id="7" creationId="{F8680954-FCF1-9813-090F-D0E3B62B1BC5}"/>
           </ac:spMkLst>
         </pc:spChg>
-        <pc:spChg chg="del mod">
-          <ac:chgData name="Luke Gaffney" userId="6fa697cc8cd57f76" providerId="LiveId" clId="{528BD4CA-A453-43AA-8F73-3E975C3B2CFE}" dt="2025-12-18T20:33:47.083" v="1125" actId="21"/>
-          <ac:spMkLst>
-            <pc:docMk/>
-            <pc:sldMk cId="1987554360" sldId="280"/>
-            <ac:spMk id="13" creationId="{F5978D41-A1D0-C3FA-6E4A-CBD806CA2CFC}"/>
-          </ac:spMkLst>
-        </pc:spChg>
-        <pc:spChg chg="del mod">
-          <ac:chgData name="Luke Gaffney" userId="6fa697cc8cd57f76" providerId="LiveId" clId="{528BD4CA-A453-43AA-8F73-3E975C3B2CFE}" dt="2025-12-18T19:28:54.918" v="653" actId="21"/>
-          <ac:spMkLst>
-            <pc:docMk/>
-            <pc:sldMk cId="1987554360" sldId="280"/>
-            <ac:spMk id="14" creationId="{184AB04E-7903-0A7E-518C-76A24AE8D5EE}"/>
-          </ac:spMkLst>
-        </pc:spChg>
         <pc:spChg chg="add mod">
-          <ac:chgData name="Luke Gaffney" userId="6fa697cc8cd57f76" providerId="LiveId" clId="{528BD4CA-A453-43AA-8F73-3E975C3B2CFE}" dt="2025-12-19T16:32:49.578" v="1547" actId="1076"/>
+          <ac:chgData name="Luke Gaffney" userId="6fa697cc8cd57f76" providerId="LiveId" clId="{528BD4CA-A453-43AA-8F73-3E975C3B2CFE}" dt="2025-12-22T13:34:51.592" v="1973" actId="1076"/>
           <ac:spMkLst>
             <pc:docMk/>
             <pc:sldMk cId="1987554360" sldId="280"/>
             <ac:spMk id="21" creationId="{600A8C6F-BFC4-607E-3627-E251A8A378A6}"/>
           </ac:spMkLst>
         </pc:spChg>
-        <pc:picChg chg="add del mod">
-          <ac:chgData name="Luke Gaffney" userId="6fa697cc8cd57f76" providerId="LiveId" clId="{528BD4CA-A453-43AA-8F73-3E975C3B2CFE}" dt="2025-12-19T16:30:10.324" v="1517" actId="21"/>
+        <pc:picChg chg="add mod">
+          <ac:chgData name="Luke Gaffney" userId="6fa697cc8cd57f76" providerId="LiveId" clId="{528BD4CA-A453-43AA-8F73-3E975C3B2CFE}" dt="2025-12-20T14:48:11.377" v="1866" actId="14100"/>
           <ac:picMkLst>
             <pc:docMk/>
             <pc:sldMk cId="1987554360" sldId="280"/>
-            <ac:picMk id="4" creationId="{00B91D9E-3FE6-288F-48AA-D503AE620FB9}"/>
-          </ac:picMkLst>
-        </pc:picChg>
-        <pc:picChg chg="add mod">
-          <ac:chgData name="Luke Gaffney" userId="6fa697cc8cd57f76" providerId="LiveId" clId="{528BD4CA-A453-43AA-8F73-3E975C3B2CFE}" dt="2025-12-19T16:37:12.073" v="1606" actId="208"/>
-          <ac:picMkLst>
-            <pc:docMk/>
-            <pc:sldMk cId="1987554360" sldId="280"/>
-            <ac:picMk id="6" creationId="{77D74E8A-7840-298A-D4E2-4ECE77828DAF}"/>
-          </ac:picMkLst>
-        </pc:picChg>
-        <pc:picChg chg="del">
-          <ac:chgData name="Luke Gaffney" userId="6fa697cc8cd57f76" providerId="LiveId" clId="{528BD4CA-A453-43AA-8F73-3E975C3B2CFE}" dt="2025-12-18T19:28:06.178" v="646" actId="478"/>
-          <ac:picMkLst>
-            <pc:docMk/>
-            <pc:sldMk cId="1987554360" sldId="280"/>
-            <ac:picMk id="16" creationId="{C01580BE-5937-35C6-CE81-8CB9F6E7EACB}"/>
-          </ac:picMkLst>
-        </pc:picChg>
-        <pc:picChg chg="add del mod">
-          <ac:chgData name="Luke Gaffney" userId="6fa697cc8cd57f76" providerId="LiveId" clId="{528BD4CA-A453-43AA-8F73-3E975C3B2CFE}" dt="2025-12-19T16:31:27.813" v="1518" actId="478"/>
-          <ac:picMkLst>
-            <pc:docMk/>
-            <pc:sldMk cId="1987554360" sldId="280"/>
-            <ac:picMk id="20" creationId="{D6B1AE58-D5D8-4517-E679-BDEF35A0840C}"/>
+            <ac:picMk id="9" creationId="{6FF178BC-FBD3-AB90-954C-F71B135174E3}"/>
           </ac:picMkLst>
         </pc:picChg>
       </pc:sldChg>
-      <pc:sldChg chg="addSp delSp modSp mod">
-        <pc:chgData name="Luke Gaffney" userId="6fa697cc8cd57f76" providerId="LiveId" clId="{528BD4CA-A453-43AA-8F73-3E975C3B2CFE}" dt="2025-12-19T17:02:01.933" v="1645"/>
+      <pc:sldChg chg="addSp delSp modSp mod modNotesTx">
+        <pc:chgData name="Luke Gaffney" userId="6fa697cc8cd57f76" providerId="LiveId" clId="{528BD4CA-A453-43AA-8F73-3E975C3B2CFE}" dt="2025-12-22T15:25:49.010" v="2110" actId="12"/>
         <pc:sldMkLst>
           <pc:docMk/>
           <pc:sldMk cId="2767592310" sldId="282"/>
@@ -554,35 +451,19 @@
           </ac:spMkLst>
         </pc:spChg>
         <pc:spChg chg="add mod">
-          <ac:chgData name="Luke Gaffney" userId="6fa697cc8cd57f76" providerId="LiveId" clId="{528BD4CA-A453-43AA-8F73-3E975C3B2CFE}" dt="2025-12-19T17:02:01.933" v="1645"/>
+          <ac:chgData name="Luke Gaffney" userId="6fa697cc8cd57f76" providerId="LiveId" clId="{528BD4CA-A453-43AA-8F73-3E975C3B2CFE}" dt="2025-12-22T13:30:51.083" v="1961"/>
           <ac:spMkLst>
             <pc:docMk/>
             <pc:sldMk cId="2767592310" sldId="282"/>
             <ac:spMk id="5" creationId="{02DDFBE0-D271-E4EC-47A5-AABCE4FE7865}"/>
           </ac:spMkLst>
         </pc:spChg>
-        <pc:spChg chg="del">
-          <ac:chgData name="Luke Gaffney" userId="6fa697cc8cd57f76" providerId="LiveId" clId="{528BD4CA-A453-43AA-8F73-3E975C3B2CFE}" dt="2025-12-18T20:29:44.216" v="1121" actId="21"/>
-          <ac:spMkLst>
-            <pc:docMk/>
-            <pc:sldMk cId="2767592310" sldId="282"/>
-            <ac:spMk id="5" creationId="{BF24B234-FCE9-73B0-EE9A-B3C50C0E6F3E}"/>
-          </ac:spMkLst>
-        </pc:spChg>
         <pc:spChg chg="mod">
-          <ac:chgData name="Luke Gaffney" userId="6fa697cc8cd57f76" providerId="LiveId" clId="{528BD4CA-A453-43AA-8F73-3E975C3B2CFE}" dt="2025-12-18T20:54:05.272" v="1135"/>
+          <ac:chgData name="Luke Gaffney" userId="6fa697cc8cd57f76" providerId="LiveId" clId="{528BD4CA-A453-43AA-8F73-3E975C3B2CFE}" dt="2025-12-22T13:40:15.714" v="1985" actId="20577"/>
           <ac:spMkLst>
             <pc:docMk/>
             <pc:sldMk cId="2767592310" sldId="282"/>
             <ac:spMk id="6" creationId="{7C17B134-C5BC-C626-F537-43616E13A7E1}"/>
-          </ac:spMkLst>
-        </pc:spChg>
-        <pc:spChg chg="add del mod">
-          <ac:chgData name="Luke Gaffney" userId="6fa697cc8cd57f76" providerId="LiveId" clId="{528BD4CA-A453-43AA-8F73-3E975C3B2CFE}" dt="2025-12-18T20:25:53.989" v="1024" actId="21"/>
-          <ac:spMkLst>
-            <pc:docMk/>
-            <pc:sldMk cId="2767592310" sldId="282"/>
-            <ac:spMk id="9" creationId="{DBD1A4E0-D2DD-28AC-4767-4FE3779C55DB}"/>
           </ac:spMkLst>
         </pc:spChg>
         <pc:spChg chg="add mod">
@@ -610,27 +491,11 @@
           </ac:spMkLst>
         </pc:spChg>
         <pc:picChg chg="add mod">
-          <ac:chgData name="Luke Gaffney" userId="6fa697cc8cd57f76" providerId="LiveId" clId="{528BD4CA-A453-43AA-8F73-3E975C3B2CFE}" dt="2025-12-19T16:37:23.927" v="1607" actId="208"/>
+          <ac:chgData name="Luke Gaffney" userId="6fa697cc8cd57f76" providerId="LiveId" clId="{528BD4CA-A453-43AA-8F73-3E975C3B2CFE}" dt="2025-12-20T14:48:53.374" v="1875" actId="1076"/>
           <ac:picMkLst>
             <pc:docMk/>
             <pc:sldMk cId="2767592310" sldId="282"/>
-            <ac:picMk id="4" creationId="{81C2F2B9-F46E-BEFD-D723-DB00C6B71162}"/>
-          </ac:picMkLst>
-        </pc:picChg>
-        <pc:picChg chg="del">
-          <ac:chgData name="Luke Gaffney" userId="6fa697cc8cd57f76" providerId="LiveId" clId="{528BD4CA-A453-43AA-8F73-3E975C3B2CFE}" dt="2025-12-18T19:41:21.549" v="687" actId="478"/>
-          <ac:picMkLst>
-            <pc:docMk/>
-            <pc:sldMk cId="2767592310" sldId="282"/>
-            <ac:picMk id="4" creationId="{CBCDD5BD-E41D-96BD-F14F-9DEBD40C62F7}"/>
-          </ac:picMkLst>
-        </pc:picChg>
-        <pc:picChg chg="add del mod">
-          <ac:chgData name="Luke Gaffney" userId="6fa697cc8cd57f76" providerId="LiveId" clId="{528BD4CA-A453-43AA-8F73-3E975C3B2CFE}" dt="2025-12-19T16:31:37.909" v="1524" actId="478"/>
-          <ac:picMkLst>
-            <pc:docMk/>
-            <pc:sldMk cId="2767592310" sldId="282"/>
-            <ac:picMk id="8" creationId="{A7261C30-2903-48D2-DB63-C01B4E0A123C}"/>
+            <ac:picMk id="9" creationId="{5C497C67-C0A9-CB4E-1F9E-3062ED8BA593}"/>
           </ac:picMkLst>
         </pc:picChg>
         <pc:cxnChg chg="add mod">
@@ -642,8 +507,8 @@
           </ac:cxnSpMkLst>
         </pc:cxnChg>
       </pc:sldChg>
-      <pc:sldChg chg="addSp delSp modSp mod">
-        <pc:chgData name="Luke Gaffney" userId="6fa697cc8cd57f76" providerId="LiveId" clId="{528BD4CA-A453-43AA-8F73-3E975C3B2CFE}" dt="2025-12-19T17:02:07.389" v="1646"/>
+      <pc:sldChg chg="addSp delSp modSp mod modNotesTx">
+        <pc:chgData name="Luke Gaffney" userId="6fa697cc8cd57f76" providerId="LiveId" clId="{528BD4CA-A453-43AA-8F73-3E975C3B2CFE}" dt="2025-12-22T15:25:55.514" v="2111" actId="12"/>
         <pc:sldMkLst>
           <pc:docMk/>
           <pc:sldMk cId="2267194495" sldId="283"/>
@@ -656,16 +521,8 @@
             <ac:spMk id="2" creationId="{FF5C7DD5-93F4-87B9-7BE2-CF7C4DD653E2}"/>
           </ac:spMkLst>
         </pc:spChg>
-        <pc:spChg chg="del">
-          <ac:chgData name="Luke Gaffney" userId="6fa697cc8cd57f76" providerId="LiveId" clId="{528BD4CA-A453-43AA-8F73-3E975C3B2CFE}" dt="2025-12-18T19:47:19.537" v="700" actId="21"/>
-          <ac:spMkLst>
-            <pc:docMk/>
-            <pc:sldMk cId="2267194495" sldId="283"/>
-            <ac:spMk id="3" creationId="{EC0A0C89-1E1F-F145-68DD-4741EE1F21A2}"/>
-          </ac:spMkLst>
-        </pc:spChg>
         <pc:spChg chg="add mod">
-          <ac:chgData name="Luke Gaffney" userId="6fa697cc8cd57f76" providerId="LiveId" clId="{528BD4CA-A453-43AA-8F73-3E975C3B2CFE}" dt="2025-12-19T17:02:07.389" v="1646"/>
+          <ac:chgData name="Luke Gaffney" userId="6fa697cc8cd57f76" providerId="LiveId" clId="{528BD4CA-A453-43AA-8F73-3E975C3B2CFE}" dt="2025-12-22T13:30:40.917" v="1959"/>
           <ac:spMkLst>
             <pc:docMk/>
             <pc:sldMk cId="2267194495" sldId="283"/>
@@ -673,7 +530,7 @@
           </ac:spMkLst>
         </pc:spChg>
         <pc:spChg chg="add mod">
-          <ac:chgData name="Luke Gaffney" userId="6fa697cc8cd57f76" providerId="LiveId" clId="{528BD4CA-A453-43AA-8F73-3E975C3B2CFE}" dt="2025-12-19T16:35:01.028" v="1572" actId="14100"/>
+          <ac:chgData name="Luke Gaffney" userId="6fa697cc8cd57f76" providerId="LiveId" clId="{528BD4CA-A453-43AA-8F73-3E975C3B2CFE}" dt="2025-12-22T13:36:21.892" v="1976" actId="20577"/>
           <ac:spMkLst>
             <pc:docMk/>
             <pc:sldMk cId="2267194495" sldId="283"/>
@@ -681,32 +538,16 @@
           </ac:spMkLst>
         </pc:spChg>
         <pc:picChg chg="add mod">
-          <ac:chgData name="Luke Gaffney" userId="6fa697cc8cd57f76" providerId="LiveId" clId="{528BD4CA-A453-43AA-8F73-3E975C3B2CFE}" dt="2025-12-19T16:37:36.896" v="1608" actId="208"/>
+          <ac:chgData name="Luke Gaffney" userId="6fa697cc8cd57f76" providerId="LiveId" clId="{528BD4CA-A453-43AA-8F73-3E975C3B2CFE}" dt="2025-12-20T14:49:25.022" v="1884" actId="14100"/>
           <ac:picMkLst>
             <pc:docMk/>
             <pc:sldMk cId="2267194495" sldId="283"/>
-            <ac:picMk id="4" creationId="{16790ABE-1FE4-4DDF-939D-A6D93D939BAE}"/>
-          </ac:picMkLst>
-        </pc:picChg>
-        <pc:picChg chg="del">
-          <ac:chgData name="Luke Gaffney" userId="6fa697cc8cd57f76" providerId="LiveId" clId="{528BD4CA-A453-43AA-8F73-3E975C3B2CFE}" dt="2025-12-18T19:47:16.876" v="699" actId="478"/>
-          <ac:picMkLst>
-            <pc:docMk/>
-            <pc:sldMk cId="2267194495" sldId="283"/>
-            <ac:picMk id="5" creationId="{3ABD3270-EED2-272F-5DB7-267DB37C4CCA}"/>
-          </ac:picMkLst>
-        </pc:picChg>
-        <pc:picChg chg="add del mod">
-          <ac:chgData name="Luke Gaffney" userId="6fa697cc8cd57f76" providerId="LiveId" clId="{528BD4CA-A453-43AA-8F73-3E975C3B2CFE}" dt="2025-12-19T16:31:44" v="1528" actId="478"/>
-          <ac:picMkLst>
-            <pc:docMk/>
-            <pc:sldMk cId="2267194495" sldId="283"/>
-            <ac:picMk id="7" creationId="{03D5F38E-0178-A593-8139-0AF0A5BC4C97}"/>
+            <ac:picMk id="9" creationId="{447BF319-110E-8C7E-255E-0BF26EF164F3}"/>
           </ac:picMkLst>
         </pc:picChg>
       </pc:sldChg>
-      <pc:sldChg chg="addSp delSp modSp mod">
-        <pc:chgData name="Luke Gaffney" userId="6fa697cc8cd57f76" providerId="LiveId" clId="{528BD4CA-A453-43AA-8F73-3E975C3B2CFE}" dt="2025-12-19T17:02:11.270" v="1647"/>
+      <pc:sldChg chg="addSp delSp modSp mod modNotesTx">
+        <pc:chgData name="Luke Gaffney" userId="6fa697cc8cd57f76" providerId="LiveId" clId="{528BD4CA-A453-43AA-8F73-3E975C3B2CFE}" dt="2025-12-22T15:26:01.392" v="2112" actId="12"/>
         <pc:sldMkLst>
           <pc:docMk/>
           <pc:sldMk cId="3664452497" sldId="284"/>
@@ -720,7 +561,7 @@
           </ac:spMkLst>
         </pc:spChg>
         <pc:spChg chg="add mod">
-          <ac:chgData name="Luke Gaffney" userId="6fa697cc8cd57f76" providerId="LiveId" clId="{528BD4CA-A453-43AA-8F73-3E975C3B2CFE}" dt="2025-12-19T16:35:45.365" v="1585" actId="1076"/>
+          <ac:chgData name="Luke Gaffney" userId="6fa697cc8cd57f76" providerId="LiveId" clId="{528BD4CA-A453-43AA-8F73-3E975C3B2CFE}" dt="2025-12-22T13:36:41.885" v="1977"/>
           <ac:spMkLst>
             <pc:docMk/>
             <pc:sldMk cId="3664452497" sldId="284"/>
@@ -728,32 +569,24 @@
           </ac:spMkLst>
         </pc:spChg>
         <pc:spChg chg="add mod">
-          <ac:chgData name="Luke Gaffney" userId="6fa697cc8cd57f76" providerId="LiveId" clId="{528BD4CA-A453-43AA-8F73-3E975C3B2CFE}" dt="2025-12-19T17:02:11.270" v="1647"/>
+          <ac:chgData name="Luke Gaffney" userId="6fa697cc8cd57f76" providerId="LiveId" clId="{528BD4CA-A453-43AA-8F73-3E975C3B2CFE}" dt="2025-12-22T13:31:09.968" v="1964"/>
           <ac:spMkLst>
             <pc:docMk/>
             <pc:sldMk cId="3664452497" sldId="284"/>
             <ac:spMk id="7" creationId="{CD2A6343-3F32-E1BA-2F4E-58ECF4E926AE}"/>
           </ac:spMkLst>
         </pc:spChg>
-        <pc:picChg chg="add del mod">
-          <ac:chgData name="Luke Gaffney" userId="6fa697cc8cd57f76" providerId="LiveId" clId="{528BD4CA-A453-43AA-8F73-3E975C3B2CFE}" dt="2025-12-19T16:31:50.373" v="1532" actId="478"/>
+        <pc:picChg chg="add mod">
+          <ac:chgData name="Luke Gaffney" userId="6fa697cc8cd57f76" providerId="LiveId" clId="{528BD4CA-A453-43AA-8F73-3E975C3B2CFE}" dt="2025-12-20T14:52:45.810" v="1912" actId="1076"/>
           <ac:picMkLst>
             <pc:docMk/>
             <pc:sldMk cId="3664452497" sldId="284"/>
-            <ac:picMk id="4" creationId="{A9BE2DA3-AE8E-0BAD-F93C-9F9E5374244F}"/>
-          </ac:picMkLst>
-        </pc:picChg>
-        <pc:picChg chg="add mod">
-          <ac:chgData name="Luke Gaffney" userId="6fa697cc8cd57f76" providerId="LiveId" clId="{528BD4CA-A453-43AA-8F73-3E975C3B2CFE}" dt="2025-12-19T16:37:43.517" v="1609" actId="208"/>
-          <ac:picMkLst>
-            <pc:docMk/>
-            <pc:sldMk cId="3664452497" sldId="284"/>
-            <ac:picMk id="6" creationId="{54612A8B-9643-974C-DCE9-2E7FD4A71A57}"/>
+            <ac:picMk id="9" creationId="{720FA8DA-5597-C22F-4496-52547033AAB2}"/>
           </ac:picMkLst>
         </pc:picChg>
       </pc:sldChg>
-      <pc:sldChg chg="addSp modSp mod">
-        <pc:chgData name="Luke Gaffney" userId="6fa697cc8cd57f76" providerId="LiveId" clId="{528BD4CA-A453-43AA-8F73-3E975C3B2CFE}" dt="2025-12-19T17:00:28.062" v="1638" actId="20577"/>
+      <pc:sldChg chg="addSp modSp mod modNotesTx">
+        <pc:chgData name="Luke Gaffney" userId="6fa697cc8cd57f76" providerId="LiveId" clId="{528BD4CA-A453-43AA-8F73-3E975C3B2CFE}" dt="2025-12-22T15:26:26.322" v="2117" actId="12"/>
         <pc:sldMkLst>
           <pc:docMk/>
           <pc:sldMk cId="3434264560" sldId="285"/>
@@ -776,7 +609,7 @@
         </pc:spChg>
       </pc:sldChg>
       <pc:sldChg chg="addSp modSp mod modNotesTx">
-        <pc:chgData name="Luke Gaffney" userId="6fa697cc8cd57f76" providerId="LiveId" clId="{528BD4CA-A453-43AA-8F73-3E975C3B2CFE}" dt="2025-12-19T17:00:16.004" v="1632" actId="20577"/>
+        <pc:chgData name="Luke Gaffney" userId="6fa697cc8cd57f76" providerId="LiveId" clId="{528BD4CA-A453-43AA-8F73-3E975C3B2CFE}" dt="2025-12-22T15:26:21.958" v="2116" actId="12"/>
         <pc:sldMkLst>
           <pc:docMk/>
           <pc:sldMk cId="3314449408" sldId="286"/>
@@ -799,7 +632,7 @@
         </pc:spChg>
       </pc:sldChg>
       <pc:sldChg chg="addSp delSp modSp mod modNotesTx">
-        <pc:chgData name="Luke Gaffney" userId="6fa697cc8cd57f76" providerId="LiveId" clId="{528BD4CA-A453-43AA-8F73-3E975C3B2CFE}" dt="2025-12-19T16:51:43.854" v="1626" actId="313"/>
+        <pc:chgData name="Luke Gaffney" userId="6fa697cc8cd57f76" providerId="LiveId" clId="{528BD4CA-A453-43AA-8F73-3E975C3B2CFE}" dt="2025-12-22T15:26:15.546" v="2115" actId="12"/>
         <pc:sldMkLst>
           <pc:docMk/>
           <pc:sldMk cId="2071100020" sldId="287"/>
@@ -812,33 +645,17 @@
             <ac:spMk id="2" creationId="{B0872236-0092-44E2-42F3-D0FFBC7801D7}"/>
           </ac:spMkLst>
         </pc:spChg>
-        <pc:spChg chg="add del mod">
-          <ac:chgData name="Luke Gaffney" userId="6fa697cc8cd57f76" providerId="LiveId" clId="{528BD4CA-A453-43AA-8F73-3E975C3B2CFE}" dt="2025-12-18T21:04:29.678" v="1174"/>
-          <ac:spMkLst>
-            <pc:docMk/>
-            <pc:sldMk cId="2071100020" sldId="287"/>
-            <ac:spMk id="3" creationId="{FEAAFC99-8217-6FA3-249E-01A6029DAC26}"/>
-          </ac:spMkLst>
-        </pc:spChg>
         <pc:spChg chg="add mod">
-          <ac:chgData name="Luke Gaffney" userId="6fa697cc8cd57f76" providerId="LiveId" clId="{528BD4CA-A453-43AA-8F73-3E975C3B2CFE}" dt="2025-12-19T16:48:51.379" v="1624" actId="20577"/>
+          <ac:chgData name="Luke Gaffney" userId="6fa697cc8cd57f76" providerId="LiveId" clId="{528BD4CA-A453-43AA-8F73-3E975C3B2CFE}" dt="2025-12-22T14:45:21.437" v="1999" actId="20577"/>
           <ac:spMkLst>
             <pc:docMk/>
             <pc:sldMk cId="2071100020" sldId="287"/>
             <ac:spMk id="6" creationId="{B003664B-4843-8B17-5A4C-50D54A7CADC5}"/>
           </ac:spMkLst>
         </pc:spChg>
-        <pc:picChg chg="add del mod">
-          <ac:chgData name="Luke Gaffney" userId="6fa697cc8cd57f76" providerId="LiveId" clId="{528BD4CA-A453-43AA-8F73-3E975C3B2CFE}" dt="2025-12-18T21:04:29.677" v="1172" actId="478"/>
-          <ac:picMkLst>
-            <pc:docMk/>
-            <pc:sldMk cId="2071100020" sldId="287"/>
-            <ac:picMk id="5" creationId="{1EED85A3-8D54-E880-CBC7-E28A5065F7F8}"/>
-          </ac:picMkLst>
-        </pc:picChg>
       </pc:sldChg>
-      <pc:sldChg chg="addSp delSp modSp mod">
-        <pc:chgData name="Luke Gaffney" userId="6fa697cc8cd57f76" providerId="LiveId" clId="{528BD4CA-A453-43AA-8F73-3E975C3B2CFE}" dt="2025-12-19T17:02:18.379" v="1649"/>
+      <pc:sldChg chg="addSp delSp modSp mod modNotesTx">
+        <pc:chgData name="Luke Gaffney" userId="6fa697cc8cd57f76" providerId="LiveId" clId="{528BD4CA-A453-43AA-8F73-3E975C3B2CFE}" dt="2025-12-22T15:26:10.857" v="2114" actId="12"/>
         <pc:sldMkLst>
           <pc:docMk/>
           <pc:sldMk cId="3684625901" sldId="288"/>
@@ -852,7 +669,7 @@
           </ac:spMkLst>
         </pc:spChg>
         <pc:spChg chg="add mod">
-          <ac:chgData name="Luke Gaffney" userId="6fa697cc8cd57f76" providerId="LiveId" clId="{528BD4CA-A453-43AA-8F73-3E975C3B2CFE}" dt="2025-12-19T16:36:48.179" v="1605" actId="1076"/>
+          <ac:chgData name="Luke Gaffney" userId="6fa697cc8cd57f76" providerId="LiveId" clId="{528BD4CA-A453-43AA-8F73-3E975C3B2CFE}" dt="2025-12-22T13:37:35.205" v="1981" actId="20577"/>
           <ac:spMkLst>
             <pc:docMk/>
             <pc:sldMk cId="3684625901" sldId="288"/>
@@ -860,47 +677,24 @@
           </ac:spMkLst>
         </pc:spChg>
         <pc:spChg chg="add mod">
-          <ac:chgData name="Luke Gaffney" userId="6fa697cc8cd57f76" providerId="LiveId" clId="{528BD4CA-A453-43AA-8F73-3E975C3B2CFE}" dt="2025-12-19T17:02:18.379" v="1649"/>
+          <ac:chgData name="Luke Gaffney" userId="6fa697cc8cd57f76" providerId="LiveId" clId="{528BD4CA-A453-43AA-8F73-3E975C3B2CFE}" dt="2025-12-22T13:31:24.977" v="1969"/>
           <ac:spMkLst>
             <pc:docMk/>
             <pc:sldMk cId="3684625901" sldId="288"/>
             <ac:spMk id="7" creationId="{AAB38F1D-65AE-4A13-42AF-46651D5EDEFA}"/>
           </ac:spMkLst>
         </pc:spChg>
-        <pc:picChg chg="add del mod">
-          <ac:chgData name="Luke Gaffney" userId="6fa697cc8cd57f76" providerId="LiveId" clId="{528BD4CA-A453-43AA-8F73-3E975C3B2CFE}" dt="2025-12-19T16:32:05.853" v="1540" actId="478"/>
+        <pc:picChg chg="add mod">
+          <ac:chgData name="Luke Gaffney" userId="6fa697cc8cd57f76" providerId="LiveId" clId="{528BD4CA-A453-43AA-8F73-3E975C3B2CFE}" dt="2025-12-20T14:50:52.421" v="1909" actId="1076"/>
           <ac:picMkLst>
             <pc:docMk/>
             <pc:sldMk cId="3684625901" sldId="288"/>
-            <ac:picMk id="4" creationId="{E3E521B4-28F8-B155-39D9-FFC2A322F275}"/>
-          </ac:picMkLst>
-        </pc:picChg>
-        <pc:picChg chg="add mod">
-          <ac:chgData name="Luke Gaffney" userId="6fa697cc8cd57f76" providerId="LiveId" clId="{528BD4CA-A453-43AA-8F73-3E975C3B2CFE}" dt="2025-12-19T16:37:55.761" v="1611" actId="208"/>
-          <ac:picMkLst>
-            <pc:docMk/>
-            <pc:sldMk cId="3684625901" sldId="288"/>
-            <ac:picMk id="6" creationId="{2504C8FC-6A5A-EEC5-4754-C9C6FE4A9504}"/>
+            <ac:picMk id="9" creationId="{8A92313F-2E06-5EDA-827C-5B06A85D5645}"/>
           </ac:picMkLst>
         </pc:picChg>
       </pc:sldChg>
-      <pc:sldChg chg="modSp new del mod">
-        <pc:chgData name="Luke Gaffney" userId="6fa697cc8cd57f76" providerId="LiveId" clId="{528BD4CA-A453-43AA-8F73-3E975C3B2CFE}" dt="2025-12-18T19:58:48.591" v="754" actId="2696"/>
-        <pc:sldMkLst>
-          <pc:docMk/>
-          <pc:sldMk cId="2609907667" sldId="289"/>
-        </pc:sldMkLst>
-        <pc:spChg chg="mod">
-          <ac:chgData name="Luke Gaffney" userId="6fa697cc8cd57f76" providerId="LiveId" clId="{528BD4CA-A453-43AA-8F73-3E975C3B2CFE}" dt="2025-12-18T02:52:50.590" v="72" actId="20577"/>
-          <ac:spMkLst>
-            <pc:docMk/>
-            <pc:sldMk cId="2609907667" sldId="289"/>
-            <ac:spMk id="2" creationId="{1BF6A540-65F5-A0C9-5E62-B03928578317}"/>
-          </ac:spMkLst>
-        </pc:spChg>
-      </pc:sldChg>
       <pc:sldChg chg="addSp delSp modSp add mod modNotesTx">
-        <pc:chgData name="Luke Gaffney" userId="6fa697cc8cd57f76" providerId="LiveId" clId="{528BD4CA-A453-43AA-8F73-3E975C3B2CFE}" dt="2025-12-19T17:02:15.323" v="1648"/>
+        <pc:chgData name="Luke Gaffney" userId="6fa697cc8cd57f76" providerId="LiveId" clId="{528BD4CA-A453-43AA-8F73-3E975C3B2CFE}" dt="2025-12-22T15:26:06.103" v="2113" actId="12"/>
         <pc:sldMkLst>
           <pc:docMk/>
           <pc:sldMk cId="1769301805" sldId="290"/>
@@ -914,7 +708,7 @@
           </ac:spMkLst>
         </pc:spChg>
         <pc:spChg chg="add mod">
-          <ac:chgData name="Luke Gaffney" userId="6fa697cc8cd57f76" providerId="LiveId" clId="{528BD4CA-A453-43AA-8F73-3E975C3B2CFE}" dt="2025-12-19T16:36:09.052" v="1592" actId="1076"/>
+          <ac:chgData name="Luke Gaffney" userId="6fa697cc8cd57f76" providerId="LiveId" clId="{528BD4CA-A453-43AA-8F73-3E975C3B2CFE}" dt="2025-12-22T13:40:57.484" v="1990" actId="20577"/>
           <ac:spMkLst>
             <pc:docMk/>
             <pc:sldMk cId="1769301805" sldId="290"/>
@@ -922,29 +716,44 @@
           </ac:spMkLst>
         </pc:spChg>
         <pc:spChg chg="add mod">
-          <ac:chgData name="Luke Gaffney" userId="6fa697cc8cd57f76" providerId="LiveId" clId="{528BD4CA-A453-43AA-8F73-3E975C3B2CFE}" dt="2025-12-19T17:02:15.323" v="1648"/>
+          <ac:chgData name="Luke Gaffney" userId="6fa697cc8cd57f76" providerId="LiveId" clId="{528BD4CA-A453-43AA-8F73-3E975C3B2CFE}" dt="2025-12-22T13:31:20.165" v="1967"/>
           <ac:spMkLst>
             <pc:docMk/>
             <pc:sldMk cId="1769301805" sldId="290"/>
             <ac:spMk id="7" creationId="{A004F379-19A0-C0B8-020A-433A7D73BA73}"/>
           </ac:spMkLst>
         </pc:spChg>
-        <pc:picChg chg="add del mod">
-          <ac:chgData name="Luke Gaffney" userId="6fa697cc8cd57f76" providerId="LiveId" clId="{528BD4CA-A453-43AA-8F73-3E975C3B2CFE}" dt="2025-12-19T16:31:59.658" v="1536" actId="478"/>
+        <pc:picChg chg="add mod">
+          <ac:chgData name="Luke Gaffney" userId="6fa697cc8cd57f76" providerId="LiveId" clId="{528BD4CA-A453-43AA-8F73-3E975C3B2CFE}" dt="2025-12-20T14:50:21.530" v="1901" actId="1076"/>
           <ac:picMkLst>
             <pc:docMk/>
             <pc:sldMk cId="1769301805" sldId="290"/>
-            <ac:picMk id="5" creationId="{4C079BC6-8B69-7F43-AE1A-294524428087}"/>
+            <ac:picMk id="9" creationId="{8F6C37E4-8365-E571-734E-2F260AAEE8F6}"/>
           </ac:picMkLst>
         </pc:picChg>
-        <pc:picChg chg="add mod">
-          <ac:chgData name="Luke Gaffney" userId="6fa697cc8cd57f76" providerId="LiveId" clId="{528BD4CA-A453-43AA-8F73-3E975C3B2CFE}" dt="2025-12-19T16:37:49.657" v="1610" actId="208"/>
-          <ac:picMkLst>
+      </pc:sldChg>
+      <pc:sldChg chg="modSp add mod modNotesTx">
+        <pc:chgData name="Luke Gaffney" userId="6fa697cc8cd57f76" providerId="LiveId" clId="{528BD4CA-A453-43AA-8F73-3E975C3B2CFE}" dt="2025-12-22T15:26:31.484" v="2118" actId="20577"/>
+        <pc:sldMkLst>
+          <pc:docMk/>
+          <pc:sldMk cId="2960301856" sldId="291"/>
+        </pc:sldMkLst>
+        <pc:spChg chg="mod">
+          <ac:chgData name="Luke Gaffney" userId="6fa697cc8cd57f76" providerId="LiveId" clId="{528BD4CA-A453-43AA-8F73-3E975C3B2CFE}" dt="2025-12-22T15:15:36.138" v="2084" actId="20577"/>
+          <ac:spMkLst>
             <pc:docMk/>
-            <pc:sldMk cId="1769301805" sldId="290"/>
-            <ac:picMk id="6" creationId="{7C99DD9C-200C-6757-2144-D4A58CED240B}"/>
-          </ac:picMkLst>
-        </pc:picChg>
+            <pc:sldMk cId="2960301856" sldId="291"/>
+            <ac:spMk id="2" creationId="{2822C743-1514-89D4-2DAD-3E9F08CB440F}"/>
+          </ac:spMkLst>
+        </pc:spChg>
+        <pc:spChg chg="mod">
+          <ac:chgData name="Luke Gaffney" userId="6fa697cc8cd57f76" providerId="LiveId" clId="{528BD4CA-A453-43AA-8F73-3E975C3B2CFE}" dt="2025-12-22T15:15:58.873" v="2104" actId="1076"/>
+          <ac:spMkLst>
+            <pc:docMk/>
+            <pc:sldMk cId="2960301856" sldId="291"/>
+            <ac:spMk id="3" creationId="{717DC6DB-FFF7-A177-A3E3-A53D84FD998F}"/>
+          </ac:spMkLst>
+        </pc:spChg>
       </pc:sldChg>
     </pc:docChg>
   </pc:docChgLst>
@@ -1346,8 +1155,54 @@
           <a:p>
             <a:r>
               <a:rPr lang="en-US" dirty="0"/>
-              <a:t>Between 2020 and 2023, Metro Nashville experienced historically low mortgage rates, rapid home price growth, and then the fastest interest-rate increases in decades. This project examines how those market disruptions affected housing affordability overall  and how uneven those impacts were across ZIP codes.</a:t>
-            </a:r>
+              <a:t>This project examines how housing affordability changed in Metro Nashville between 2020 and 2023.</a:t>
+            </a:r>
+          </a:p>
+          <a:p>
+            <a:endParaRPr lang="en-US" dirty="0"/>
+          </a:p>
+          <a:p>
+            <a:r>
+              <a:rPr lang="en-US" dirty="0"/>
+              <a:t>This period includes the pandemic housing boom, rapid price appreciation, and sharp increases in mortgage interest rates.</a:t>
+            </a:r>
+          </a:p>
+          <a:p>
+            <a:endParaRPr lang="en-US" dirty="0"/>
+          </a:p>
+          <a:p>
+            <a:r>
+              <a:rPr lang="en-US" dirty="0"/>
+              <a:t>The focus is specifically on </a:t>
+            </a:r>
+            <a:r>
+              <a:rPr lang="en-US" b="1" dirty="0"/>
+              <a:t>single-family homes</a:t>
+            </a:r>
+            <a:r>
+              <a:rPr lang="en-US" dirty="0"/>
+              <a:t> and affordability for </a:t>
+            </a:r>
+            <a:r>
+              <a:rPr lang="en-US" b="1" dirty="0"/>
+              <a:t>median-income households</a:t>
+            </a:r>
+            <a:r>
+              <a:rPr lang="en-US" dirty="0"/>
+              <a:t>.</a:t>
+            </a:r>
+          </a:p>
+          <a:p>
+            <a:endParaRPr lang="en-US" dirty="0"/>
+          </a:p>
+          <a:p>
+            <a:r>
+              <a:rPr lang="en-US" dirty="0"/>
+              <a:t>I also look at whether affordability pressures were felt evenly across ZIP codes or varied by neighborhood.</a:t>
+            </a:r>
+          </a:p>
+          <a:p>
+            <a:endParaRPr lang="en-US" dirty="0"/>
           </a:p>
         </p:txBody>
       </p:sp>
@@ -1378,6 +1233,1021 @@
     <p:extLst>
       <p:ext uri="{BB962C8B-B14F-4D97-AF65-F5344CB8AC3E}">
         <p14:creationId xmlns:p14="http://schemas.microsoft.com/office/powerpoint/2010/main" val="3060548916"/>
+      </p:ext>
+    </p:extLst>
+  </p:cSld>
+  <p:clrMapOvr>
+    <a:masterClrMapping/>
+  </p:clrMapOvr>
+</p:notes>
+</file>
+
+<file path=ppt/notesSlides/notesSlide10.xml><?xml version="1.0" encoding="utf-8"?>
+<p:notes xmlns:a="http://schemas.openxmlformats.org/drawingml/2006/main" xmlns:r="http://schemas.openxmlformats.org/officeDocument/2006/relationships" xmlns:p="http://schemas.openxmlformats.org/presentationml/2006/main">
+  <p:cSld>
+    <p:spTree>
+      <p:nvGrpSpPr>
+        <p:cNvPr id="1" name=""/>
+        <p:cNvGrpSpPr/>
+        <p:nvPr/>
+      </p:nvGrpSpPr>
+      <p:grpSpPr>
+        <a:xfrm>
+          <a:off x="0" y="0"/>
+          <a:ext cx="0" cy="0"/>
+          <a:chOff x="0" y="0"/>
+          <a:chExt cx="0" cy="0"/>
+        </a:xfrm>
+      </p:grpSpPr>
+      <p:sp>
+        <p:nvSpPr>
+          <p:cNvPr id="2" name="Slide Image Placeholder 1"/>
+          <p:cNvSpPr>
+            <a:spLocks noGrp="1" noRot="1" noChangeAspect="1"/>
+          </p:cNvSpPr>
+          <p:nvPr>
+            <p:ph type="sldImg"/>
+          </p:nvPr>
+        </p:nvSpPr>
+        <p:spPr/>
+      </p:sp>
+      <p:sp>
+        <p:nvSpPr>
+          <p:cNvPr id="3" name="Notes Placeholder 2"/>
+          <p:cNvSpPr>
+            <a:spLocks noGrp="1"/>
+          </p:cNvSpPr>
+          <p:nvPr>
+            <p:ph type="body" idx="1"/>
+          </p:nvPr>
+        </p:nvSpPr>
+        <p:spPr/>
+        <p:txBody>
+          <a:bodyPr/>
+          <a:lstStyle/>
+          <a:p>
+            <a:pPr marL="171450" indent="-171450">
+              <a:buFont typeface="Arial" panose="020B0604020202020204" pitchFamily="34" charset="0"/>
+              <a:buChar char="•"/>
+            </a:pPr>
+            <a:r>
+              <a:rPr lang="en-US" dirty="0"/>
+              <a:t>This slide shows the share of median household income required for mortgage payments.</a:t>
+            </a:r>
+          </a:p>
+          <a:p>
+            <a:pPr marL="171450" indent="-171450">
+              <a:buFont typeface="Arial" panose="020B0604020202020204" pitchFamily="34" charset="0"/>
+              <a:buChar char="•"/>
+            </a:pPr>
+            <a:endParaRPr lang="en-US" dirty="0"/>
+          </a:p>
+          <a:p>
+            <a:pPr marL="171450" indent="-171450">
+              <a:buFont typeface="Arial" panose="020B0604020202020204" pitchFamily="34" charset="0"/>
+              <a:buChar char="•"/>
+            </a:pPr>
+            <a:r>
+              <a:rPr lang="en-US" dirty="0"/>
+              <a:t>The dashed line represents the commonly used 30% affordability threshold.</a:t>
+            </a:r>
+          </a:p>
+          <a:p>
+            <a:pPr marL="171450" indent="-171450">
+              <a:buFont typeface="Arial" panose="020B0604020202020204" pitchFamily="34" charset="0"/>
+              <a:buChar char="•"/>
+            </a:pPr>
+            <a:endParaRPr lang="en-US" dirty="0"/>
+          </a:p>
+          <a:p>
+            <a:pPr marL="171450" indent="-171450">
+              <a:buFont typeface="Arial" panose="020B0604020202020204" pitchFamily="34" charset="0"/>
+              <a:buChar char="•"/>
+            </a:pPr>
+            <a:r>
+              <a:rPr lang="en-US" dirty="0"/>
+              <a:t>By 2022, housing costs exceeded this threshold for median-income households.</a:t>
+            </a:r>
+          </a:p>
+          <a:p>
+            <a:pPr marL="171450" indent="-171450">
+              <a:buFont typeface="Arial" panose="020B0604020202020204" pitchFamily="34" charset="0"/>
+              <a:buChar char="•"/>
+            </a:pPr>
+            <a:endParaRPr lang="en-US" dirty="0"/>
+          </a:p>
+          <a:p>
+            <a:pPr marL="171450" indent="-171450">
+              <a:buFont typeface="Arial" panose="020B0604020202020204" pitchFamily="34" charset="0"/>
+              <a:buChar char="•"/>
+            </a:pPr>
+            <a:r>
+              <a:rPr lang="en-US" dirty="0"/>
+              <a:t>Affordability worsened further in 2023, placing homeownership out of reach for many households.</a:t>
+            </a:r>
+          </a:p>
+          <a:p>
+            <a:endParaRPr lang="en-US" dirty="0"/>
+          </a:p>
+        </p:txBody>
+      </p:sp>
+      <p:sp>
+        <p:nvSpPr>
+          <p:cNvPr id="4" name="Slide Number Placeholder 3"/>
+          <p:cNvSpPr>
+            <a:spLocks noGrp="1"/>
+          </p:cNvSpPr>
+          <p:nvPr>
+            <p:ph type="sldNum" sz="quarter" idx="5"/>
+          </p:nvPr>
+        </p:nvSpPr>
+        <p:spPr/>
+        <p:txBody>
+          <a:bodyPr/>
+          <a:lstStyle/>
+          <a:p>
+            <a:fld id="{F04F93AA-2A77-4ACB-8117-F9E159C9069A}" type="slidenum">
+              <a:rPr lang="en-US" smtClean="0"/>
+              <a:t>10</a:t>
+            </a:fld>
+            <a:endParaRPr lang="en-US"/>
+          </a:p>
+        </p:txBody>
+      </p:sp>
+    </p:spTree>
+    <p:extLst>
+      <p:ext uri="{BB962C8B-B14F-4D97-AF65-F5344CB8AC3E}">
+        <p14:creationId xmlns:p14="http://schemas.microsoft.com/office/powerpoint/2010/main" val="736034999"/>
+      </p:ext>
+    </p:extLst>
+  </p:cSld>
+  <p:clrMapOvr>
+    <a:masterClrMapping/>
+  </p:clrMapOvr>
+</p:notes>
+</file>
+
+<file path=ppt/notesSlides/notesSlide11.xml><?xml version="1.0" encoding="utf-8"?>
+<p:notes xmlns:a="http://schemas.openxmlformats.org/drawingml/2006/main" xmlns:r="http://schemas.openxmlformats.org/officeDocument/2006/relationships" xmlns:p="http://schemas.openxmlformats.org/presentationml/2006/main">
+  <p:cSld>
+    <p:spTree>
+      <p:nvGrpSpPr>
+        <p:cNvPr id="1" name=""/>
+        <p:cNvGrpSpPr/>
+        <p:nvPr/>
+      </p:nvGrpSpPr>
+      <p:grpSpPr>
+        <a:xfrm>
+          <a:off x="0" y="0"/>
+          <a:ext cx="0" cy="0"/>
+          <a:chOff x="0" y="0"/>
+          <a:chExt cx="0" cy="0"/>
+        </a:xfrm>
+      </p:grpSpPr>
+      <p:sp>
+        <p:nvSpPr>
+          <p:cNvPr id="2" name="Slide Image Placeholder 1"/>
+          <p:cNvSpPr>
+            <a:spLocks noGrp="1" noRot="1" noChangeAspect="1"/>
+          </p:cNvSpPr>
+          <p:nvPr>
+            <p:ph type="sldImg"/>
+          </p:nvPr>
+        </p:nvSpPr>
+        <p:spPr/>
+      </p:sp>
+      <p:sp>
+        <p:nvSpPr>
+          <p:cNvPr id="3" name="Notes Placeholder 2"/>
+          <p:cNvSpPr>
+            <a:spLocks noGrp="1"/>
+          </p:cNvSpPr>
+          <p:nvPr>
+            <p:ph type="body" idx="1"/>
+          </p:nvPr>
+        </p:nvSpPr>
+        <p:spPr/>
+        <p:txBody>
+          <a:bodyPr/>
+          <a:lstStyle/>
+          <a:p>
+            <a:pPr marL="171450" indent="-171450">
+              <a:buFont typeface="Arial" panose="020B0604020202020204" pitchFamily="34" charset="0"/>
+              <a:buChar char="•"/>
+            </a:pPr>
+            <a:r>
+              <a:rPr lang="en-US" dirty="0"/>
+              <a:t>Affordability changes were not evenly distributed across Metro Nashville.</a:t>
+            </a:r>
+          </a:p>
+          <a:p>
+            <a:pPr marL="171450" indent="-171450">
+              <a:buFont typeface="Arial" panose="020B0604020202020204" pitchFamily="34" charset="0"/>
+              <a:buChar char="•"/>
+            </a:pPr>
+            <a:endParaRPr lang="en-US" dirty="0"/>
+          </a:p>
+          <a:p>
+            <a:pPr marL="171450" indent="-171450">
+              <a:buFont typeface="Arial" panose="020B0604020202020204" pitchFamily="34" charset="0"/>
+              <a:buChar char="•"/>
+            </a:pPr>
+            <a:r>
+              <a:rPr lang="en-US" dirty="0"/>
+              <a:t>Some ZIP codes experienced much larger increases in price-to-income ratios than others.</a:t>
+            </a:r>
+          </a:p>
+          <a:p>
+            <a:pPr marL="171450" indent="-171450">
+              <a:buFont typeface="Arial" panose="020B0604020202020204" pitchFamily="34" charset="0"/>
+              <a:buChar char="•"/>
+            </a:pPr>
+            <a:endParaRPr lang="en-US" dirty="0"/>
+          </a:p>
+          <a:p>
+            <a:pPr marL="171450" indent="-171450">
+              <a:buFont typeface="Arial" panose="020B0604020202020204" pitchFamily="34" charset="0"/>
+              <a:buChar char="•"/>
+            </a:pPr>
+            <a:r>
+              <a:rPr lang="en-US" dirty="0"/>
+              <a:t>These differences suggest that neighborhood-level market dynamics played an important role in shaping affordability outcomes.</a:t>
+            </a:r>
+          </a:p>
+          <a:p>
+            <a:pPr marL="171450" indent="-171450">
+              <a:buFont typeface="Arial" panose="020B0604020202020204" pitchFamily="34" charset="0"/>
+              <a:buChar char="•"/>
+            </a:pPr>
+            <a:endParaRPr lang="en-US" dirty="0"/>
+          </a:p>
+          <a:p>
+            <a:pPr marL="171450" indent="-171450">
+              <a:buFont typeface="Arial" panose="020B0604020202020204" pitchFamily="34" charset="0"/>
+              <a:buChar char="•"/>
+            </a:pPr>
+            <a:r>
+              <a:rPr lang="en-US" dirty="0"/>
+              <a:t>This highlights the importance of examining affordability at a local level rather than relying only on metro-wide averages.</a:t>
+            </a:r>
+          </a:p>
+          <a:p>
+            <a:endParaRPr lang="en-US" dirty="0"/>
+          </a:p>
+        </p:txBody>
+      </p:sp>
+      <p:sp>
+        <p:nvSpPr>
+          <p:cNvPr id="4" name="Slide Number Placeholder 3"/>
+          <p:cNvSpPr>
+            <a:spLocks noGrp="1"/>
+          </p:cNvSpPr>
+          <p:nvPr>
+            <p:ph type="sldNum" sz="quarter" idx="5"/>
+          </p:nvPr>
+        </p:nvSpPr>
+        <p:spPr/>
+        <p:txBody>
+          <a:bodyPr/>
+          <a:lstStyle/>
+          <a:p>
+            <a:fld id="{F04F93AA-2A77-4ACB-8117-F9E159C9069A}" type="slidenum">
+              <a:rPr lang="en-US" smtClean="0"/>
+              <a:t>11</a:t>
+            </a:fld>
+            <a:endParaRPr lang="en-US"/>
+          </a:p>
+        </p:txBody>
+      </p:sp>
+    </p:spTree>
+    <p:extLst>
+      <p:ext uri="{BB962C8B-B14F-4D97-AF65-F5344CB8AC3E}">
+        <p14:creationId xmlns:p14="http://schemas.microsoft.com/office/powerpoint/2010/main" val="466719802"/>
+      </p:ext>
+    </p:extLst>
+  </p:cSld>
+  <p:clrMapOvr>
+    <a:masterClrMapping/>
+  </p:clrMapOvr>
+</p:notes>
+</file>
+
+<file path=ppt/notesSlides/notesSlide12.xml><?xml version="1.0" encoding="utf-8"?>
+<p:notes xmlns:a="http://schemas.openxmlformats.org/drawingml/2006/main" xmlns:r="http://schemas.openxmlformats.org/officeDocument/2006/relationships" xmlns:p="http://schemas.openxmlformats.org/presentationml/2006/main">
+  <p:cSld>
+    <p:spTree>
+      <p:nvGrpSpPr>
+        <p:cNvPr id="1" name=""/>
+        <p:cNvGrpSpPr/>
+        <p:nvPr/>
+      </p:nvGrpSpPr>
+      <p:grpSpPr>
+        <a:xfrm>
+          <a:off x="0" y="0"/>
+          <a:ext cx="0" cy="0"/>
+          <a:chOff x="0" y="0"/>
+          <a:chExt cx="0" cy="0"/>
+        </a:xfrm>
+      </p:grpSpPr>
+      <p:sp>
+        <p:nvSpPr>
+          <p:cNvPr id="2" name="Slide Image Placeholder 1"/>
+          <p:cNvSpPr>
+            <a:spLocks noGrp="1" noRot="1" noChangeAspect="1"/>
+          </p:cNvSpPr>
+          <p:nvPr>
+            <p:ph type="sldImg"/>
+          </p:nvPr>
+        </p:nvSpPr>
+        <p:spPr/>
+      </p:sp>
+      <p:sp>
+        <p:nvSpPr>
+          <p:cNvPr id="3" name="Notes Placeholder 2"/>
+          <p:cNvSpPr>
+            <a:spLocks noGrp="1"/>
+          </p:cNvSpPr>
+          <p:nvPr>
+            <p:ph type="body" idx="1"/>
+          </p:nvPr>
+        </p:nvSpPr>
+        <p:spPr/>
+        <p:txBody>
+          <a:bodyPr/>
+          <a:lstStyle/>
+          <a:p>
+            <a:pPr marL="171450" indent="-171450">
+              <a:buFont typeface="Arial" panose="020B0604020202020204" pitchFamily="34" charset="0"/>
+              <a:buChar char="•"/>
+            </a:pPr>
+            <a:r>
+              <a:rPr lang="en-US" dirty="0"/>
+              <a:t>Home prices increased faster than incomes, widening the affordability gap.</a:t>
+            </a:r>
+          </a:p>
+          <a:p>
+            <a:pPr marL="171450" indent="-171450">
+              <a:buFont typeface="Arial" panose="020B0604020202020204" pitchFamily="34" charset="0"/>
+              <a:buChar char="•"/>
+            </a:pPr>
+            <a:endParaRPr lang="en-US" dirty="0"/>
+          </a:p>
+          <a:p>
+            <a:pPr marL="171450" indent="-171450">
+              <a:buFont typeface="Arial" panose="020B0604020202020204" pitchFamily="34" charset="0"/>
+              <a:buChar char="•"/>
+            </a:pPr>
+            <a:r>
+              <a:rPr lang="en-US" dirty="0"/>
+              <a:t>Rising mortgage rates significantly increased borrowing costs.</a:t>
+            </a:r>
+          </a:p>
+          <a:p>
+            <a:pPr marL="171450" indent="-171450">
+              <a:buFont typeface="Arial" panose="020B0604020202020204" pitchFamily="34" charset="0"/>
+              <a:buChar char="•"/>
+            </a:pPr>
+            <a:endParaRPr lang="en-US" dirty="0"/>
+          </a:p>
+          <a:p>
+            <a:pPr marL="171450" indent="-171450">
+              <a:buFont typeface="Arial" panose="020B0604020202020204" pitchFamily="34" charset="0"/>
+              <a:buChar char="•"/>
+            </a:pPr>
+            <a:r>
+              <a:rPr lang="en-US" dirty="0"/>
+              <a:t>Housing market conditions tightened early in the period and remained challenging.</a:t>
+            </a:r>
+          </a:p>
+          <a:p>
+            <a:pPr marL="171450" indent="-171450">
+              <a:buFont typeface="Arial" panose="020B0604020202020204" pitchFamily="34" charset="0"/>
+              <a:buChar char="•"/>
+            </a:pPr>
+            <a:endParaRPr lang="en-US" dirty="0"/>
+          </a:p>
+          <a:p>
+            <a:pPr marL="171450" indent="-171450">
+              <a:buFont typeface="Arial" panose="020B0604020202020204" pitchFamily="34" charset="0"/>
+              <a:buChar char="•"/>
+            </a:pPr>
+            <a:r>
+              <a:rPr lang="en-US" dirty="0"/>
+              <a:t>Affordability pressures were uneven across ZIP codes.</a:t>
+            </a:r>
+          </a:p>
+          <a:p>
+            <a:pPr marL="171450" indent="-171450">
+              <a:buFont typeface="Arial" panose="020B0604020202020204" pitchFamily="34" charset="0"/>
+              <a:buChar char="•"/>
+            </a:pPr>
+            <a:endParaRPr lang="en-US" dirty="0"/>
+          </a:p>
+          <a:p>
+            <a:pPr marL="171450" indent="-171450">
+              <a:buFont typeface="Arial" panose="020B0604020202020204" pitchFamily="34" charset="0"/>
+              <a:buChar char="•"/>
+            </a:pPr>
+            <a:r>
+              <a:rPr lang="en-US" dirty="0"/>
+              <a:t>Together, these factors contributed to a substantial decline in homeownership affordability.</a:t>
+            </a:r>
+          </a:p>
+          <a:p>
+            <a:endParaRPr lang="en-US" dirty="0"/>
+          </a:p>
+        </p:txBody>
+      </p:sp>
+      <p:sp>
+        <p:nvSpPr>
+          <p:cNvPr id="4" name="Slide Number Placeholder 3"/>
+          <p:cNvSpPr>
+            <a:spLocks noGrp="1"/>
+          </p:cNvSpPr>
+          <p:nvPr>
+            <p:ph type="sldNum" sz="quarter" idx="5"/>
+          </p:nvPr>
+        </p:nvSpPr>
+        <p:spPr/>
+        <p:txBody>
+          <a:bodyPr/>
+          <a:lstStyle/>
+          <a:p>
+            <a:fld id="{F04F93AA-2A77-4ACB-8117-F9E159C9069A}" type="slidenum">
+              <a:rPr lang="en-US" smtClean="0"/>
+              <a:t>12</a:t>
+            </a:fld>
+            <a:endParaRPr lang="en-US"/>
+          </a:p>
+        </p:txBody>
+      </p:sp>
+    </p:spTree>
+    <p:extLst>
+      <p:ext uri="{BB962C8B-B14F-4D97-AF65-F5344CB8AC3E}">
+        <p14:creationId xmlns:p14="http://schemas.microsoft.com/office/powerpoint/2010/main" val="540060381"/>
+      </p:ext>
+    </p:extLst>
+  </p:cSld>
+  <p:clrMapOvr>
+    <a:masterClrMapping/>
+  </p:clrMapOvr>
+</p:notes>
+</file>
+
+<file path=ppt/notesSlides/notesSlide13.xml><?xml version="1.0" encoding="utf-8"?>
+<p:notes xmlns:a="http://schemas.openxmlformats.org/drawingml/2006/main" xmlns:r="http://schemas.openxmlformats.org/officeDocument/2006/relationships" xmlns:p="http://schemas.openxmlformats.org/presentationml/2006/main">
+  <p:cSld>
+    <p:spTree>
+      <p:nvGrpSpPr>
+        <p:cNvPr id="1" name=""/>
+        <p:cNvGrpSpPr/>
+        <p:nvPr/>
+      </p:nvGrpSpPr>
+      <p:grpSpPr>
+        <a:xfrm>
+          <a:off x="0" y="0"/>
+          <a:ext cx="0" cy="0"/>
+          <a:chOff x="0" y="0"/>
+          <a:chExt cx="0" cy="0"/>
+        </a:xfrm>
+      </p:grpSpPr>
+      <p:sp>
+        <p:nvSpPr>
+          <p:cNvPr id="2" name="Slide Image Placeholder 1"/>
+          <p:cNvSpPr>
+            <a:spLocks noGrp="1" noRot="1" noChangeAspect="1"/>
+          </p:cNvSpPr>
+          <p:nvPr>
+            <p:ph type="sldImg"/>
+          </p:nvPr>
+        </p:nvSpPr>
+        <p:spPr/>
+      </p:sp>
+      <p:sp>
+        <p:nvSpPr>
+          <p:cNvPr id="3" name="Notes Placeholder 2"/>
+          <p:cNvSpPr>
+            <a:spLocks noGrp="1"/>
+          </p:cNvSpPr>
+          <p:nvPr>
+            <p:ph type="body" idx="1"/>
+          </p:nvPr>
+        </p:nvSpPr>
+        <p:spPr/>
+        <p:txBody>
+          <a:bodyPr/>
+          <a:lstStyle/>
+          <a:p>
+            <a:r>
+              <a:rPr lang="en-US" b="1" dirty="0"/>
+              <a:t>Limitations &amp; Next Steps</a:t>
+            </a:r>
+          </a:p>
+          <a:p>
+            <a:r>
+              <a:rPr lang="en-US" b="1" dirty="0"/>
+              <a:t>Data &amp; Geographic Limitations</a:t>
+            </a:r>
+          </a:p>
+          <a:p>
+            <a:r>
+              <a:rPr lang="en-US" dirty="0"/>
+              <a:t>Defining the true boundaries of </a:t>
+            </a:r>
+            <a:r>
+              <a:rPr lang="en-US" b="1" dirty="0"/>
+              <a:t>Metro Nashville at the ZIP-code level</a:t>
+            </a:r>
+            <a:r>
+              <a:rPr lang="en-US" dirty="0"/>
+              <a:t> was challenging, as different data sources include different ZIP codes within the metro area.</a:t>
+            </a:r>
+          </a:p>
+          <a:p>
+            <a:r>
+              <a:rPr lang="en-US" dirty="0"/>
+              <a:t>Results may vary slightly depending on which ZIP codes are classified as part of the metro region.</a:t>
+            </a:r>
+          </a:p>
+          <a:p>
+            <a:br>
+              <a:rPr lang="en-US" dirty="0"/>
+            </a:br>
+            <a:endParaRPr lang="en-US" dirty="0"/>
+          </a:p>
+          <a:p>
+            <a:r>
+              <a:rPr lang="en-US" b="1" dirty="0"/>
+              <a:t>Temporal Data Constraints</a:t>
+            </a:r>
+          </a:p>
+          <a:p>
+            <a:r>
+              <a:rPr lang="en-US" dirty="0"/>
+              <a:t>ZIP-code level Census income data were only consistently available for </a:t>
+            </a:r>
+            <a:r>
+              <a:rPr lang="en-US" b="1" dirty="0"/>
+              <a:t>2020–2023</a:t>
+            </a:r>
+            <a:r>
+              <a:rPr lang="en-US" dirty="0"/>
+              <a:t>, limiting the ability to analyze longer-term affordability trends at a granular level.</a:t>
+            </a:r>
+          </a:p>
+          <a:p>
+            <a:r>
+              <a:rPr lang="en-US" dirty="0"/>
+              <a:t>As a result, earlier affordability dynamics could not be examined at the ZIP-code scale.</a:t>
+            </a:r>
+          </a:p>
+          <a:p>
+            <a:br>
+              <a:rPr lang="en-US" dirty="0"/>
+            </a:br>
+            <a:endParaRPr lang="en-US" dirty="0"/>
+          </a:p>
+          <a:p>
+            <a:r>
+              <a:rPr lang="en-US" b="1" dirty="0"/>
+              <a:t>Future Research Opportunities</a:t>
+            </a:r>
+          </a:p>
+          <a:p>
+            <a:r>
+              <a:rPr lang="en-US" dirty="0"/>
+              <a:t>Expanding this analysis to cover the </a:t>
+            </a:r>
+            <a:r>
+              <a:rPr lang="en-US" b="1" dirty="0"/>
+              <a:t>past 10–20 years</a:t>
+            </a:r>
+            <a:r>
+              <a:rPr lang="en-US" dirty="0"/>
+              <a:t> would provide valuable insight into how affordability pressures have evolved over multiple housing cycles.</a:t>
+            </a:r>
+          </a:p>
+          <a:p>
+            <a:r>
+              <a:rPr lang="en-US" dirty="0"/>
+              <a:t>Incorporating additional geographic definitions (e.g., county or census tract level) could improve consistency and comparability across data sources.</a:t>
+            </a:r>
+          </a:p>
+          <a:p>
+            <a:r>
+              <a:rPr lang="en-US" dirty="0"/>
+              <a:t>Future work could also examine </a:t>
+            </a:r>
+            <a:r>
+              <a:rPr lang="en-US" b="1" dirty="0"/>
+              <a:t>demographic and tenure differences</a:t>
+            </a:r>
+            <a:r>
+              <a:rPr lang="en-US" dirty="0"/>
+              <a:t> to better understand who is most affected by rising housing costs.</a:t>
+            </a:r>
+          </a:p>
+          <a:p>
+            <a:endParaRPr lang="en-US" dirty="0"/>
+          </a:p>
+          <a:p>
+            <a:pPr marL="171450" indent="-171450">
+              <a:buFont typeface="Arial" panose="020B0604020202020204" pitchFamily="34" charset="0"/>
+              <a:buChar char="•"/>
+            </a:pPr>
+            <a:r>
+              <a:rPr lang="en-US" dirty="0"/>
+              <a:t>There are several limitations to this analysis.</a:t>
+            </a:r>
+          </a:p>
+          <a:p>
+            <a:pPr marL="171450" indent="-171450">
+              <a:buFont typeface="Arial" panose="020B0604020202020204" pitchFamily="34" charset="0"/>
+              <a:buChar char="•"/>
+            </a:pPr>
+            <a:r>
+              <a:rPr lang="en-US" dirty="0"/>
+              <a:t>ZIP code boundaries and definitions vary across data sources.</a:t>
+            </a:r>
+          </a:p>
+          <a:p>
+            <a:pPr marL="171450" indent="-171450">
+              <a:buFont typeface="Arial" panose="020B0604020202020204" pitchFamily="34" charset="0"/>
+              <a:buChar char="•"/>
+            </a:pPr>
+            <a:r>
+              <a:rPr lang="en-US" dirty="0"/>
+              <a:t>Inventory measures represent market indicators rather than full housing supply.</a:t>
+            </a:r>
+          </a:p>
+          <a:p>
+            <a:pPr marL="171450" indent="-171450">
+              <a:buFont typeface="Arial" panose="020B0604020202020204" pitchFamily="34" charset="0"/>
+              <a:buChar char="•"/>
+            </a:pPr>
+            <a:r>
+              <a:rPr lang="en-US" dirty="0"/>
+              <a:t>Future work could examine longer time horizons or use smaller geographic units.</a:t>
+            </a:r>
+          </a:p>
+          <a:p>
+            <a:pPr marL="171450" indent="-171450">
+              <a:buFont typeface="Arial" panose="020B0604020202020204" pitchFamily="34" charset="0"/>
+              <a:buChar char="•"/>
+            </a:pPr>
+            <a:r>
+              <a:rPr lang="en-US" dirty="0"/>
+              <a:t>Additional factors like rents, debt burdens, or demographic changes could also be explored.</a:t>
+            </a:r>
+          </a:p>
+          <a:p>
+            <a:endParaRPr lang="en-US" dirty="0"/>
+          </a:p>
+          <a:p>
+            <a:endParaRPr lang="en-US" dirty="0"/>
+          </a:p>
+        </p:txBody>
+      </p:sp>
+      <p:sp>
+        <p:nvSpPr>
+          <p:cNvPr id="4" name="Slide Number Placeholder 3"/>
+          <p:cNvSpPr>
+            <a:spLocks noGrp="1"/>
+          </p:cNvSpPr>
+          <p:nvPr>
+            <p:ph type="sldNum" sz="quarter" idx="5"/>
+          </p:nvPr>
+        </p:nvSpPr>
+        <p:spPr/>
+        <p:txBody>
+          <a:bodyPr/>
+          <a:lstStyle/>
+          <a:p>
+            <a:fld id="{F04F93AA-2A77-4ACB-8117-F9E159C9069A}" type="slidenum">
+              <a:rPr lang="en-US" smtClean="0"/>
+              <a:t>13</a:t>
+            </a:fld>
+            <a:endParaRPr lang="en-US"/>
+          </a:p>
+        </p:txBody>
+      </p:sp>
+    </p:spTree>
+    <p:extLst>
+      <p:ext uri="{BB962C8B-B14F-4D97-AF65-F5344CB8AC3E}">
+        <p14:creationId xmlns:p14="http://schemas.microsoft.com/office/powerpoint/2010/main" val="433042271"/>
+      </p:ext>
+    </p:extLst>
+  </p:cSld>
+  <p:clrMapOvr>
+    <a:masterClrMapping/>
+  </p:clrMapOvr>
+</p:notes>
+</file>
+
+<file path=ppt/notesSlides/notesSlide14.xml><?xml version="1.0" encoding="utf-8"?>
+<p:notes xmlns:a="http://schemas.openxmlformats.org/drawingml/2006/main" xmlns:r="http://schemas.openxmlformats.org/officeDocument/2006/relationships" xmlns:p="http://schemas.openxmlformats.org/presentationml/2006/main">
+  <p:cSld>
+    <p:spTree>
+      <p:nvGrpSpPr>
+        <p:cNvPr id="1" name=""/>
+        <p:cNvGrpSpPr/>
+        <p:nvPr/>
+      </p:nvGrpSpPr>
+      <p:grpSpPr>
+        <a:xfrm>
+          <a:off x="0" y="0"/>
+          <a:ext cx="0" cy="0"/>
+          <a:chOff x="0" y="0"/>
+          <a:chExt cx="0" cy="0"/>
+        </a:xfrm>
+      </p:grpSpPr>
+      <p:sp>
+        <p:nvSpPr>
+          <p:cNvPr id="2" name="Slide Image Placeholder 1"/>
+          <p:cNvSpPr>
+            <a:spLocks noGrp="1" noRot="1" noChangeAspect="1"/>
+          </p:cNvSpPr>
+          <p:nvPr>
+            <p:ph type="sldImg"/>
+          </p:nvPr>
+        </p:nvSpPr>
+        <p:spPr/>
+      </p:sp>
+      <p:sp>
+        <p:nvSpPr>
+          <p:cNvPr id="3" name="Notes Placeholder 2"/>
+          <p:cNvSpPr>
+            <a:spLocks noGrp="1"/>
+          </p:cNvSpPr>
+          <p:nvPr>
+            <p:ph type="body" idx="1"/>
+          </p:nvPr>
+        </p:nvSpPr>
+        <p:spPr/>
+        <p:txBody>
+          <a:bodyPr/>
+          <a:lstStyle/>
+          <a:p>
+            <a:pPr marL="171450" indent="-171450">
+              <a:buFont typeface="Arial" panose="020B0604020202020204" pitchFamily="34" charset="0"/>
+              <a:buChar char="•"/>
+            </a:pPr>
+            <a:r>
+              <a:rPr lang="en-US" dirty="0"/>
+              <a:t>Between 2020 and 2023, rising home prices, higher mortgage rates, and constrained market conditions significantly reduced housing affordability in Metro Nashville.</a:t>
+            </a:r>
+          </a:p>
+          <a:p>
+            <a:pPr marL="171450" indent="-171450">
+              <a:buFont typeface="Arial" panose="020B0604020202020204" pitchFamily="34" charset="0"/>
+              <a:buChar char="•"/>
+            </a:pPr>
+            <a:endParaRPr lang="en-US" dirty="0"/>
+          </a:p>
+          <a:p>
+            <a:pPr marL="171450" indent="-171450">
+              <a:buFont typeface="Arial" panose="020B0604020202020204" pitchFamily="34" charset="0"/>
+              <a:buChar char="•"/>
+            </a:pPr>
+            <a:r>
+              <a:rPr lang="en-US" dirty="0"/>
+              <a:t>While incomes increased, they did not keep pace with housing costs.</a:t>
+            </a:r>
+          </a:p>
+          <a:p>
+            <a:pPr marL="171450" indent="-171450">
+              <a:buFont typeface="Arial" panose="020B0604020202020204" pitchFamily="34" charset="0"/>
+              <a:buChar char="•"/>
+            </a:pPr>
+            <a:endParaRPr lang="en-US" dirty="0"/>
+          </a:p>
+          <a:p>
+            <a:pPr marL="171450" indent="-171450">
+              <a:buFont typeface="Arial" panose="020B0604020202020204" pitchFamily="34" charset="0"/>
+              <a:buChar char="•"/>
+            </a:pPr>
+            <a:r>
+              <a:rPr lang="en-US" dirty="0"/>
+              <a:t>Affordability pressures were not evenly distributed across neighborhoods.</a:t>
+            </a:r>
+          </a:p>
+          <a:p>
+            <a:pPr marL="171450" indent="-171450">
+              <a:buFont typeface="Arial" panose="020B0604020202020204" pitchFamily="34" charset="0"/>
+              <a:buChar char="•"/>
+            </a:pPr>
+            <a:endParaRPr lang="en-US" dirty="0"/>
+          </a:p>
+          <a:p>
+            <a:pPr marL="171450" indent="-171450">
+              <a:buFont typeface="Arial" panose="020B0604020202020204" pitchFamily="34" charset="0"/>
+              <a:buChar char="•"/>
+            </a:pPr>
+            <a:r>
+              <a:rPr lang="en-US" dirty="0"/>
+              <a:t>Overall, this analysis shows how multiple market forces combined to worsen housing affordability during this period.</a:t>
+            </a:r>
+          </a:p>
+          <a:p>
+            <a:endParaRPr lang="en-US" dirty="0"/>
+          </a:p>
+        </p:txBody>
+      </p:sp>
+      <p:sp>
+        <p:nvSpPr>
+          <p:cNvPr id="4" name="Slide Number Placeholder 3"/>
+          <p:cNvSpPr>
+            <a:spLocks noGrp="1"/>
+          </p:cNvSpPr>
+          <p:nvPr>
+            <p:ph type="sldNum" sz="quarter" idx="5"/>
+          </p:nvPr>
+        </p:nvSpPr>
+        <p:spPr/>
+        <p:txBody>
+          <a:bodyPr/>
+          <a:lstStyle/>
+          <a:p>
+            <a:fld id="{F04F93AA-2A77-4ACB-8117-F9E159C9069A}" type="slidenum">
+              <a:rPr lang="en-US" smtClean="0"/>
+              <a:t>14</a:t>
+            </a:fld>
+            <a:endParaRPr lang="en-US"/>
+          </a:p>
+        </p:txBody>
+      </p:sp>
+    </p:spTree>
+    <p:extLst>
+      <p:ext uri="{BB962C8B-B14F-4D97-AF65-F5344CB8AC3E}">
+        <p14:creationId xmlns:p14="http://schemas.microsoft.com/office/powerpoint/2010/main" val="3967946144"/>
+      </p:ext>
+    </p:extLst>
+  </p:cSld>
+  <p:clrMapOvr>
+    <a:masterClrMapping/>
+  </p:clrMapOvr>
+</p:notes>
+</file>
+
+<file path=ppt/notesSlides/notesSlide15.xml><?xml version="1.0" encoding="utf-8"?>
+<p:notes xmlns:a="http://schemas.openxmlformats.org/drawingml/2006/main" xmlns:r="http://schemas.openxmlformats.org/officeDocument/2006/relationships" xmlns:p="http://schemas.openxmlformats.org/presentationml/2006/main">
+  <p:cSld>
+    <p:spTree>
+      <p:nvGrpSpPr>
+        <p:cNvPr id="1" name="">
+          <a:extLst>
+            <a:ext uri="{FF2B5EF4-FFF2-40B4-BE49-F238E27FC236}">
+              <a16:creationId xmlns:a16="http://schemas.microsoft.com/office/drawing/2014/main" id="{DB6A23CA-F784-8609-0053-212FA3AE923F}"/>
+            </a:ext>
+          </a:extLst>
+        </p:cNvPr>
+        <p:cNvGrpSpPr/>
+        <p:nvPr/>
+      </p:nvGrpSpPr>
+      <p:grpSpPr>
+        <a:xfrm>
+          <a:off x="0" y="0"/>
+          <a:ext cx="0" cy="0"/>
+          <a:chOff x="0" y="0"/>
+          <a:chExt cx="0" cy="0"/>
+        </a:xfrm>
+      </p:grpSpPr>
+      <p:sp>
+        <p:nvSpPr>
+          <p:cNvPr id="2" name="Slide Image Placeholder 1">
+            <a:extLst>
+              <a:ext uri="{FF2B5EF4-FFF2-40B4-BE49-F238E27FC236}">
+                <a16:creationId xmlns:a16="http://schemas.microsoft.com/office/drawing/2014/main" id="{434BF1ED-677E-4E16-D8CE-A99EBE92F768}"/>
+              </a:ext>
+            </a:extLst>
+          </p:cNvPr>
+          <p:cNvSpPr>
+            <a:spLocks noGrp="1" noRot="1" noChangeAspect="1"/>
+          </p:cNvSpPr>
+          <p:nvPr>
+            <p:ph type="sldImg"/>
+          </p:nvPr>
+        </p:nvSpPr>
+        <p:spPr/>
+      </p:sp>
+      <p:sp>
+        <p:nvSpPr>
+          <p:cNvPr id="3" name="Notes Placeholder 2">
+            <a:extLst>
+              <a:ext uri="{FF2B5EF4-FFF2-40B4-BE49-F238E27FC236}">
+                <a16:creationId xmlns:a16="http://schemas.microsoft.com/office/drawing/2014/main" id="{A14D6CC0-871A-93D4-2DB3-A0558479D7CB}"/>
+              </a:ext>
+            </a:extLst>
+          </p:cNvPr>
+          <p:cNvSpPr>
+            <a:spLocks noGrp="1"/>
+          </p:cNvSpPr>
+          <p:nvPr>
+            <p:ph type="body" idx="1"/>
+          </p:nvPr>
+        </p:nvSpPr>
+        <p:spPr/>
+        <p:txBody>
+          <a:bodyPr/>
+          <a:lstStyle/>
+          <a:p>
+            <a:endParaRPr lang="en-US" dirty="0"/>
+          </a:p>
+        </p:txBody>
+      </p:sp>
+      <p:sp>
+        <p:nvSpPr>
+          <p:cNvPr id="4" name="Slide Number Placeholder 3">
+            <a:extLst>
+              <a:ext uri="{FF2B5EF4-FFF2-40B4-BE49-F238E27FC236}">
+                <a16:creationId xmlns:a16="http://schemas.microsoft.com/office/drawing/2014/main" id="{12C5540D-FF74-83C1-A1BD-A09C777BF1FE}"/>
+              </a:ext>
+            </a:extLst>
+          </p:cNvPr>
+          <p:cNvSpPr>
+            <a:spLocks noGrp="1"/>
+          </p:cNvSpPr>
+          <p:nvPr>
+            <p:ph type="sldNum" sz="quarter" idx="5"/>
+          </p:nvPr>
+        </p:nvSpPr>
+        <p:spPr/>
+        <p:txBody>
+          <a:bodyPr/>
+          <a:lstStyle/>
+          <a:p>
+            <a:pPr marL="0" marR="0" lvl="0" indent="0" algn="r" defTabSz="914400" rtl="0" eaLnBrk="1" fontAlgn="auto" latinLnBrk="0" hangingPunct="1">
+              <a:lnSpc>
+                <a:spcPct val="100000"/>
+              </a:lnSpc>
+              <a:spcBef>
+                <a:spcPts val="0"/>
+              </a:spcBef>
+              <a:spcAft>
+                <a:spcPts val="0"/>
+              </a:spcAft>
+              <a:buClrTx/>
+              <a:buSzTx/>
+              <a:buFontTx/>
+              <a:buNone/>
+              <a:tabLst/>
+              <a:defRPr/>
+            </a:pPr>
+            <a:fld id="{F04F93AA-2A77-4ACB-8117-F9E159C9069A}" type="slidenum">
+              <a:rPr kumimoji="0" lang="en-US" sz="1200" b="0" i="0" u="none" strike="noStrike" kern="1200" cap="none" spc="0" normalizeH="0" baseline="0" noProof="0" smtClean="0">
+                <a:ln>
+                  <a:noFill/>
+                </a:ln>
+                <a:solidFill>
+                  <a:prstClr val="black"/>
+                </a:solidFill>
+                <a:effectLst/>
+                <a:uLnTx/>
+                <a:uFillTx/>
+                <a:latin typeface="Aptos" panose="02110004020202020204"/>
+                <a:ea typeface="+mn-ea"/>
+                <a:cs typeface="+mn-cs"/>
+              </a:rPr>
+              <a:pPr marL="0" marR="0" lvl="0" indent="0" algn="r" defTabSz="914400" rtl="0" eaLnBrk="1" fontAlgn="auto" latinLnBrk="0" hangingPunct="1">
+                <a:lnSpc>
+                  <a:spcPct val="100000"/>
+                </a:lnSpc>
+                <a:spcBef>
+                  <a:spcPts val="0"/>
+                </a:spcBef>
+                <a:spcAft>
+                  <a:spcPts val="0"/>
+                </a:spcAft>
+                <a:buClrTx/>
+                <a:buSzTx/>
+                <a:buFontTx/>
+                <a:buNone/>
+                <a:tabLst/>
+                <a:defRPr/>
+              </a:pPr>
+              <a:t>15</a:t>
+            </a:fld>
+            <a:endParaRPr kumimoji="0" lang="en-US" sz="1200" b="0" i="0" u="none" strike="noStrike" kern="1200" cap="none" spc="0" normalizeH="0" baseline="0" noProof="0">
+              <a:ln>
+                <a:noFill/>
+              </a:ln>
+              <a:solidFill>
+                <a:prstClr val="black"/>
+              </a:solidFill>
+              <a:effectLst/>
+              <a:uLnTx/>
+              <a:uFillTx/>
+              <a:latin typeface="Aptos" panose="02110004020202020204"/>
+              <a:ea typeface="+mn-ea"/>
+              <a:cs typeface="+mn-cs"/>
+            </a:endParaRPr>
+          </a:p>
+        </p:txBody>
+      </p:sp>
+    </p:spTree>
+    <p:extLst>
+      <p:ext uri="{BB962C8B-B14F-4D97-AF65-F5344CB8AC3E}">
+        <p14:creationId xmlns:p14="http://schemas.microsoft.com/office/powerpoint/2010/main" val="4056215081"/>
       </p:ext>
     </p:extLst>
   </p:cSld>
@@ -1431,10 +2301,59 @@
           <a:bodyPr/>
           <a:lstStyle/>
           <a:p>
+            <a:pPr marL="171450" indent="-171450">
+              <a:buFont typeface="Arial" panose="020B0604020202020204" pitchFamily="34" charset="0"/>
+              <a:buChar char="•"/>
+            </a:pPr>
             <a:r>
               <a:rPr lang="en-US" dirty="0"/>
-              <a:t>This analysis combines Redfin housing market data, Census income data at the ZIP-code level, and national mortgage rate trends from the Federal Reserve to evaluate housing affordability in Metro Nashville between 2020 and 2023</a:t>
-            </a:r>
+              <a:t>The purpose of this analysis is to evaluate changes in housing affordability in Metro Nashville during a period of major market disruption.</a:t>
+            </a:r>
+          </a:p>
+          <a:p>
+            <a:pPr marL="171450" indent="-171450">
+              <a:buFont typeface="Arial" panose="020B0604020202020204" pitchFamily="34" charset="0"/>
+              <a:buChar char="•"/>
+            </a:pPr>
+            <a:endParaRPr lang="en-US" dirty="0"/>
+          </a:p>
+          <a:p>
+            <a:pPr marL="171450" indent="-171450">
+              <a:buFont typeface="Arial" panose="020B0604020202020204" pitchFamily="34" charset="0"/>
+              <a:buChar char="•"/>
+            </a:pPr>
+            <a:r>
+              <a:rPr lang="en-US" dirty="0"/>
+              <a:t>I focus on three key drivers of affordability: </a:t>
+            </a:r>
+            <a:r>
+              <a:rPr lang="en-US" b="1" dirty="0"/>
+              <a:t>home prices, household income, and mortgage interest rates</a:t>
+            </a:r>
+            <a:r>
+              <a:rPr lang="en-US" dirty="0"/>
+              <a:t>.</a:t>
+            </a:r>
+          </a:p>
+          <a:p>
+            <a:pPr marL="171450" indent="-171450">
+              <a:buFont typeface="Arial" panose="020B0604020202020204" pitchFamily="34" charset="0"/>
+              <a:buChar char="•"/>
+            </a:pPr>
+            <a:endParaRPr lang="en-US" dirty="0"/>
+          </a:p>
+          <a:p>
+            <a:pPr marL="171450" indent="-171450">
+              <a:buFont typeface="Arial" panose="020B0604020202020204" pitchFamily="34" charset="0"/>
+              <a:buChar char="•"/>
+            </a:pPr>
+            <a:r>
+              <a:rPr lang="en-US" dirty="0"/>
+              <a:t>In addition to overall trends, I examine ZIP-level differences to understand whether some neighborhoods experienced greater affordability pressures than others.</a:t>
+            </a:r>
+          </a:p>
+          <a:p>
+            <a:endParaRPr lang="en-US" dirty="0"/>
           </a:p>
         </p:txBody>
       </p:sp>
@@ -1455,7 +2374,7 @@
           <a:p>
             <a:fld id="{F04F93AA-2A77-4ACB-8117-F9E159C9069A}" type="slidenum">
               <a:rPr lang="en-US" smtClean="0"/>
-              <a:t>4</a:t>
+              <a:t>2</a:t>
             </a:fld>
             <a:endParaRPr lang="en-US"/>
           </a:p>
@@ -1464,7 +2383,7 @@
     </p:spTree>
     <p:extLst>
       <p:ext uri="{BB962C8B-B14F-4D97-AF65-F5344CB8AC3E}">
-        <p14:creationId xmlns:p14="http://schemas.microsoft.com/office/powerpoint/2010/main" val="3265194060"/>
+        <p14:creationId xmlns:p14="http://schemas.microsoft.com/office/powerpoint/2010/main" val="1395914289"/>
       </p:ext>
     </p:extLst>
   </p:cSld>
@@ -1518,6 +2437,84 @@
           <a:bodyPr/>
           <a:lstStyle/>
           <a:p>
+            <a:pPr marL="171450" indent="-171450">
+              <a:buFont typeface="Arial" panose="020B0604020202020204" pitchFamily="34" charset="0"/>
+              <a:buChar char="•"/>
+            </a:pPr>
+            <a:r>
+              <a:rPr lang="en-US" dirty="0"/>
+              <a:t>This project is guided by four research questions.</a:t>
+            </a:r>
+          </a:p>
+          <a:p>
+            <a:pPr marL="171450" indent="-171450">
+              <a:buFont typeface="Arial" panose="020B0604020202020204" pitchFamily="34" charset="0"/>
+              <a:buChar char="•"/>
+            </a:pPr>
+            <a:endParaRPr lang="en-US" dirty="0"/>
+          </a:p>
+          <a:p>
+            <a:pPr marL="171450" indent="-171450">
+              <a:buFont typeface="Arial" panose="020B0604020202020204" pitchFamily="34" charset="0"/>
+              <a:buChar char="•"/>
+            </a:pPr>
+            <a:r>
+              <a:rPr lang="en-US" dirty="0"/>
+              <a:t>First, I examine how median home prices changed relative to household income growth.</a:t>
+            </a:r>
+          </a:p>
+          <a:p>
+            <a:pPr marL="171450" indent="-171450">
+              <a:buFont typeface="Arial" panose="020B0604020202020204" pitchFamily="34" charset="0"/>
+              <a:buChar char="•"/>
+            </a:pPr>
+            <a:endParaRPr lang="en-US" dirty="0"/>
+          </a:p>
+          <a:p>
+            <a:pPr marL="171450" indent="-171450">
+              <a:buFont typeface="Arial" panose="020B0604020202020204" pitchFamily="34" charset="0"/>
+              <a:buChar char="•"/>
+            </a:pPr>
+            <a:r>
+              <a:rPr lang="en-US" dirty="0"/>
+              <a:t>Second, I look at housing market activity, including inventory indicators and home sales volume.</a:t>
+            </a:r>
+          </a:p>
+          <a:p>
+            <a:pPr marL="171450" indent="-171450">
+              <a:buFont typeface="Arial" panose="020B0604020202020204" pitchFamily="34" charset="0"/>
+              <a:buChar char="•"/>
+            </a:pPr>
+            <a:endParaRPr lang="en-US" dirty="0"/>
+          </a:p>
+          <a:p>
+            <a:pPr marL="171450" indent="-171450">
+              <a:buFont typeface="Arial" panose="020B0604020202020204" pitchFamily="34" charset="0"/>
+              <a:buChar char="•"/>
+            </a:pPr>
+            <a:r>
+              <a:rPr lang="en-US" dirty="0"/>
+              <a:t>Third, I assess how rising mortgage interest rates affected affordability for a median-income household.</a:t>
+            </a:r>
+          </a:p>
+          <a:p>
+            <a:pPr marL="171450" indent="-171450">
+              <a:buFont typeface="Arial" panose="020B0604020202020204" pitchFamily="34" charset="0"/>
+              <a:buChar char="•"/>
+            </a:pPr>
+            <a:endParaRPr lang="en-US" dirty="0"/>
+          </a:p>
+          <a:p>
+            <a:pPr marL="171450" indent="-171450">
+              <a:buFont typeface="Arial" panose="020B0604020202020204" pitchFamily="34" charset="0"/>
+              <a:buChar char="•"/>
+            </a:pPr>
+            <a:r>
+              <a:rPr lang="en-US" dirty="0"/>
+              <a:t>Finally, I analyze whether affordability changes were evenly distributed across ZIP codes in Metro Nashville.</a:t>
+            </a:r>
+          </a:p>
+          <a:p>
             <a:endParaRPr lang="en-US" dirty="0"/>
           </a:p>
         </p:txBody>
@@ -1539,7 +2536,7 @@
           <a:p>
             <a:fld id="{F04F93AA-2A77-4ACB-8117-F9E159C9069A}" type="slidenum">
               <a:rPr lang="en-US" smtClean="0"/>
-              <a:t>5</a:t>
+              <a:t>3</a:t>
             </a:fld>
             <a:endParaRPr lang="en-US"/>
           </a:p>
@@ -1548,7 +2545,7 @@
     </p:spTree>
     <p:extLst>
       <p:ext uri="{BB962C8B-B14F-4D97-AF65-F5344CB8AC3E}">
-        <p14:creationId xmlns:p14="http://schemas.microsoft.com/office/powerpoint/2010/main" val="1719800106"/>
+        <p14:creationId xmlns:p14="http://schemas.microsoft.com/office/powerpoint/2010/main" val="4271238316"/>
       </p:ext>
     </p:extLst>
   </p:cSld>
@@ -1602,6 +2599,101 @@
           <a:bodyPr/>
           <a:lstStyle/>
           <a:p>
+            <a:pPr marL="171450" indent="-171450">
+              <a:buFont typeface="Arial" panose="020B0604020202020204" pitchFamily="34" charset="0"/>
+              <a:buChar char="•"/>
+            </a:pPr>
+            <a:r>
+              <a:rPr lang="en-US" dirty="0"/>
+              <a:t>This analysis focuses on Metro Nashville from 2020 through 2023.</a:t>
+            </a:r>
+          </a:p>
+          <a:p>
+            <a:pPr marL="171450" indent="-171450">
+              <a:buFont typeface="Arial" panose="020B0604020202020204" pitchFamily="34" charset="0"/>
+              <a:buChar char="•"/>
+            </a:pPr>
+            <a:endParaRPr lang="en-US" dirty="0"/>
+          </a:p>
+          <a:p>
+            <a:pPr marL="171450" indent="-171450">
+              <a:buFont typeface="Arial" panose="020B0604020202020204" pitchFamily="34" charset="0"/>
+              <a:buChar char="•"/>
+            </a:pPr>
+            <a:r>
+              <a:rPr lang="en-US" dirty="0"/>
+              <a:t>I combine multiple datasets to capture different dimensions of affordability.</a:t>
+            </a:r>
+          </a:p>
+          <a:p>
+            <a:pPr marL="171450" indent="-171450">
+              <a:buFont typeface="Arial" panose="020B0604020202020204" pitchFamily="34" charset="0"/>
+              <a:buChar char="•"/>
+            </a:pPr>
+            <a:endParaRPr lang="en-US" dirty="0"/>
+          </a:p>
+          <a:p>
+            <a:pPr marL="171450" indent="-171450">
+              <a:buFont typeface="Arial" panose="020B0604020202020204" pitchFamily="34" charset="0"/>
+              <a:buChar char="•"/>
+            </a:pPr>
+            <a:r>
+              <a:rPr lang="en-US" dirty="0"/>
+              <a:t>Parcel sales data provide observed transaction prices for single-family homes.</a:t>
+            </a:r>
+          </a:p>
+          <a:p>
+            <a:pPr marL="171450" indent="-171450">
+              <a:buFont typeface="Arial" panose="020B0604020202020204" pitchFamily="34" charset="0"/>
+              <a:buChar char="•"/>
+            </a:pPr>
+            <a:endParaRPr lang="en-US" dirty="0"/>
+          </a:p>
+          <a:p>
+            <a:pPr marL="171450" indent="-171450">
+              <a:buFont typeface="Arial" panose="020B0604020202020204" pitchFamily="34" charset="0"/>
+              <a:buChar char="•"/>
+            </a:pPr>
+            <a:r>
+              <a:rPr lang="en-US" dirty="0"/>
+              <a:t>Redfin data provide housing market indicators like inventory and homes sold.</a:t>
+            </a:r>
+          </a:p>
+          <a:p>
+            <a:pPr marL="171450" indent="-171450">
+              <a:buFont typeface="Arial" panose="020B0604020202020204" pitchFamily="34" charset="0"/>
+              <a:buChar char="•"/>
+            </a:pPr>
+            <a:endParaRPr lang="en-US" dirty="0"/>
+          </a:p>
+          <a:p>
+            <a:pPr marL="171450" indent="-171450">
+              <a:buFont typeface="Arial" panose="020B0604020202020204" pitchFamily="34" charset="0"/>
+              <a:buChar char="•"/>
+            </a:pPr>
+            <a:r>
+              <a:rPr lang="en-US" dirty="0"/>
+              <a:t>Census ACS data provide median household income at the ZIP code level.</a:t>
+            </a:r>
+          </a:p>
+          <a:p>
+            <a:pPr marL="171450" indent="-171450">
+              <a:buFont typeface="Arial" panose="020B0604020202020204" pitchFamily="34" charset="0"/>
+              <a:buChar char="•"/>
+            </a:pPr>
+            <a:endParaRPr lang="en-US" dirty="0"/>
+          </a:p>
+          <a:p>
+            <a:pPr marL="171450" indent="-171450">
+              <a:buFont typeface="Arial" panose="020B0604020202020204" pitchFamily="34" charset="0"/>
+              <a:buChar char="•"/>
+            </a:pPr>
+            <a:r>
+              <a:rPr lang="en-US" dirty="0"/>
+              <a:t>Mortgage rate data come from FRED and reflect national 30-year fixed rates.</a:t>
+            </a:r>
+          </a:p>
+          <a:p>
             <a:endParaRPr lang="en-US" dirty="0"/>
           </a:p>
         </p:txBody>
@@ -1623,7 +2715,7 @@
           <a:p>
             <a:fld id="{F04F93AA-2A77-4ACB-8117-F9E159C9069A}" type="slidenum">
               <a:rPr lang="en-US" smtClean="0"/>
-              <a:t>6</a:t>
+              <a:t>4</a:t>
             </a:fld>
             <a:endParaRPr lang="en-US"/>
           </a:p>
@@ -1632,7 +2724,7 @@
     </p:spTree>
     <p:extLst>
       <p:ext uri="{BB962C8B-B14F-4D97-AF65-F5344CB8AC3E}">
-        <p14:creationId xmlns:p14="http://schemas.microsoft.com/office/powerpoint/2010/main" val="1652447903"/>
+        <p14:creationId xmlns:p14="http://schemas.microsoft.com/office/powerpoint/2010/main" val="3265194060"/>
       </p:ext>
     </p:extLst>
   </p:cSld>
@@ -1686,41 +2778,81 @@
           <a:bodyPr/>
           <a:lstStyle/>
           <a:p>
-            <a:pPr marL="285750" indent="-285750">
+            <a:pPr marL="171450" indent="-171450">
               <a:buFont typeface="Arial" panose="020B0604020202020204" pitchFamily="34" charset="0"/>
               <a:buChar char="•"/>
             </a:pPr>
             <a:r>
-              <a:rPr lang="en-US" b="1" dirty="0"/>
-              <a:t>Price-to-Income Ratio</a:t>
-            </a:r>
-          </a:p>
-          <a:p>
-            <a:pPr marL="742950" lvl="1" indent="-285750">
+              <a:rPr lang="en-US" dirty="0"/>
+              <a:t>This slide provides a high-level comparison between 2020 and 2023.</a:t>
+            </a:r>
+          </a:p>
+          <a:p>
+            <a:pPr marL="171450" indent="-171450">
               <a:buFont typeface="Arial" panose="020B0604020202020204" pitchFamily="34" charset="0"/>
               <a:buChar char="•"/>
             </a:pPr>
-            <a:r>
-              <a:rPr lang="en-US" dirty="0"/>
-              <a:t>The </a:t>
-            </a:r>
-            <a:r>
-              <a:rPr lang="en-US" b="1" dirty="0"/>
-              <a:t>price-to-income ratio</a:t>
-            </a:r>
-            <a:r>
-              <a:rPr lang="en-US" dirty="0"/>
-              <a:t> measures how affordable housing is by comparing the cost of a typical home to the income of a typical household.</a:t>
-            </a:r>
-          </a:p>
-          <a:p>
-            <a:pPr marL="742950" lvl="1" indent="-285750">
+            <a:endParaRPr lang="en-US" dirty="0"/>
+          </a:p>
+          <a:p>
+            <a:pPr marL="171450" indent="-171450">
               <a:buFont typeface="Arial" panose="020B0604020202020204" pitchFamily="34" charset="0"/>
               <a:buChar char="•"/>
             </a:pPr>
             <a:r>
-              <a:rPr lang="en-US" b="1" dirty="0"/>
-              <a:t>Price-to-Income Ratio= Median Home Sale Price/Median Household Income</a:t>
+              <a:rPr lang="en-US" dirty="0"/>
+              <a:t>Median home prices increased from about $320,000 to over $437,000.</a:t>
+            </a:r>
+          </a:p>
+          <a:p>
+            <a:pPr marL="171450" indent="-171450">
+              <a:buFont typeface="Arial" panose="020B0604020202020204" pitchFamily="34" charset="0"/>
+              <a:buChar char="•"/>
+            </a:pPr>
+            <a:endParaRPr lang="en-US" dirty="0"/>
+          </a:p>
+          <a:p>
+            <a:pPr marL="171450" indent="-171450">
+              <a:buFont typeface="Arial" panose="020B0604020202020204" pitchFamily="34" charset="0"/>
+              <a:buChar char="•"/>
+            </a:pPr>
+            <a:r>
+              <a:rPr lang="en-US" dirty="0"/>
+              <a:t>Median household income increased as well, but at a slower pace.</a:t>
+            </a:r>
+          </a:p>
+          <a:p>
+            <a:pPr marL="171450" indent="-171450">
+              <a:buFont typeface="Arial" panose="020B0604020202020204" pitchFamily="34" charset="0"/>
+              <a:buChar char="•"/>
+            </a:pPr>
+            <a:endParaRPr lang="en-US" dirty="0"/>
+          </a:p>
+          <a:p>
+            <a:pPr marL="171450" indent="-171450">
+              <a:buFont typeface="Arial" panose="020B0604020202020204" pitchFamily="34" charset="0"/>
+              <a:buChar char="•"/>
+            </a:pPr>
+            <a:r>
+              <a:rPr lang="en-US" dirty="0"/>
+              <a:t>At the same time, total single-family home sales declined significantly.</a:t>
+            </a:r>
+          </a:p>
+          <a:p>
+            <a:pPr marL="171450" indent="-171450">
+              <a:buFont typeface="Arial" panose="020B0604020202020204" pitchFamily="34" charset="0"/>
+              <a:buChar char="•"/>
+            </a:pPr>
+            <a:endParaRPr lang="en-US" dirty="0"/>
+          </a:p>
+          <a:p>
+            <a:pPr marL="171450" indent="-171450">
+              <a:buFont typeface="Arial" panose="020B0604020202020204" pitchFamily="34" charset="0"/>
+              <a:buChar char="•"/>
+            </a:pPr>
+            <a:r>
+              <a:rPr lang="en-US" dirty="0"/>
+              <a:t>Mortgage rates more than doubled, increasing borrowing costs and reducing affordability.</a:t>
             </a:r>
           </a:p>
           <a:p>
@@ -1745,7 +2877,7 @@
           <a:p>
             <a:fld id="{F04F93AA-2A77-4ACB-8117-F9E159C9069A}" type="slidenum">
               <a:rPr lang="en-US" smtClean="0"/>
-              <a:t>7</a:t>
+              <a:t>5</a:t>
             </a:fld>
             <a:endParaRPr lang="en-US"/>
           </a:p>
@@ -1754,7 +2886,7 @@
     </p:spTree>
     <p:extLst>
       <p:ext uri="{BB962C8B-B14F-4D97-AF65-F5344CB8AC3E}">
-        <p14:creationId xmlns:p14="http://schemas.microsoft.com/office/powerpoint/2010/main" val="3524343700"/>
+        <p14:creationId xmlns:p14="http://schemas.microsoft.com/office/powerpoint/2010/main" val="1719800106"/>
       </p:ext>
     </p:extLst>
   </p:cSld>
@@ -1808,26 +2940,64 @@
           <a:bodyPr/>
           <a:lstStyle/>
           <a:p>
-            <a:pPr marL="0" marR="0" lvl="0" indent="0" algn="l" defTabSz="914400" rtl="0" eaLnBrk="1" fontAlgn="auto" latinLnBrk="0" hangingPunct="1">
-              <a:lnSpc>
-                <a:spcPct val="100000"/>
-              </a:lnSpc>
-              <a:spcBef>
-                <a:spcPts val="0"/>
-              </a:spcBef>
-              <a:spcAft>
-                <a:spcPts val="0"/>
-              </a:spcAft>
-              <a:buClrTx/>
-              <a:buSzTx/>
-              <a:buFontTx/>
-              <a:buNone/>
-              <a:tabLst/>
-              <a:defRPr/>
+            <a:pPr marL="171450" indent="-171450">
+              <a:buFont typeface="Arial" panose="020B0604020202020204" pitchFamily="34" charset="0"/>
+              <a:buChar char="•"/>
             </a:pPr>
             <a:r>
               <a:rPr lang="en-US" dirty="0"/>
-              <a:t>During this period, Metro Nashville experienced continued population growth, while housing inventory remained constrained. This imbalance between demand and available housing helps explain why prices continued to rise despite fluctuations in sales volume.  Maybe talk about population increase in the speaker notes on this one</a:t>
+              <a:t>This slide compares trends in median home prices and median household income.</a:t>
+            </a:r>
+          </a:p>
+          <a:p>
+            <a:pPr marL="171450" indent="-171450">
+              <a:buFont typeface="Arial" panose="020B0604020202020204" pitchFamily="34" charset="0"/>
+              <a:buChar char="•"/>
+            </a:pPr>
+            <a:endParaRPr lang="en-US" dirty="0"/>
+          </a:p>
+          <a:p>
+            <a:pPr marL="171450" indent="-171450">
+              <a:buFont typeface="Arial" panose="020B0604020202020204" pitchFamily="34" charset="0"/>
+              <a:buChar char="•"/>
+            </a:pPr>
+            <a:r>
+              <a:rPr lang="en-US" dirty="0"/>
+              <a:t>Home prices increased substantially faster than incomes over this period.</a:t>
+            </a:r>
+          </a:p>
+          <a:p>
+            <a:pPr marL="171450" indent="-171450">
+              <a:buFont typeface="Arial" panose="020B0604020202020204" pitchFamily="34" charset="0"/>
+              <a:buChar char="•"/>
+            </a:pPr>
+            <a:endParaRPr lang="en-US" dirty="0"/>
+          </a:p>
+          <a:p>
+            <a:pPr marL="171450" indent="-171450">
+              <a:buFont typeface="Arial" panose="020B0604020202020204" pitchFamily="34" charset="0"/>
+              <a:buChar char="•"/>
+            </a:pPr>
+            <a:r>
+              <a:rPr lang="en-US" dirty="0"/>
+              <a:t>Between 2020 and 2023, prices rose by roughly 37%, while incomes increased by about 20%.</a:t>
+            </a:r>
+          </a:p>
+          <a:p>
+            <a:pPr marL="171450" indent="-171450">
+              <a:buFont typeface="Arial" panose="020B0604020202020204" pitchFamily="34" charset="0"/>
+              <a:buChar char="•"/>
+            </a:pPr>
+            <a:endParaRPr lang="en-US" dirty="0"/>
+          </a:p>
+          <a:p>
+            <a:pPr marL="171450" indent="-171450">
+              <a:buFont typeface="Arial" panose="020B0604020202020204" pitchFamily="34" charset="0"/>
+              <a:buChar char="•"/>
+            </a:pPr>
+            <a:r>
+              <a:rPr lang="en-US" dirty="0"/>
+              <a:t>This growing gap suggests that affordability worsened even before considering financing costs.</a:t>
             </a:r>
           </a:p>
           <a:p>
@@ -1852,7 +3022,7 @@
           <a:p>
             <a:fld id="{F04F93AA-2A77-4ACB-8117-F9E159C9069A}" type="slidenum">
               <a:rPr lang="en-US" smtClean="0"/>
-              <a:t>8</a:t>
+              <a:t>6</a:t>
             </a:fld>
             <a:endParaRPr lang="en-US"/>
           </a:p>
@@ -1861,7 +3031,7 @@
     </p:spTree>
     <p:extLst>
       <p:ext uri="{BB962C8B-B14F-4D97-AF65-F5344CB8AC3E}">
-        <p14:creationId xmlns:p14="http://schemas.microsoft.com/office/powerpoint/2010/main" val="2359422724"/>
+        <p14:creationId xmlns:p14="http://schemas.microsoft.com/office/powerpoint/2010/main" val="1652447903"/>
       </p:ext>
     </p:extLst>
   </p:cSld>
@@ -1915,10 +3085,120 @@
           <a:bodyPr/>
           <a:lstStyle/>
           <a:p>
+            <a:pPr marL="285750" indent="-285750">
+              <a:buFont typeface="Arial" panose="020B0604020202020204" pitchFamily="34" charset="0"/>
+              <a:buChar char="•"/>
+            </a:pPr>
+            <a:r>
+              <a:rPr lang="en-US" b="1" dirty="0"/>
+              <a:t>Price-to-Income Ratio</a:t>
+            </a:r>
+          </a:p>
+          <a:p>
+            <a:pPr marL="742950" lvl="1" indent="-285750">
+              <a:buFont typeface="Arial" panose="020B0604020202020204" pitchFamily="34" charset="0"/>
+              <a:buChar char="•"/>
+            </a:pPr>
             <a:r>
               <a:rPr lang="en-US" dirty="0"/>
-              <a:t>Income was not increasing with cost of living </a:t>
-            </a:r>
+              <a:t>The </a:t>
+            </a:r>
+            <a:r>
+              <a:rPr lang="en-US" b="1" dirty="0"/>
+              <a:t>price-to-income ratio</a:t>
+            </a:r>
+            <a:r>
+              <a:rPr lang="en-US" dirty="0"/>
+              <a:t> measures how affordable housing is by comparing the cost of a typical home to the income of a typical household.</a:t>
+            </a:r>
+          </a:p>
+          <a:p>
+            <a:pPr marL="742950" lvl="1" indent="-285750">
+              <a:buFont typeface="Arial" panose="020B0604020202020204" pitchFamily="34" charset="0"/>
+              <a:buChar char="•"/>
+            </a:pPr>
+            <a:r>
+              <a:rPr lang="en-US" b="1" dirty="0"/>
+              <a:t>Price-to-Income Ratio= Median Home Sale Price/Median Household Income</a:t>
+            </a:r>
+          </a:p>
+          <a:p>
+            <a:pPr marL="742950" lvl="1" indent="-285750">
+              <a:buFont typeface="Arial" panose="020B0604020202020204" pitchFamily="34" charset="0"/>
+              <a:buChar char="•"/>
+            </a:pPr>
+            <a:endParaRPr lang="en-US" b="1" dirty="0"/>
+          </a:p>
+          <a:p>
+            <a:pPr marL="171450" indent="-171450">
+              <a:buFont typeface="Arial" panose="020B0604020202020204" pitchFamily="34" charset="0"/>
+              <a:buChar char="•"/>
+            </a:pPr>
+            <a:r>
+              <a:rPr lang="en-US" dirty="0"/>
+              <a:t>The price-to-income ratio summarizes the relationship between home prices and income.</a:t>
+            </a:r>
+          </a:p>
+          <a:p>
+            <a:pPr marL="171450" indent="-171450">
+              <a:buFont typeface="Arial" panose="020B0604020202020204" pitchFamily="34" charset="0"/>
+              <a:buChar char="•"/>
+            </a:pPr>
+            <a:endParaRPr lang="en-US" dirty="0"/>
+          </a:p>
+          <a:p>
+            <a:pPr marL="171450" indent="-171450">
+              <a:buFont typeface="Arial" panose="020B0604020202020204" pitchFamily="34" charset="0"/>
+              <a:buChar char="•"/>
+            </a:pPr>
+            <a:r>
+              <a:rPr lang="en-US" dirty="0"/>
+              <a:t>A higher ratio indicates reduced affordability.</a:t>
+            </a:r>
+          </a:p>
+          <a:p>
+            <a:pPr marL="171450" indent="-171450">
+              <a:buFont typeface="Arial" panose="020B0604020202020204" pitchFamily="34" charset="0"/>
+              <a:buChar char="•"/>
+            </a:pPr>
+            <a:endParaRPr lang="en-US" dirty="0"/>
+          </a:p>
+          <a:p>
+            <a:pPr marL="171450" indent="-171450">
+              <a:buFont typeface="Arial" panose="020B0604020202020204" pitchFamily="34" charset="0"/>
+              <a:buChar char="•"/>
+            </a:pPr>
+            <a:r>
+              <a:rPr lang="en-US" dirty="0"/>
+              <a:t>Between 2020 and 2022, the ratio increased sharply as prices outpaced income growth.</a:t>
+            </a:r>
+          </a:p>
+          <a:p>
+            <a:pPr marL="171450" indent="-171450">
+              <a:buFont typeface="Arial" panose="020B0604020202020204" pitchFamily="34" charset="0"/>
+              <a:buChar char="•"/>
+            </a:pPr>
+            <a:endParaRPr lang="en-US" dirty="0"/>
+          </a:p>
+          <a:p>
+            <a:pPr marL="171450" indent="-171450">
+              <a:buFont typeface="Arial" panose="020B0604020202020204" pitchFamily="34" charset="0"/>
+              <a:buChar char="•"/>
+            </a:pPr>
+            <a:r>
+              <a:rPr lang="en-US" dirty="0"/>
+              <a:t>While income growth in 2023 slightly reduced the ratio, affordability pressure remained elevated compared to earlier years in the period.</a:t>
+            </a:r>
+          </a:p>
+          <a:p>
+            <a:pPr marL="285750" lvl="0" indent="-285750">
+              <a:buFont typeface="Arial" panose="020B0604020202020204" pitchFamily="34" charset="0"/>
+              <a:buChar char="•"/>
+            </a:pPr>
+            <a:endParaRPr lang="en-US" b="1" dirty="0"/>
+          </a:p>
+          <a:p>
+            <a:endParaRPr lang="en-US" dirty="0"/>
           </a:p>
         </p:txBody>
       </p:sp>
@@ -1939,7 +3219,7 @@
           <a:p>
             <a:fld id="{F04F93AA-2A77-4ACB-8117-F9E159C9069A}" type="slidenum">
               <a:rPr lang="en-US" smtClean="0"/>
-              <a:t>10</a:t>
+              <a:t>7</a:t>
             </a:fld>
             <a:endParaRPr lang="en-US"/>
           </a:p>
@@ -1948,7 +3228,7 @@
     </p:spTree>
     <p:extLst>
       <p:ext uri="{BB962C8B-B14F-4D97-AF65-F5344CB8AC3E}">
-        <p14:creationId xmlns:p14="http://schemas.microsoft.com/office/powerpoint/2010/main" val="736034999"/>
+        <p14:creationId xmlns:p14="http://schemas.microsoft.com/office/powerpoint/2010/main" val="3524343700"/>
       </p:ext>
     </p:extLst>
   </p:cSld>
@@ -2002,16 +3282,128 @@
           <a:bodyPr/>
           <a:lstStyle/>
           <a:p>
+            <a:pPr marL="171450" marR="0" lvl="0" indent="-171450" algn="l" defTabSz="914400" rtl="0" eaLnBrk="1" fontAlgn="auto" latinLnBrk="0" hangingPunct="1">
+              <a:lnSpc>
+                <a:spcPct val="100000"/>
+              </a:lnSpc>
+              <a:spcBef>
+                <a:spcPts val="0"/>
+              </a:spcBef>
+              <a:spcAft>
+                <a:spcPts val="0"/>
+              </a:spcAft>
+              <a:buClrTx/>
+              <a:buSzTx/>
+              <a:buFont typeface="Arial" panose="020B0604020202020204" pitchFamily="34" charset="0"/>
+              <a:buChar char="•"/>
+              <a:tabLst/>
+              <a:defRPr/>
+            </a:pPr>
             <a:r>
               <a:rPr lang="en-US" dirty="0"/>
-              <a:t>When looking at slide 5 data when looking at median home price how that has changed compared to the interest rate change my findings would be that average home owner that purchased in 2023 vs 2020 spent on average x amount more on a monthly –payment with 20%</a:t>
-            </a:r>
-          </a:p>
-          <a:p>
+              <a:t>During this period, Metro Nashville experienced continued population growth, while housing inventory remained constrained. This imbalance between demand and available housing helps explain why prices continued to rise despite fluctuations in sales volume.  Maybe talk about population increase in the speaker notes on this one</a:t>
+            </a:r>
+          </a:p>
+          <a:p>
+            <a:pPr marL="171450" marR="0" lvl="0" indent="-171450" algn="l" defTabSz="914400" rtl="0" eaLnBrk="1" fontAlgn="auto" latinLnBrk="0" hangingPunct="1">
+              <a:lnSpc>
+                <a:spcPct val="100000"/>
+              </a:lnSpc>
+              <a:spcBef>
+                <a:spcPts val="0"/>
+              </a:spcBef>
+              <a:spcAft>
+                <a:spcPts val="0"/>
+              </a:spcAft>
+              <a:buClrTx/>
+              <a:buSzTx/>
+              <a:buFont typeface="Arial" panose="020B0604020202020204" pitchFamily="34" charset="0"/>
+              <a:buChar char="•"/>
+              <a:tabLst/>
+              <a:defRPr/>
+            </a:pPr>
+            <a:endParaRPr lang="en-US" dirty="0"/>
+          </a:p>
+          <a:p>
+            <a:pPr marL="171450" indent="-171450">
+              <a:buFont typeface="Arial" panose="020B0604020202020204" pitchFamily="34" charset="0"/>
+              <a:buChar char="•"/>
+            </a:pPr>
             <a:r>
               <a:rPr lang="en-US" dirty="0"/>
-              <a:t> how the average payment would change</a:t>
-            </a:r>
+              <a:t>This slide shows changes in housing market conditions.</a:t>
+            </a:r>
+          </a:p>
+          <a:p>
+            <a:pPr marL="171450" indent="-171450">
+              <a:buFont typeface="Arial" panose="020B0604020202020204" pitchFamily="34" charset="0"/>
+              <a:buChar char="•"/>
+            </a:pPr>
+            <a:endParaRPr lang="en-US" dirty="0"/>
+          </a:p>
+          <a:p>
+            <a:pPr marL="171450" indent="-171450">
+              <a:buFont typeface="Arial" panose="020B0604020202020204" pitchFamily="34" charset="0"/>
+              <a:buChar char="•"/>
+            </a:pPr>
+            <a:r>
+              <a:rPr lang="en-US" dirty="0"/>
+              <a:t>Inventory declined sharply in 2021, tightening market conditions.</a:t>
+            </a:r>
+          </a:p>
+          <a:p>
+            <a:pPr marL="171450" indent="-171450">
+              <a:buFont typeface="Arial" panose="020B0604020202020204" pitchFamily="34" charset="0"/>
+              <a:buChar char="•"/>
+            </a:pPr>
+            <a:endParaRPr lang="en-US" dirty="0"/>
+          </a:p>
+          <a:p>
+            <a:pPr marL="171450" indent="-171450">
+              <a:buFont typeface="Arial" panose="020B0604020202020204" pitchFamily="34" charset="0"/>
+              <a:buChar char="•"/>
+            </a:pPr>
+            <a:r>
+              <a:rPr lang="en-US" dirty="0"/>
+              <a:t>Even as inventory partially recovered in later years, home sales continued to decline.</a:t>
+            </a:r>
+          </a:p>
+          <a:p>
+            <a:pPr marL="171450" indent="-171450">
+              <a:buFont typeface="Arial" panose="020B0604020202020204" pitchFamily="34" charset="0"/>
+              <a:buChar char="•"/>
+            </a:pPr>
+            <a:endParaRPr lang="en-US" dirty="0"/>
+          </a:p>
+          <a:p>
+            <a:pPr marL="171450" indent="-171450">
+              <a:buFont typeface="Arial" panose="020B0604020202020204" pitchFamily="34" charset="0"/>
+              <a:buChar char="•"/>
+            </a:pPr>
+            <a:r>
+              <a:rPr lang="en-US" dirty="0"/>
+              <a:t>Higher prices and rising mortgage rates reduced buyer activity, contributing to continued affordability challenges.</a:t>
+            </a:r>
+          </a:p>
+          <a:p>
+            <a:pPr marL="0" marR="0" lvl="0" indent="0" algn="l" defTabSz="914400" rtl="0" eaLnBrk="1" fontAlgn="auto" latinLnBrk="0" hangingPunct="1">
+              <a:lnSpc>
+                <a:spcPct val="100000"/>
+              </a:lnSpc>
+              <a:spcBef>
+                <a:spcPts val="0"/>
+              </a:spcBef>
+              <a:spcAft>
+                <a:spcPts val="0"/>
+              </a:spcAft>
+              <a:buClrTx/>
+              <a:buSzTx/>
+              <a:buFontTx/>
+              <a:buNone/>
+              <a:tabLst/>
+              <a:defRPr/>
+            </a:pPr>
+            <a:endParaRPr lang="en-US" dirty="0"/>
           </a:p>
           <a:p>
             <a:endParaRPr lang="en-US" dirty="0"/>
@@ -2035,7 +3427,7 @@
           <a:p>
             <a:fld id="{F04F93AA-2A77-4ACB-8117-F9E159C9069A}" type="slidenum">
               <a:rPr lang="en-US" smtClean="0"/>
-              <a:t>12</a:t>
+              <a:t>8</a:t>
             </a:fld>
             <a:endParaRPr lang="en-US"/>
           </a:p>
@@ -2044,7 +3436,7 @@
     </p:spTree>
     <p:extLst>
       <p:ext uri="{BB962C8B-B14F-4D97-AF65-F5344CB8AC3E}">
-        <p14:creationId xmlns:p14="http://schemas.microsoft.com/office/powerpoint/2010/main" val="540060381"/>
+        <p14:creationId xmlns:p14="http://schemas.microsoft.com/office/powerpoint/2010/main" val="2359422724"/>
       </p:ext>
     </p:extLst>
   </p:cSld>
@@ -2098,113 +3490,64 @@
           <a:bodyPr/>
           <a:lstStyle/>
           <a:p>
-            <a:r>
-              <a:rPr lang="en-US" b="1" dirty="0"/>
-              <a:t>Limitations &amp; Next Steps</a:t>
-            </a:r>
-          </a:p>
-          <a:p>
-            <a:r>
-              <a:rPr lang="en-US" b="1" dirty="0"/>
-              <a:t>Data &amp; Geographic Limitations</a:t>
-            </a:r>
-          </a:p>
-          <a:p>
+            <a:pPr marL="171450" indent="-171450">
+              <a:buFont typeface="Arial" panose="020B0604020202020204" pitchFamily="34" charset="0"/>
+              <a:buChar char="•"/>
+            </a:pPr>
             <a:r>
               <a:rPr lang="en-US" dirty="0"/>
-              <a:t>Defining the true boundaries of </a:t>
-            </a:r>
-            <a:r>
-              <a:rPr lang="en-US" b="1" dirty="0"/>
-              <a:t>Metro Nashville at the ZIP-code level</a:t>
-            </a:r>
+              <a:t>Mortgage interest rates remained historically low in 2020 and 2021.</a:t>
+            </a:r>
+          </a:p>
+          <a:p>
+            <a:pPr marL="171450" indent="-171450">
+              <a:buFont typeface="Arial" panose="020B0604020202020204" pitchFamily="34" charset="0"/>
+              <a:buChar char="•"/>
+            </a:pPr>
+            <a:endParaRPr lang="en-US" dirty="0"/>
+          </a:p>
+          <a:p>
+            <a:pPr marL="171450" indent="-171450">
+              <a:buFont typeface="Arial" panose="020B0604020202020204" pitchFamily="34" charset="0"/>
+              <a:buChar char="•"/>
+            </a:pPr>
             <a:r>
               <a:rPr lang="en-US" dirty="0"/>
-              <a:t> was challenging, as different data sources include different ZIP codes within the metro area.</a:t>
-            </a:r>
-          </a:p>
-          <a:p>
+              <a:t>Beginning in 2022, rates increased rapidly.</a:t>
+            </a:r>
+          </a:p>
+          <a:p>
+            <a:pPr marL="171450" indent="-171450">
+              <a:buFont typeface="Arial" panose="020B0604020202020204" pitchFamily="34" charset="0"/>
+              <a:buChar char="•"/>
+            </a:pPr>
+            <a:endParaRPr lang="en-US" dirty="0"/>
+          </a:p>
+          <a:p>
+            <a:pPr marL="171450" indent="-171450">
+              <a:buFont typeface="Arial" panose="020B0604020202020204" pitchFamily="34" charset="0"/>
+              <a:buChar char="•"/>
+            </a:pPr>
             <a:r>
               <a:rPr lang="en-US" dirty="0"/>
-              <a:t>Results may vary slightly depending on which ZIP codes are classified as part of the metro region.</a:t>
-            </a:r>
-          </a:p>
-          <a:p>
-            <a:br>
+              <a:t>These increases significantly raised monthly mortgage payments.</a:t>
+            </a:r>
+          </a:p>
+          <a:p>
+            <a:pPr marL="171450" indent="-171450">
+              <a:buFont typeface="Arial" panose="020B0604020202020204" pitchFamily="34" charset="0"/>
+              <a:buChar char="•"/>
+            </a:pPr>
+            <a:endParaRPr lang="en-US" dirty="0"/>
+          </a:p>
+          <a:p>
+            <a:pPr marL="171450" indent="-171450">
+              <a:buFont typeface="Arial" panose="020B0604020202020204" pitchFamily="34" charset="0"/>
+              <a:buChar char="•"/>
+            </a:pPr>
+            <a:r>
               <a:rPr lang="en-US" dirty="0"/>
-            </a:br>
-            <a:endParaRPr lang="en-US" dirty="0"/>
-          </a:p>
-          <a:p>
-            <a:r>
-              <a:rPr lang="en-US" b="1" dirty="0"/>
-              <a:t>Temporal Data Constraints</a:t>
-            </a:r>
-          </a:p>
-          <a:p>
-            <a:r>
-              <a:rPr lang="en-US" dirty="0"/>
-              <a:t>ZIP-code level Census income data were only consistently available for </a:t>
-            </a:r>
-            <a:r>
-              <a:rPr lang="en-US" b="1" dirty="0"/>
-              <a:t>2020–2023</a:t>
-            </a:r>
-            <a:r>
-              <a:rPr lang="en-US" dirty="0"/>
-              <a:t>, limiting the ability to analyze longer-term affordability trends at a granular level.</a:t>
-            </a:r>
-          </a:p>
-          <a:p>
-            <a:r>
-              <a:rPr lang="en-US" dirty="0"/>
-              <a:t>As a result, earlier affordability dynamics could not be examined at the ZIP-code scale.</a:t>
-            </a:r>
-          </a:p>
-          <a:p>
-            <a:br>
-              <a:rPr lang="en-US" dirty="0"/>
-            </a:br>
-            <a:endParaRPr lang="en-US" dirty="0"/>
-          </a:p>
-          <a:p>
-            <a:r>
-              <a:rPr lang="en-US" b="1" dirty="0"/>
-              <a:t>Future Research Opportunities</a:t>
-            </a:r>
-          </a:p>
-          <a:p>
-            <a:r>
-              <a:rPr lang="en-US" dirty="0"/>
-              <a:t>Expanding this analysis to cover the </a:t>
-            </a:r>
-            <a:r>
-              <a:rPr lang="en-US" b="1" dirty="0"/>
-              <a:t>past 10–20 years</a:t>
-            </a:r>
-            <a:r>
-              <a:rPr lang="en-US" dirty="0"/>
-              <a:t> would provide valuable insight into how affordability pressures have evolved over multiple housing cycles.</a:t>
-            </a:r>
-          </a:p>
-          <a:p>
-            <a:r>
-              <a:rPr lang="en-US" dirty="0"/>
-              <a:t>Incorporating additional geographic definitions (e.g., county or census tract level) could improve consistency and comparability across data sources.</a:t>
-            </a:r>
-          </a:p>
-          <a:p>
-            <a:r>
-              <a:rPr lang="en-US" dirty="0"/>
-              <a:t>Future work could also examine </a:t>
-            </a:r>
-            <a:r>
-              <a:rPr lang="en-US" b="1" dirty="0"/>
-              <a:t>demographic and tenure differences</a:t>
-            </a:r>
-            <a:r>
-              <a:rPr lang="en-US" dirty="0"/>
-              <a:t> to better understand who is most affected by rising housing costs.</a:t>
+              <a:t>Higher borrowing costs compounded affordability challenges created by rising home prices.</a:t>
             </a:r>
           </a:p>
           <a:p>
@@ -2229,7 +3572,7 @@
           <a:p>
             <a:fld id="{F04F93AA-2A77-4ACB-8117-F9E159C9069A}" type="slidenum">
               <a:rPr lang="en-US" smtClean="0"/>
-              <a:t>13</a:t>
+              <a:t>9</a:t>
             </a:fld>
             <a:endParaRPr lang="en-US"/>
           </a:p>
@@ -2238,7 +3581,7 @@
     </p:spTree>
     <p:extLst>
       <p:ext uri="{BB962C8B-B14F-4D97-AF65-F5344CB8AC3E}">
-        <p14:creationId xmlns:p14="http://schemas.microsoft.com/office/powerpoint/2010/main" val="433042271"/>
+        <p14:creationId xmlns:p14="http://schemas.microsoft.com/office/powerpoint/2010/main" val="418154648"/>
       </p:ext>
     </p:extLst>
   </p:cSld>
@@ -7080,7 +8423,7 @@
         <p:spPr>
           <a:xfrm>
             <a:off x="7079318" y="3002936"/>
-            <a:ext cx="4809067" cy="2308324"/>
+            <a:ext cx="4809067" cy="2031325"/>
           </a:xfrm>
           <a:prstGeom prst="rect">
             <a:avLst/>
@@ -7095,17 +8438,53 @@
           <a:p>
             <a:r>
               <a:rPr lang="en-US" dirty="0"/>
-              <a:t>As mortgage rates increased, the share of median household income required for mortgage payments rose sharply. By 2022, typical housing costs exceeded the 30% affordability threshold, pricing many median-income households out of affordable homeownership. Conditions worsened further in 2023.</a:t>
-            </a:r>
+              <a:t>As mortgage rates increased, the share of median household income required for mortgage payments rose sharply. By 2023, typical housing costs exceeded the 30% affordability threshold, reducing affordability for many median-income households under standard housing cost thresholds.</a:t>
+            </a:r>
+          </a:p>
+        </p:txBody>
+      </p:sp>
+      <p:sp>
+        <p:nvSpPr>
+          <p:cNvPr id="7" name="TextBox 6">
+            <a:extLst>
+              <a:ext uri="{FF2B5EF4-FFF2-40B4-BE49-F238E27FC236}">
+                <a16:creationId xmlns:a16="http://schemas.microsoft.com/office/drawing/2014/main" id="{A004F379-19A0-C0B8-020A-433A7D73BA73}"/>
+              </a:ext>
+            </a:extLst>
+          </p:cNvPr>
+          <p:cNvSpPr txBox="1"/>
+          <p:nvPr/>
+        </p:nvSpPr>
+        <p:spPr>
+          <a:xfrm>
+            <a:off x="247956" y="6537321"/>
+            <a:ext cx="4873450" cy="215444"/>
+          </a:xfrm>
+          <a:prstGeom prst="rect">
+            <a:avLst/>
+          </a:prstGeom>
+          <a:noFill/>
+        </p:spPr>
+        <p:txBody>
+          <a:bodyPr wrap="square" rtlCol="0">
+            <a:spAutoFit/>
+          </a:bodyPr>
+          <a:lstStyle/>
+          <a:p>
+            <a:r>
+              <a:rPr lang="en-US" sz="800" dirty="0"/>
+              <a:t>Sources: Metro Nashville Parcel Data, Redfin, U.S. Census ACS, FRED</a:t>
+            </a:r>
+            <a:endParaRPr lang="en-US" sz="800" i="1" dirty="0"/>
           </a:p>
         </p:txBody>
       </p:sp>
       <p:pic>
         <p:nvPicPr>
-          <p:cNvPr id="6" name="Picture 5" descr="A graph showing the growth of a mortgage payment&#10;&#10;AI-generated content may be incorrect.">
+          <p:cNvPr id="9" name="Picture 8" descr="A graph showing the growth of a number of income&#10;&#10;AI-generated content may be incorrect.">
             <a:extLst>
               <a:ext uri="{FF2B5EF4-FFF2-40B4-BE49-F238E27FC236}">
-                <a16:creationId xmlns:a16="http://schemas.microsoft.com/office/drawing/2014/main" id="{7C99DD9C-200C-6757-2144-D4A58CED240B}"/>
+                <a16:creationId xmlns:a16="http://schemas.microsoft.com/office/drawing/2014/main" id="{8F6C37E4-8365-E571-734E-2F260AAEE8F6}"/>
               </a:ext>
             </a:extLst>
           </p:cNvPr>
@@ -7128,8 +8507,8 @@
         </p:blipFill>
         <p:spPr>
           <a:xfrm>
-            <a:off x="601132" y="2184265"/>
-            <a:ext cx="6177619" cy="3945666"/>
+            <a:off x="669036" y="2102612"/>
+            <a:ext cx="5988322" cy="4087873"/>
           </a:xfrm>
           <a:prstGeom prst="rect">
             <a:avLst/>
@@ -7150,45 +8529,6 @@
           </a:effectLst>
         </p:spPr>
       </p:pic>
-      <p:sp>
-        <p:nvSpPr>
-          <p:cNvPr id="7" name="TextBox 6">
-            <a:extLst>
-              <a:ext uri="{FF2B5EF4-FFF2-40B4-BE49-F238E27FC236}">
-                <a16:creationId xmlns:a16="http://schemas.microsoft.com/office/drawing/2014/main" id="{A004F379-19A0-C0B8-020A-433A7D73BA73}"/>
-              </a:ext>
-            </a:extLst>
-          </p:cNvPr>
-          <p:cNvSpPr txBox="1"/>
-          <p:nvPr/>
-        </p:nvSpPr>
-        <p:spPr>
-          <a:xfrm>
-            <a:off x="70339" y="6569125"/>
-            <a:ext cx="4873450" cy="215444"/>
-          </a:xfrm>
-          <a:prstGeom prst="rect">
-            <a:avLst/>
-          </a:prstGeom>
-          <a:noFill/>
-        </p:spPr>
-        <p:txBody>
-          <a:bodyPr wrap="square" rtlCol="0">
-            <a:spAutoFit/>
-          </a:bodyPr>
-          <a:lstStyle/>
-          <a:p>
-            <a:r>
-              <a:rPr lang="en-US" sz="800" b="1" i="1" dirty="0"/>
-              <a:t>Source:</a:t>
-            </a:r>
-            <a:r>
-              <a:rPr lang="en-US" sz="800" i="1" dirty="0"/>
-              <a:t> Redfin Housing Market Data; U.S. Census Bureau, American Community Survey (ACS)</a:t>
-            </a:r>
-          </a:p>
-        </p:txBody>
-      </p:sp>
     </p:spTree>
     <p:extLst>
       <p:ext uri="{BB962C8B-B14F-4D97-AF65-F5344CB8AC3E}">
@@ -8039,7 +9379,7 @@
         <p:spPr>
           <a:xfrm>
             <a:off x="7321317" y="2379566"/>
-            <a:ext cx="4292600" cy="3416320"/>
+            <a:ext cx="4292600" cy="3693319"/>
           </a:xfrm>
           <a:prstGeom prst="rect">
             <a:avLst/>
@@ -8054,7 +9394,7 @@
           <a:p>
             <a:r>
               <a:rPr lang="en-US" dirty="0"/>
-              <a:t>Housing affordability changes were not evenly distributed across Metro Nashville. Between 2020 and 2023, several ZIP codes experienced significantly larger increases in price-to-income ratios, indicating more rapid affordability deterioration compared to other areas.</a:t>
+              <a:t>Housing affordability changes were not evenly distributed across Metro Nashville. Between 2020 and 2023, several ZIP codes experienced significantly larger increases in price-to-income ratios, indicating more rapid increases in affordability pressure compared to other ZIP codes.</a:t>
             </a:r>
           </a:p>
           <a:p>
@@ -8068,56 +9408,6 @@
           </a:p>
         </p:txBody>
       </p:sp>
-      <p:pic>
-        <p:nvPicPr>
-          <p:cNvPr id="6" name="Picture 5" descr="A graph of blue rectangular bars&#10;&#10;AI-generated content may be incorrect.">
-            <a:extLst>
-              <a:ext uri="{FF2B5EF4-FFF2-40B4-BE49-F238E27FC236}">
-                <a16:creationId xmlns:a16="http://schemas.microsoft.com/office/drawing/2014/main" id="{2504C8FC-6A5A-EEC5-4754-C9C6FE4A9504}"/>
-              </a:ext>
-            </a:extLst>
-          </p:cNvPr>
-          <p:cNvPicPr>
-            <a:picLocks noChangeAspect="1"/>
-          </p:cNvPicPr>
-          <p:nvPr/>
-        </p:nvPicPr>
-        <p:blipFill>
-          <a:blip r:embed="rId2">
-            <a:extLst>
-              <a:ext uri="{28A0092B-C50C-407E-A947-70E740481C1C}">
-                <a14:useLocalDpi xmlns:a14="http://schemas.microsoft.com/office/drawing/2010/main" val="0"/>
-              </a:ext>
-            </a:extLst>
-          </a:blip>
-          <a:stretch>
-            <a:fillRect/>
-          </a:stretch>
-        </p:blipFill>
-        <p:spPr>
-          <a:xfrm>
-            <a:off x="506110" y="2214778"/>
-            <a:ext cx="6467446" cy="3960337"/>
-          </a:xfrm>
-          <a:prstGeom prst="rect">
-            <a:avLst/>
-          </a:prstGeom>
-          <a:ln w="28575">
-            <a:solidFill>
-              <a:schemeClr val="bg2">
-                <a:lumMod val="25000"/>
-              </a:schemeClr>
-            </a:solidFill>
-          </a:ln>
-          <a:effectLst>
-            <a:outerShdw blurRad="63500" sx="102000" sy="102000" algn="ctr" rotWithShape="0">
-              <a:prstClr val="black">
-                <a:alpha val="40000"/>
-              </a:prstClr>
-            </a:outerShdw>
-          </a:effectLst>
-        </p:spPr>
-      </p:pic>
       <p:sp>
         <p:nvSpPr>
           <p:cNvPr id="7" name="TextBox 6">
@@ -8147,16 +9437,63 @@
           <a:lstStyle/>
           <a:p>
             <a:r>
-              <a:rPr lang="en-US" sz="800" b="1" i="1" dirty="0"/>
-              <a:t>Source:</a:t>
-            </a:r>
-            <a:r>
-              <a:rPr lang="en-US" sz="800" i="1" dirty="0"/>
-              <a:t> Redfin Housing Market Data; U.S. Census Bureau, American Community Survey (ACS)</a:t>
-            </a:r>
+              <a:rPr lang="en-US" sz="800" dirty="0"/>
+              <a:t>Sources: Metro Nashville Parcel Data, Redfin, U.S. Census ACS, FRED</a:t>
+            </a:r>
+            <a:endParaRPr lang="en-US" sz="800" i="1" dirty="0"/>
           </a:p>
         </p:txBody>
       </p:sp>
+      <p:pic>
+        <p:nvPicPr>
+          <p:cNvPr id="9" name="Picture 8" descr="A graph of blue rectangular bars&#10;&#10;AI-generated content may be incorrect.">
+            <a:extLst>
+              <a:ext uri="{FF2B5EF4-FFF2-40B4-BE49-F238E27FC236}">
+                <a16:creationId xmlns:a16="http://schemas.microsoft.com/office/drawing/2014/main" id="{8A92313F-2E06-5EDA-827C-5B06A85D5645}"/>
+              </a:ext>
+            </a:extLst>
+          </p:cNvPr>
+          <p:cNvPicPr>
+            <a:picLocks noChangeAspect="1"/>
+          </p:cNvPicPr>
+          <p:nvPr/>
+        </p:nvPicPr>
+        <p:blipFill>
+          <a:blip r:embed="rId3">
+            <a:extLst>
+              <a:ext uri="{28A0092B-C50C-407E-A947-70E740481C1C}">
+                <a14:useLocalDpi xmlns:a14="http://schemas.microsoft.com/office/drawing/2010/main" val="0"/>
+              </a:ext>
+            </a:extLst>
+          </a:blip>
+          <a:stretch>
+            <a:fillRect/>
+          </a:stretch>
+        </p:blipFill>
+        <p:spPr>
+          <a:xfrm>
+            <a:off x="669036" y="2055813"/>
+            <a:ext cx="6330400" cy="4147364"/>
+          </a:xfrm>
+          <a:prstGeom prst="rect">
+            <a:avLst/>
+          </a:prstGeom>
+          <a:ln w="28575">
+            <a:solidFill>
+              <a:schemeClr val="bg2">
+                <a:lumMod val="25000"/>
+              </a:schemeClr>
+            </a:solidFill>
+          </a:ln>
+          <a:effectLst>
+            <a:outerShdw blurRad="63500" sx="102000" sy="102000" algn="ctr" rotWithShape="0">
+              <a:prstClr val="black">
+                <a:alpha val="40000"/>
+              </a:prstClr>
+            </a:outerShdw>
+          </a:effectLst>
+        </p:spPr>
+      </p:pic>
     </p:spTree>
     <p:extLst>
       <p:ext uri="{BB962C8B-B14F-4D97-AF65-F5344CB8AC3E}">
@@ -9040,7 +10377,7 @@
             </a:r>
             <a:r>
               <a:rPr lang="en-US" sz="1600" b="1" dirty="0"/>
-              <a:t>41% between 2020 and 2023</a:t>
+              <a:t>37% between 2020 and 2023</a:t>
             </a:r>
             <a:r>
               <a:rPr lang="en-US" sz="1600" dirty="0"/>
@@ -9048,7 +10385,7 @@
             </a:r>
             <a:r>
               <a:rPr lang="en-US" sz="1600" b="1" dirty="0"/>
-              <a:t>22%</a:t>
+              <a:t>20%</a:t>
             </a:r>
             <a:r>
               <a:rPr lang="en-US" sz="1600" dirty="0"/>
@@ -9086,7 +10423,7 @@
             </a:r>
             <a:r>
               <a:rPr lang="en-US" sz="1600" b="1" dirty="0"/>
-              <a:t>4.7% in 2020 to a peak of 5.8% in 2022</a:t>
+              <a:t>4.3% in 2020 to a peak of 5% in 2022</a:t>
             </a:r>
             <a:r>
               <a:rPr lang="en-US" sz="1600" dirty="0"/>
@@ -11019,6 +12356,906 @@
 </p:sld>
 </file>
 
+<file path=ppt/slides/slide15.xml><?xml version="1.0" encoding="utf-8"?>
+<p:sld xmlns:a="http://schemas.openxmlformats.org/drawingml/2006/main" xmlns:r="http://schemas.openxmlformats.org/officeDocument/2006/relationships" xmlns:p="http://schemas.openxmlformats.org/presentationml/2006/main">
+  <p:cSld>
+    <p:bg>
+      <p:bgPr>
+        <a:solidFill>
+          <a:schemeClr val="bg1"/>
+        </a:solidFill>
+        <a:effectLst/>
+      </p:bgPr>
+    </p:bg>
+    <p:spTree>
+      <p:nvGrpSpPr>
+        <p:cNvPr id="1" name="">
+          <a:extLst>
+            <a:ext uri="{FF2B5EF4-FFF2-40B4-BE49-F238E27FC236}">
+              <a16:creationId xmlns:a16="http://schemas.microsoft.com/office/drawing/2014/main" id="{56129134-68B0-D803-EB90-6CBB36DBD5ED}"/>
+            </a:ext>
+          </a:extLst>
+        </p:cNvPr>
+        <p:cNvGrpSpPr/>
+        <p:nvPr/>
+      </p:nvGrpSpPr>
+      <p:grpSpPr>
+        <a:xfrm>
+          <a:off x="0" y="0"/>
+          <a:ext cx="0" cy="0"/>
+          <a:chOff x="0" y="0"/>
+          <a:chExt cx="0" cy="0"/>
+        </a:xfrm>
+      </p:grpSpPr>
+      <p:sp useBgFill="1">
+        <p:nvSpPr>
+          <p:cNvPr id="17" name="Rectangle 16">
+            <a:extLst>
+              <a:ext uri="{FF2B5EF4-FFF2-40B4-BE49-F238E27FC236}">
+                <a16:creationId xmlns:a16="http://schemas.microsoft.com/office/drawing/2014/main" id="{72F497DA-E1E0-88A0-E713-86FE6261C95E}"/>
+              </a:ext>
+              <a:ext uri="{C183D7F6-B498-43B3-948B-1728B52AA6E4}">
+                <adec:decorative xmlns:adec="http://schemas.microsoft.com/office/drawing/2017/decorative" val="1"/>
+              </a:ext>
+            </a:extLst>
+          </p:cNvPr>
+          <p:cNvSpPr>
+            <a:spLocks noGrp="1" noRot="1" noChangeAspect="1" noMove="1" noResize="1" noEditPoints="1" noAdjustHandles="1" noChangeArrowheads="1" noChangeShapeType="1" noTextEdit="1"/>
+          </p:cNvSpPr>
+          <p:nvPr>
+            <p:extLst>
+              <p:ext uri="{386F3935-93C4-4BCD-93E2-E3B085C9AB24}">
+                <p16:designElem xmlns:p16="http://schemas.microsoft.com/office/powerpoint/2015/main" val="1"/>
+              </p:ext>
+            </p:extLst>
+          </p:nvPr>
+        </p:nvSpPr>
+        <p:spPr>
+          <a:xfrm>
+            <a:off x="0" y="0"/>
+            <a:ext cx="12188952" cy="6858000"/>
+          </a:xfrm>
+          <a:prstGeom prst="rect">
+            <a:avLst/>
+          </a:prstGeom>
+          <a:ln>
+            <a:noFill/>
+          </a:ln>
+        </p:spPr>
+        <p:style>
+          <a:lnRef idx="2">
+            <a:schemeClr val="accent1">
+              <a:shade val="50000"/>
+            </a:schemeClr>
+          </a:lnRef>
+          <a:fillRef idx="1">
+            <a:schemeClr val="accent1"/>
+          </a:fillRef>
+          <a:effectRef idx="0">
+            <a:schemeClr val="accent1"/>
+          </a:effectRef>
+          <a:fontRef idx="minor">
+            <a:schemeClr val="lt1"/>
+          </a:fontRef>
+        </p:style>
+        <p:txBody>
+          <a:bodyPr rtlCol="0" anchor="ctr"/>
+          <a:lstStyle/>
+          <a:p>
+            <a:pPr marL="0" marR="0" lvl="0" indent="0" algn="ctr" defTabSz="914400" rtl="0" eaLnBrk="1" fontAlgn="auto" latinLnBrk="0" hangingPunct="1">
+              <a:lnSpc>
+                <a:spcPct val="100000"/>
+              </a:lnSpc>
+              <a:spcBef>
+                <a:spcPts val="0"/>
+              </a:spcBef>
+              <a:spcAft>
+                <a:spcPts val="0"/>
+              </a:spcAft>
+              <a:buClrTx/>
+              <a:buSzTx/>
+              <a:buFontTx/>
+              <a:buNone/>
+              <a:tabLst/>
+              <a:defRPr/>
+            </a:pPr>
+            <a:endParaRPr kumimoji="0" lang="en-US" sz="1800" b="0" i="0" u="none" strike="noStrike" kern="1200" cap="none" spc="0" normalizeH="0" baseline="0" noProof="0">
+              <a:ln>
+                <a:noFill/>
+              </a:ln>
+              <a:solidFill>
+                <a:prstClr val="white"/>
+              </a:solidFill>
+              <a:effectLst/>
+              <a:uLnTx/>
+              <a:uFillTx/>
+              <a:latin typeface="Aptos" panose="02110004020202020204"/>
+              <a:ea typeface="+mn-ea"/>
+              <a:cs typeface="+mn-cs"/>
+            </a:endParaRPr>
+          </a:p>
+        </p:txBody>
+      </p:sp>
+      <p:sp>
+        <p:nvSpPr>
+          <p:cNvPr id="2" name="Title 1">
+            <a:extLst>
+              <a:ext uri="{FF2B5EF4-FFF2-40B4-BE49-F238E27FC236}">
+                <a16:creationId xmlns:a16="http://schemas.microsoft.com/office/drawing/2014/main" id="{2822C743-1514-89D4-2DAD-3E9F08CB440F}"/>
+              </a:ext>
+            </a:extLst>
+          </p:cNvPr>
+          <p:cNvSpPr>
+            <a:spLocks noGrp="1"/>
+          </p:cNvSpPr>
+          <p:nvPr>
+            <p:ph type="title"/>
+          </p:nvPr>
+        </p:nvSpPr>
+        <p:spPr>
+          <a:xfrm>
+            <a:off x="838200" y="365125"/>
+            <a:ext cx="10515600" cy="1325563"/>
+          </a:xfrm>
+        </p:spPr>
+        <p:txBody>
+          <a:bodyPr>
+            <a:normAutofit/>
+          </a:bodyPr>
+          <a:lstStyle/>
+          <a:p>
+            <a:r>
+              <a:rPr lang="en-US" b="1" dirty="0"/>
+              <a:t>Q&amp;A</a:t>
+            </a:r>
+          </a:p>
+        </p:txBody>
+      </p:sp>
+      <p:sp>
+        <p:nvSpPr>
+          <p:cNvPr id="19" name="sketch line">
+            <a:extLst>
+              <a:ext uri="{FF2B5EF4-FFF2-40B4-BE49-F238E27FC236}">
+                <a16:creationId xmlns:a16="http://schemas.microsoft.com/office/drawing/2014/main" id="{F8977E18-51BF-1A23-DDB8-51F1B26BBC49}"/>
+              </a:ext>
+              <a:ext uri="{C183D7F6-B498-43B3-948B-1728B52AA6E4}">
+                <adec:decorative xmlns:adec="http://schemas.microsoft.com/office/drawing/2017/decorative" val="1"/>
+              </a:ext>
+            </a:extLst>
+          </p:cNvPr>
+          <p:cNvSpPr>
+            <a:spLocks noGrp="1" noRot="1" noChangeAspect="1" noMove="1" noResize="1" noEditPoints="1" noAdjustHandles="1" noChangeArrowheads="1" noChangeShapeType="1" noTextEdit="1"/>
+          </p:cNvSpPr>
+          <p:nvPr>
+            <p:extLst>
+              <p:ext uri="{386F3935-93C4-4BCD-93E2-E3B085C9AB24}">
+                <p16:designElem xmlns:p16="http://schemas.microsoft.com/office/powerpoint/2015/main" val="1"/>
+              </p:ext>
+            </p:extLst>
+          </p:nvPr>
+        </p:nvSpPr>
+        <p:spPr>
+          <a:xfrm>
+            <a:off x="669036" y="1677373"/>
+            <a:ext cx="10853928" cy="18288"/>
+          </a:xfrm>
+          <a:custGeom>
+            <a:avLst/>
+            <a:gdLst>
+              <a:gd name="csX0" fmla="*/ 0 w 10853928"/>
+              <a:gd name="csY0" fmla="*/ 0 h 18288"/>
+              <a:gd name="csX1" fmla="*/ 461292 w 10853928"/>
+              <a:gd name="csY1" fmla="*/ 0 h 18288"/>
+              <a:gd name="csX2" fmla="*/ 1139662 w 10853928"/>
+              <a:gd name="csY2" fmla="*/ 0 h 18288"/>
+              <a:gd name="csX3" fmla="*/ 1926572 w 10853928"/>
+              <a:gd name="csY3" fmla="*/ 0 h 18288"/>
+              <a:gd name="csX4" fmla="*/ 2279325 w 10853928"/>
+              <a:gd name="csY4" fmla="*/ 0 h 18288"/>
+              <a:gd name="csX5" fmla="*/ 2632078 w 10853928"/>
+              <a:gd name="csY5" fmla="*/ 0 h 18288"/>
+              <a:gd name="csX6" fmla="*/ 3527527 w 10853928"/>
+              <a:gd name="csY6" fmla="*/ 0 h 18288"/>
+              <a:gd name="csX7" fmla="*/ 4205897 w 10853928"/>
+              <a:gd name="csY7" fmla="*/ 0 h 18288"/>
+              <a:gd name="csX8" fmla="*/ 4558650 w 10853928"/>
+              <a:gd name="csY8" fmla="*/ 0 h 18288"/>
+              <a:gd name="csX9" fmla="*/ 5237020 w 10853928"/>
+              <a:gd name="csY9" fmla="*/ 0 h 18288"/>
+              <a:gd name="csX10" fmla="*/ 6132469 w 10853928"/>
+              <a:gd name="csY10" fmla="*/ 0 h 18288"/>
+              <a:gd name="csX11" fmla="*/ 6702301 w 10853928"/>
+              <a:gd name="csY11" fmla="*/ 0 h 18288"/>
+              <a:gd name="csX12" fmla="*/ 7272132 w 10853928"/>
+              <a:gd name="csY12" fmla="*/ 0 h 18288"/>
+              <a:gd name="csX13" fmla="*/ 7950502 w 10853928"/>
+              <a:gd name="csY13" fmla="*/ 0 h 18288"/>
+              <a:gd name="csX14" fmla="*/ 8737412 w 10853928"/>
+              <a:gd name="csY14" fmla="*/ 0 h 18288"/>
+              <a:gd name="csX15" fmla="*/ 9524322 w 10853928"/>
+              <a:gd name="csY15" fmla="*/ 0 h 18288"/>
+              <a:gd name="csX16" fmla="*/ 10853928 w 10853928"/>
+              <a:gd name="csY16" fmla="*/ 0 h 18288"/>
+              <a:gd name="csX17" fmla="*/ 10853928 w 10853928"/>
+              <a:gd name="csY17" fmla="*/ 18288 h 18288"/>
+              <a:gd name="csX18" fmla="*/ 10392636 w 10853928"/>
+              <a:gd name="csY18" fmla="*/ 18288 h 18288"/>
+              <a:gd name="csX19" fmla="*/ 9497187 w 10853928"/>
+              <a:gd name="csY19" fmla="*/ 18288 h 18288"/>
+              <a:gd name="csX20" fmla="*/ 8818817 w 10853928"/>
+              <a:gd name="csY20" fmla="*/ 18288 h 18288"/>
+              <a:gd name="csX21" fmla="*/ 8466064 w 10853928"/>
+              <a:gd name="csY21" fmla="*/ 18288 h 18288"/>
+              <a:gd name="csX22" fmla="*/ 7787693 w 10853928"/>
+              <a:gd name="csY22" fmla="*/ 18288 h 18288"/>
+              <a:gd name="csX23" fmla="*/ 7217862 w 10853928"/>
+              <a:gd name="csY23" fmla="*/ 18288 h 18288"/>
+              <a:gd name="csX24" fmla="*/ 6648031 w 10853928"/>
+              <a:gd name="csY24" fmla="*/ 18288 h 18288"/>
+              <a:gd name="csX25" fmla="*/ 6078200 w 10853928"/>
+              <a:gd name="csY25" fmla="*/ 18288 h 18288"/>
+              <a:gd name="csX26" fmla="*/ 5508368 w 10853928"/>
+              <a:gd name="csY26" fmla="*/ 18288 h 18288"/>
+              <a:gd name="csX27" fmla="*/ 4721459 w 10853928"/>
+              <a:gd name="csY27" fmla="*/ 18288 h 18288"/>
+              <a:gd name="csX28" fmla="*/ 4043088 w 10853928"/>
+              <a:gd name="csY28" fmla="*/ 18288 h 18288"/>
+              <a:gd name="csX29" fmla="*/ 3690336 w 10853928"/>
+              <a:gd name="csY29" fmla="*/ 18288 h 18288"/>
+              <a:gd name="csX30" fmla="*/ 3120504 w 10853928"/>
+              <a:gd name="csY30" fmla="*/ 18288 h 18288"/>
+              <a:gd name="csX31" fmla="*/ 2333595 w 10853928"/>
+              <a:gd name="csY31" fmla="*/ 18288 h 18288"/>
+              <a:gd name="csX32" fmla="*/ 1872303 w 10853928"/>
+              <a:gd name="csY32" fmla="*/ 18288 h 18288"/>
+              <a:gd name="csX33" fmla="*/ 976854 w 10853928"/>
+              <a:gd name="csY33" fmla="*/ 18288 h 18288"/>
+              <a:gd name="csX34" fmla="*/ 0 w 10853928"/>
+              <a:gd name="csY34" fmla="*/ 18288 h 18288"/>
+              <a:gd name="csX35" fmla="*/ 0 w 10853928"/>
+              <a:gd name="csY35" fmla="*/ 0 h 18288"/>
+            </a:gdLst>
+            <a:ahLst/>
+            <a:cxnLst>
+              <a:cxn ang="0">
+                <a:pos x="csX0" y="csY0"/>
+              </a:cxn>
+              <a:cxn ang="0">
+                <a:pos x="csX1" y="csY1"/>
+              </a:cxn>
+              <a:cxn ang="0">
+                <a:pos x="csX2" y="csY2"/>
+              </a:cxn>
+              <a:cxn ang="0">
+                <a:pos x="csX3" y="csY3"/>
+              </a:cxn>
+              <a:cxn ang="0">
+                <a:pos x="csX4" y="csY4"/>
+              </a:cxn>
+              <a:cxn ang="0">
+                <a:pos x="csX5" y="csY5"/>
+              </a:cxn>
+              <a:cxn ang="0">
+                <a:pos x="csX6" y="csY6"/>
+              </a:cxn>
+              <a:cxn ang="0">
+                <a:pos x="csX7" y="csY7"/>
+              </a:cxn>
+              <a:cxn ang="0">
+                <a:pos x="csX8" y="csY8"/>
+              </a:cxn>
+              <a:cxn ang="0">
+                <a:pos x="csX9" y="csY9"/>
+              </a:cxn>
+              <a:cxn ang="0">
+                <a:pos x="csX10" y="csY10"/>
+              </a:cxn>
+              <a:cxn ang="0">
+                <a:pos x="csX11" y="csY11"/>
+              </a:cxn>
+              <a:cxn ang="0">
+                <a:pos x="csX12" y="csY12"/>
+              </a:cxn>
+              <a:cxn ang="0">
+                <a:pos x="csX13" y="csY13"/>
+              </a:cxn>
+              <a:cxn ang="0">
+                <a:pos x="csX14" y="csY14"/>
+              </a:cxn>
+              <a:cxn ang="0">
+                <a:pos x="csX15" y="csY15"/>
+              </a:cxn>
+              <a:cxn ang="0">
+                <a:pos x="csX16" y="csY16"/>
+              </a:cxn>
+              <a:cxn ang="0">
+                <a:pos x="csX17" y="csY17"/>
+              </a:cxn>
+              <a:cxn ang="0">
+                <a:pos x="csX18" y="csY18"/>
+              </a:cxn>
+              <a:cxn ang="0">
+                <a:pos x="csX19" y="csY19"/>
+              </a:cxn>
+              <a:cxn ang="0">
+                <a:pos x="csX20" y="csY20"/>
+              </a:cxn>
+              <a:cxn ang="0">
+                <a:pos x="csX21" y="csY21"/>
+              </a:cxn>
+              <a:cxn ang="0">
+                <a:pos x="csX22" y="csY22"/>
+              </a:cxn>
+              <a:cxn ang="0">
+                <a:pos x="csX23" y="csY23"/>
+              </a:cxn>
+              <a:cxn ang="0">
+                <a:pos x="csX24" y="csY24"/>
+              </a:cxn>
+              <a:cxn ang="0">
+                <a:pos x="csX25" y="csY25"/>
+              </a:cxn>
+              <a:cxn ang="0">
+                <a:pos x="csX26" y="csY26"/>
+              </a:cxn>
+              <a:cxn ang="0">
+                <a:pos x="csX27" y="csY27"/>
+              </a:cxn>
+              <a:cxn ang="0">
+                <a:pos x="csX28" y="csY28"/>
+              </a:cxn>
+              <a:cxn ang="0">
+                <a:pos x="csX29" y="csY29"/>
+              </a:cxn>
+              <a:cxn ang="0">
+                <a:pos x="csX30" y="csY30"/>
+              </a:cxn>
+              <a:cxn ang="0">
+                <a:pos x="csX31" y="csY31"/>
+              </a:cxn>
+              <a:cxn ang="0">
+                <a:pos x="csX32" y="csY32"/>
+              </a:cxn>
+              <a:cxn ang="0">
+                <a:pos x="csX33" y="csY33"/>
+              </a:cxn>
+              <a:cxn ang="0">
+                <a:pos x="csX34" y="csY34"/>
+              </a:cxn>
+              <a:cxn ang="0">
+                <a:pos x="csX35" y="csY35"/>
+              </a:cxn>
+            </a:cxnLst>
+            <a:rect l="l" t="t" r="r" b="b"/>
+            <a:pathLst>
+              <a:path w="10853928" h="18288" fill="none" extrusionOk="0">
+                <a:moveTo>
+                  <a:pt x="0" y="0"/>
+                </a:moveTo>
+                <a:cubicBezTo>
+                  <a:pt x="146993" y="-19076"/>
+                  <a:pt x="347684" y="-4790"/>
+                  <a:pt x="461292" y="0"/>
+                </a:cubicBezTo>
+                <a:cubicBezTo>
+                  <a:pt x="574900" y="4790"/>
+                  <a:pt x="808367" y="19821"/>
+                  <a:pt x="1139662" y="0"/>
+                </a:cubicBezTo>
+                <a:cubicBezTo>
+                  <a:pt x="1470957" y="-19821"/>
+                  <a:pt x="1627405" y="5721"/>
+                  <a:pt x="1926572" y="0"/>
+                </a:cubicBezTo>
+                <a:cubicBezTo>
+                  <a:pt x="2225739" y="-5721"/>
+                  <a:pt x="2137730" y="-3235"/>
+                  <a:pt x="2279325" y="0"/>
+                </a:cubicBezTo>
+                <a:cubicBezTo>
+                  <a:pt x="2420920" y="3235"/>
+                  <a:pt x="2456518" y="9685"/>
+                  <a:pt x="2632078" y="0"/>
+                </a:cubicBezTo>
+                <a:cubicBezTo>
+                  <a:pt x="2807638" y="-9685"/>
+                  <a:pt x="3211516" y="-43007"/>
+                  <a:pt x="3527527" y="0"/>
+                </a:cubicBezTo>
+                <a:cubicBezTo>
+                  <a:pt x="3843538" y="43007"/>
+                  <a:pt x="4058833" y="22042"/>
+                  <a:pt x="4205897" y="0"/>
+                </a:cubicBezTo>
+                <a:cubicBezTo>
+                  <a:pt x="4352961" y="-22042"/>
+                  <a:pt x="4474805" y="-11846"/>
+                  <a:pt x="4558650" y="0"/>
+                </a:cubicBezTo>
+                <a:cubicBezTo>
+                  <a:pt x="4642495" y="11846"/>
+                  <a:pt x="5041928" y="-6069"/>
+                  <a:pt x="5237020" y="0"/>
+                </a:cubicBezTo>
+                <a:cubicBezTo>
+                  <a:pt x="5432112" y="6069"/>
+                  <a:pt x="5943266" y="-17479"/>
+                  <a:pt x="6132469" y="0"/>
+                </a:cubicBezTo>
+                <a:cubicBezTo>
+                  <a:pt x="6321672" y="17479"/>
+                  <a:pt x="6483872" y="26234"/>
+                  <a:pt x="6702301" y="0"/>
+                </a:cubicBezTo>
+                <a:cubicBezTo>
+                  <a:pt x="6920730" y="-26234"/>
+                  <a:pt x="6991194" y="-15156"/>
+                  <a:pt x="7272132" y="0"/>
+                </a:cubicBezTo>
+                <a:cubicBezTo>
+                  <a:pt x="7553070" y="15156"/>
+                  <a:pt x="7684444" y="-32961"/>
+                  <a:pt x="7950502" y="0"/>
+                </a:cubicBezTo>
+                <a:cubicBezTo>
+                  <a:pt x="8216560" y="32961"/>
+                  <a:pt x="8493290" y="-10491"/>
+                  <a:pt x="8737412" y="0"/>
+                </a:cubicBezTo>
+                <a:cubicBezTo>
+                  <a:pt x="8981534" y="10491"/>
+                  <a:pt x="9191586" y="-13899"/>
+                  <a:pt x="9524322" y="0"/>
+                </a:cubicBezTo>
+                <a:cubicBezTo>
+                  <a:pt x="9857058" y="13899"/>
+                  <a:pt x="10297509" y="7485"/>
+                  <a:pt x="10853928" y="0"/>
+                </a:cubicBezTo>
+                <a:cubicBezTo>
+                  <a:pt x="10854574" y="4451"/>
+                  <a:pt x="10854418" y="9226"/>
+                  <a:pt x="10853928" y="18288"/>
+                </a:cubicBezTo>
+                <a:cubicBezTo>
+                  <a:pt x="10691638" y="28522"/>
+                  <a:pt x="10574319" y="29578"/>
+                  <a:pt x="10392636" y="18288"/>
+                </a:cubicBezTo>
+                <a:cubicBezTo>
+                  <a:pt x="10210953" y="6998"/>
+                  <a:pt x="9836277" y="-16742"/>
+                  <a:pt x="9497187" y="18288"/>
+                </a:cubicBezTo>
+                <a:cubicBezTo>
+                  <a:pt x="9158097" y="53318"/>
+                  <a:pt x="9119479" y="30714"/>
+                  <a:pt x="8818817" y="18288"/>
+                </a:cubicBezTo>
+                <a:cubicBezTo>
+                  <a:pt x="8518155" y="5863"/>
+                  <a:pt x="8640037" y="6483"/>
+                  <a:pt x="8466064" y="18288"/>
+                </a:cubicBezTo>
+                <a:cubicBezTo>
+                  <a:pt x="8292091" y="30093"/>
+                  <a:pt x="7997656" y="18914"/>
+                  <a:pt x="7787693" y="18288"/>
+                </a:cubicBezTo>
+                <a:cubicBezTo>
+                  <a:pt x="7577730" y="17662"/>
+                  <a:pt x="7412468" y="21416"/>
+                  <a:pt x="7217862" y="18288"/>
+                </a:cubicBezTo>
+                <a:cubicBezTo>
+                  <a:pt x="7023256" y="15160"/>
+                  <a:pt x="6898018" y="14824"/>
+                  <a:pt x="6648031" y="18288"/>
+                </a:cubicBezTo>
+                <a:cubicBezTo>
+                  <a:pt x="6398044" y="21752"/>
+                  <a:pt x="6254402" y="38625"/>
+                  <a:pt x="6078200" y="18288"/>
+                </a:cubicBezTo>
+                <a:cubicBezTo>
+                  <a:pt x="5901998" y="-2049"/>
+                  <a:pt x="5622886" y="3213"/>
+                  <a:pt x="5508368" y="18288"/>
+                </a:cubicBezTo>
+                <a:cubicBezTo>
+                  <a:pt x="5393850" y="33363"/>
+                  <a:pt x="5036260" y="26830"/>
+                  <a:pt x="4721459" y="18288"/>
+                </a:cubicBezTo>
+                <a:cubicBezTo>
+                  <a:pt x="4406658" y="9746"/>
+                  <a:pt x="4239221" y="41551"/>
+                  <a:pt x="4043088" y="18288"/>
+                </a:cubicBezTo>
+                <a:cubicBezTo>
+                  <a:pt x="3846955" y="-4975"/>
+                  <a:pt x="3818802" y="34658"/>
+                  <a:pt x="3690336" y="18288"/>
+                </a:cubicBezTo>
+                <a:cubicBezTo>
+                  <a:pt x="3561870" y="1918"/>
+                  <a:pt x="3265491" y="42194"/>
+                  <a:pt x="3120504" y="18288"/>
+                </a:cubicBezTo>
+                <a:cubicBezTo>
+                  <a:pt x="2975517" y="-5618"/>
+                  <a:pt x="2720254" y="36673"/>
+                  <a:pt x="2333595" y="18288"/>
+                </a:cubicBezTo>
+                <a:cubicBezTo>
+                  <a:pt x="1946936" y="-97"/>
+                  <a:pt x="2097241" y="5776"/>
+                  <a:pt x="1872303" y="18288"/>
+                </a:cubicBezTo>
+                <a:cubicBezTo>
+                  <a:pt x="1647365" y="30800"/>
+                  <a:pt x="1282708" y="45380"/>
+                  <a:pt x="976854" y="18288"/>
+                </a:cubicBezTo>
+                <a:cubicBezTo>
+                  <a:pt x="671000" y="-8804"/>
+                  <a:pt x="408401" y="-12775"/>
+                  <a:pt x="0" y="18288"/>
+                </a:cubicBezTo>
+                <a:cubicBezTo>
+                  <a:pt x="-213" y="9468"/>
+                  <a:pt x="187" y="4459"/>
+                  <a:pt x="0" y="0"/>
+                </a:cubicBezTo>
+                <a:close/>
+              </a:path>
+              <a:path w="10853928" h="18288" stroke="0" extrusionOk="0">
+                <a:moveTo>
+                  <a:pt x="0" y="0"/>
+                </a:moveTo>
+                <a:cubicBezTo>
+                  <a:pt x="267322" y="15284"/>
+                  <a:pt x="415388" y="-21048"/>
+                  <a:pt x="569831" y="0"/>
+                </a:cubicBezTo>
+                <a:cubicBezTo>
+                  <a:pt x="724274" y="21048"/>
+                  <a:pt x="769333" y="-2353"/>
+                  <a:pt x="922584" y="0"/>
+                </a:cubicBezTo>
+                <a:cubicBezTo>
+                  <a:pt x="1075835" y="2353"/>
+                  <a:pt x="1399490" y="-145"/>
+                  <a:pt x="1818033" y="0"/>
+                </a:cubicBezTo>
+                <a:cubicBezTo>
+                  <a:pt x="2236576" y="145"/>
+                  <a:pt x="2145330" y="5482"/>
+                  <a:pt x="2387864" y="0"/>
+                </a:cubicBezTo>
+                <a:cubicBezTo>
+                  <a:pt x="2630398" y="-5482"/>
+                  <a:pt x="2793207" y="18487"/>
+                  <a:pt x="2957695" y="0"/>
+                </a:cubicBezTo>
+                <a:cubicBezTo>
+                  <a:pt x="3122183" y="-18487"/>
+                  <a:pt x="3579141" y="19003"/>
+                  <a:pt x="3853144" y="0"/>
+                </a:cubicBezTo>
+                <a:cubicBezTo>
+                  <a:pt x="4127147" y="-19003"/>
+                  <a:pt x="4209857" y="12211"/>
+                  <a:pt x="4314436" y="0"/>
+                </a:cubicBezTo>
+                <a:cubicBezTo>
+                  <a:pt x="4419015" y="-12211"/>
+                  <a:pt x="4762459" y="-17220"/>
+                  <a:pt x="5209885" y="0"/>
+                </a:cubicBezTo>
+                <a:cubicBezTo>
+                  <a:pt x="5657311" y="17220"/>
+                  <a:pt x="5692663" y="-3290"/>
+                  <a:pt x="6105335" y="0"/>
+                </a:cubicBezTo>
+                <a:cubicBezTo>
+                  <a:pt x="6518007" y="3290"/>
+                  <a:pt x="6455516" y="-5124"/>
+                  <a:pt x="6783705" y="0"/>
+                </a:cubicBezTo>
+                <a:cubicBezTo>
+                  <a:pt x="7111894" y="5124"/>
+                  <a:pt x="7441941" y="-17829"/>
+                  <a:pt x="7679154" y="0"/>
+                </a:cubicBezTo>
+                <a:cubicBezTo>
+                  <a:pt x="7916367" y="17829"/>
+                  <a:pt x="8102967" y="-24363"/>
+                  <a:pt x="8248985" y="0"/>
+                </a:cubicBezTo>
+                <a:cubicBezTo>
+                  <a:pt x="8395003" y="24363"/>
+                  <a:pt x="8552393" y="25505"/>
+                  <a:pt x="8818817" y="0"/>
+                </a:cubicBezTo>
+                <a:cubicBezTo>
+                  <a:pt x="9085241" y="-25505"/>
+                  <a:pt x="9411308" y="38000"/>
+                  <a:pt x="9605726" y="0"/>
+                </a:cubicBezTo>
+                <a:cubicBezTo>
+                  <a:pt x="9800144" y="-38000"/>
+                  <a:pt x="10006468" y="-25741"/>
+                  <a:pt x="10175558" y="0"/>
+                </a:cubicBezTo>
+                <a:cubicBezTo>
+                  <a:pt x="10344648" y="25741"/>
+                  <a:pt x="10696282" y="695"/>
+                  <a:pt x="10853928" y="0"/>
+                </a:cubicBezTo>
+                <a:cubicBezTo>
+                  <a:pt x="10853521" y="8690"/>
+                  <a:pt x="10853774" y="14141"/>
+                  <a:pt x="10853928" y="18288"/>
+                </a:cubicBezTo>
+                <a:cubicBezTo>
+                  <a:pt x="10608124" y="24255"/>
+                  <a:pt x="10343415" y="22307"/>
+                  <a:pt x="10067018" y="18288"/>
+                </a:cubicBezTo>
+                <a:cubicBezTo>
+                  <a:pt x="9790621" y="14270"/>
+                  <a:pt x="9843266" y="3564"/>
+                  <a:pt x="9714266" y="18288"/>
+                </a:cubicBezTo>
+                <a:cubicBezTo>
+                  <a:pt x="9585266" y="33012"/>
+                  <a:pt x="9379484" y="1875"/>
+                  <a:pt x="9252974" y="18288"/>
+                </a:cubicBezTo>
+                <a:cubicBezTo>
+                  <a:pt x="9126464" y="34701"/>
+                  <a:pt x="8580678" y="-4904"/>
+                  <a:pt x="8357525" y="18288"/>
+                </a:cubicBezTo>
+                <a:cubicBezTo>
+                  <a:pt x="8134372" y="41480"/>
+                  <a:pt x="7903199" y="26458"/>
+                  <a:pt x="7679154" y="18288"/>
+                </a:cubicBezTo>
+                <a:cubicBezTo>
+                  <a:pt x="7455109" y="10118"/>
+                  <a:pt x="7435944" y="27109"/>
+                  <a:pt x="7217862" y="18288"/>
+                </a:cubicBezTo>
+                <a:cubicBezTo>
+                  <a:pt x="6999780" y="9467"/>
+                  <a:pt x="6680409" y="18985"/>
+                  <a:pt x="6539492" y="18288"/>
+                </a:cubicBezTo>
+                <a:cubicBezTo>
+                  <a:pt x="6398575" y="17592"/>
+                  <a:pt x="6312077" y="33018"/>
+                  <a:pt x="6186739" y="18288"/>
+                </a:cubicBezTo>
+                <a:cubicBezTo>
+                  <a:pt x="6061401" y="3558"/>
+                  <a:pt x="5947033" y="12075"/>
+                  <a:pt x="5833986" y="18288"/>
+                </a:cubicBezTo>
+                <a:cubicBezTo>
+                  <a:pt x="5720939" y="24501"/>
+                  <a:pt x="5482226" y="8586"/>
+                  <a:pt x="5155616" y="18288"/>
+                </a:cubicBezTo>
+                <a:cubicBezTo>
+                  <a:pt x="4829006" y="27991"/>
+                  <a:pt x="4841274" y="29316"/>
+                  <a:pt x="4694324" y="18288"/>
+                </a:cubicBezTo>
+                <a:cubicBezTo>
+                  <a:pt x="4547374" y="7260"/>
+                  <a:pt x="4077675" y="7013"/>
+                  <a:pt x="3907414" y="18288"/>
+                </a:cubicBezTo>
+                <a:cubicBezTo>
+                  <a:pt x="3737153" y="29564"/>
+                  <a:pt x="3538393" y="21630"/>
+                  <a:pt x="3446122" y="18288"/>
+                </a:cubicBezTo>
+                <a:cubicBezTo>
+                  <a:pt x="3353851" y="14946"/>
+                  <a:pt x="2990320" y="-8091"/>
+                  <a:pt x="2659212" y="18288"/>
+                </a:cubicBezTo>
+                <a:cubicBezTo>
+                  <a:pt x="2328104" y="44667"/>
+                  <a:pt x="2427653" y="9607"/>
+                  <a:pt x="2306460" y="18288"/>
+                </a:cubicBezTo>
+                <a:cubicBezTo>
+                  <a:pt x="2185267" y="26969"/>
+                  <a:pt x="1719763" y="3717"/>
+                  <a:pt x="1519550" y="18288"/>
+                </a:cubicBezTo>
+                <a:cubicBezTo>
+                  <a:pt x="1319337" y="32860"/>
+                  <a:pt x="1167371" y="17040"/>
+                  <a:pt x="1058258" y="18288"/>
+                </a:cubicBezTo>
+                <a:cubicBezTo>
+                  <a:pt x="949145" y="19536"/>
+                  <a:pt x="780234" y="31447"/>
+                  <a:pt x="705505" y="18288"/>
+                </a:cubicBezTo>
+                <a:cubicBezTo>
+                  <a:pt x="630776" y="5129"/>
+                  <a:pt x="215796" y="30056"/>
+                  <a:pt x="0" y="18288"/>
+                </a:cubicBezTo>
+                <a:cubicBezTo>
+                  <a:pt x="-53" y="11301"/>
+                  <a:pt x="-649" y="7756"/>
+                  <a:pt x="0" y="0"/>
+                </a:cubicBezTo>
+                <a:close/>
+              </a:path>
+            </a:pathLst>
+          </a:custGeom>
+          <a:solidFill>
+            <a:schemeClr val="accent2"/>
+          </a:solidFill>
+          <a:ln w="41275" cap="rnd">
+            <a:solidFill>
+              <a:schemeClr val="accent2"/>
+            </a:solidFill>
+            <a:round/>
+            <a:extLst>
+              <a:ext uri="{C807C97D-BFC1-408E-A445-0C87EB9F89A2}">
+                <ask:lineSketchStyleProps xmlns:ask="http://schemas.microsoft.com/office/drawing/2018/sketchyshapes" sd="1219033472">
+                  <a:prstGeom prst="rect">
+                    <a:avLst/>
+                  </a:prstGeom>
+                  <ask:type>
+                    <ask:lineSketchFreehand/>
+                  </ask:type>
+                </ask:lineSketchStyleProps>
+              </a:ext>
+            </a:extLst>
+          </a:ln>
+        </p:spPr>
+        <p:style>
+          <a:lnRef idx="2">
+            <a:schemeClr val="accent1">
+              <a:shade val="50000"/>
+            </a:schemeClr>
+          </a:lnRef>
+          <a:fillRef idx="1">
+            <a:schemeClr val="accent1"/>
+          </a:fillRef>
+          <a:effectRef idx="0">
+            <a:schemeClr val="accent1"/>
+          </a:effectRef>
+          <a:fontRef idx="minor">
+            <a:schemeClr val="lt1"/>
+          </a:fontRef>
+        </p:style>
+        <p:txBody>
+          <a:bodyPr rtlCol="0" anchor="ctr"/>
+          <a:lstStyle/>
+          <a:p>
+            <a:pPr marL="0" marR="0" lvl="0" indent="0" algn="ctr" defTabSz="914400" rtl="0" eaLnBrk="1" fontAlgn="auto" latinLnBrk="0" hangingPunct="1">
+              <a:lnSpc>
+                <a:spcPct val="100000"/>
+              </a:lnSpc>
+              <a:spcBef>
+                <a:spcPts val="0"/>
+              </a:spcBef>
+              <a:spcAft>
+                <a:spcPts val="0"/>
+              </a:spcAft>
+              <a:buClrTx/>
+              <a:buSzTx/>
+              <a:buFontTx/>
+              <a:buNone/>
+              <a:tabLst/>
+              <a:defRPr/>
+            </a:pPr>
+            <a:endParaRPr kumimoji="0" lang="en-US" sz="1800" b="0" i="0" u="none" strike="noStrike" kern="1200" cap="none" spc="0" normalizeH="0" baseline="0" noProof="0">
+              <a:ln>
+                <a:noFill/>
+              </a:ln>
+              <a:solidFill>
+                <a:prstClr val="white"/>
+              </a:solidFill>
+              <a:effectLst/>
+              <a:uLnTx/>
+              <a:uFillTx/>
+              <a:latin typeface="Aptos" panose="02110004020202020204"/>
+              <a:ea typeface="+mn-ea"/>
+              <a:cs typeface="+mn-cs"/>
+            </a:endParaRPr>
+          </a:p>
+        </p:txBody>
+      </p:sp>
+      <p:sp>
+        <p:nvSpPr>
+          <p:cNvPr id="3" name="TextBox 2">
+            <a:extLst>
+              <a:ext uri="{FF2B5EF4-FFF2-40B4-BE49-F238E27FC236}">
+                <a16:creationId xmlns:a16="http://schemas.microsoft.com/office/drawing/2014/main" id="{717DC6DB-FFF7-A177-A3E3-A53D84FD998F}"/>
+              </a:ext>
+            </a:extLst>
+          </p:cNvPr>
+          <p:cNvSpPr txBox="1"/>
+          <p:nvPr/>
+        </p:nvSpPr>
+        <p:spPr>
+          <a:xfrm>
+            <a:off x="4382000" y="2967335"/>
+            <a:ext cx="3424952" cy="923330"/>
+          </a:xfrm>
+          <a:prstGeom prst="rect">
+            <a:avLst/>
+          </a:prstGeom>
+          <a:noFill/>
+        </p:spPr>
+        <p:txBody>
+          <a:bodyPr wrap="square" rtlCol="0">
+            <a:spAutoFit/>
+          </a:bodyPr>
+          <a:lstStyle/>
+          <a:p>
+            <a:pPr marL="0" marR="0" lvl="0" indent="0" algn="l" defTabSz="914400" rtl="0" eaLnBrk="1" fontAlgn="auto" latinLnBrk="0" hangingPunct="1">
+              <a:lnSpc>
+                <a:spcPct val="100000"/>
+              </a:lnSpc>
+              <a:spcBef>
+                <a:spcPts val="0"/>
+              </a:spcBef>
+              <a:spcAft>
+                <a:spcPts val="0"/>
+              </a:spcAft>
+              <a:buClrTx/>
+              <a:buSzTx/>
+              <a:buFontTx/>
+              <a:buNone/>
+              <a:tabLst/>
+              <a:defRPr/>
+            </a:pPr>
+            <a:r>
+              <a:rPr kumimoji="0" lang="en-US" sz="5400" b="0" i="0" u="none" strike="noStrike" kern="1200" cap="none" spc="0" normalizeH="0" baseline="0" noProof="0" dirty="0">
+                <a:ln>
+                  <a:noFill/>
+                </a:ln>
+                <a:solidFill>
+                  <a:prstClr val="black"/>
+                </a:solidFill>
+                <a:effectLst/>
+                <a:uLnTx/>
+                <a:uFillTx/>
+                <a:latin typeface="Aptos" panose="02110004020202020204"/>
+                <a:ea typeface="+mn-ea"/>
+                <a:cs typeface="+mn-cs"/>
+              </a:rPr>
+              <a:t>Thank you!</a:t>
+            </a:r>
+          </a:p>
+        </p:txBody>
+      </p:sp>
+    </p:spTree>
+    <p:extLst>
+      <p:ext uri="{BB962C8B-B14F-4D97-AF65-F5344CB8AC3E}">
+        <p14:creationId xmlns:p14="http://schemas.microsoft.com/office/powerpoint/2010/main" val="2960301856"/>
+      </p:ext>
+    </p:extLst>
+  </p:cSld>
+  <p:clrMapOvr>
+    <a:masterClrMapping/>
+  </p:clrMapOvr>
+</p:sld>
+</file>
+
 <file path=ppt/slides/slide2.xml><?xml version="1.0" encoding="utf-8"?>
 <p:sld xmlns:a="http://schemas.openxmlformats.org/drawingml/2006/main" xmlns:r="http://schemas.openxmlformats.org/officeDocument/2006/relationships" xmlns:p="http://schemas.openxmlformats.org/presentationml/2006/main">
   <p:cSld>
@@ -11498,7 +13735,7 @@
         <p:spPr>
           <a:xfrm>
             <a:off x="5223031" y="2602688"/>
-            <a:ext cx="6403552" cy="1323439"/>
+            <a:ext cx="6403552" cy="1631216"/>
           </a:xfrm>
           <a:prstGeom prst="rect">
             <a:avLst/>
@@ -11513,7 +13750,7 @@
           <a:p>
             <a:r>
               <a:rPr lang="en-US" sz="2000" dirty="0"/>
-              <a:t>To evaluate how pandemic-era market disruption reshaped housing affordability in Metro Nashville, and whether those impacts were experienced evenly across the metro geographic.</a:t>
+              <a:t>To evaluate changes in housing affordability in Metro Nashville from 2020 to 2023 by analyzing trends in home prices, mortgage interest rates, and household income, and to identify differences in affordability outcomes across ZIP codes.</a:t>
             </a:r>
           </a:p>
         </p:txBody>
@@ -12118,7 +14355,7 @@
         <p:spPr>
           <a:xfrm>
             <a:off x="5354759" y="962152"/>
-            <a:ext cx="6149788" cy="4801314"/>
+            <a:ext cx="6149788" cy="5355312"/>
           </a:xfrm>
           <a:prstGeom prst="rect">
             <a:avLst/>
@@ -12136,7 +14373,7 @@
             </a:pPr>
             <a:r>
               <a:rPr lang="en-US" dirty="0"/>
-              <a:t>How did median home sale prices in Metro Nashville change between 2020 and 2023, and did household income growth keep pace with these changes?</a:t>
+              <a:t>How did median single-family home sale prices in Metro Nashville change between 2020 and 2023, and to what extent did median household income growth keep pace with these price changes?</a:t>
             </a:r>
           </a:p>
           <a:p>
@@ -12153,7 +14390,7 @@
             </a:pPr>
             <a:r>
               <a:rPr lang="en-US" dirty="0"/>
-              <a:t>How did housing inventory levels and homes sold change between 2020 and 2023, and how did these trends relate to rising home prices in Metro Nashville?</a:t>
+              <a:t>How did housing inventory levels and home sales volume in Metro Nashville change between 2020 and 2023, and how did these market conditions correspond with changes in median home sale prices?</a:t>
             </a:r>
           </a:p>
           <a:p>
@@ -12170,7 +14407,7 @@
             </a:pPr>
             <a:r>
               <a:rPr lang="en-US" dirty="0"/>
-              <a:t>How did changes in 30-year fixed mortgage interest rates between 2020 and 2023 affect homeownership affordability for a median-income household in Metro Nashville?</a:t>
+              <a:t>How did changes in 30-year fixed mortgage interest rates between 2020 and 2023 influence homeownership affordability for a median-income household in Metro Nashville?</a:t>
             </a:r>
           </a:p>
           <a:p>
@@ -12182,12 +14419,12 @@
           </a:p>
           <a:p>
             <a:pPr marL="342900" indent="-342900">
-              <a:buFontTx/>
+              <a:buFont typeface="+mj-lt"/>
               <a:buAutoNum type="arabicPeriod"/>
             </a:pPr>
             <a:r>
               <a:rPr lang="en-US" dirty="0"/>
-              <a:t>Were changes in housing affordability evenly distributed across Metro Nashville, or did certain ZIP codes experience more rapid changes in affordability between 2020 and 2023?</a:t>
+              <a:t>Were changes in housing affordability evenly distributed across ZIP codes in Metro Nashville between 2020 and 2023, or did certain ZIP codes experience disproportionately larger shifts in affordability?</a:t>
             </a:r>
           </a:p>
         </p:txBody>
@@ -13042,7 +15279,7 @@
         <p:spPr>
           <a:xfrm>
             <a:off x="956733" y="2286000"/>
-            <a:ext cx="9050867" cy="2585323"/>
+            <a:ext cx="9050867" cy="3693319"/>
           </a:xfrm>
           <a:prstGeom prst="rect">
             <a:avLst/>
@@ -13061,34 +15298,50 @@
             </a:pPr>
             <a:r>
               <a:rPr lang="en-US" b="1" dirty="0"/>
-              <a:t>Redfin (Monthly Housing Market Data)</a:t>
-            </a:r>
-            <a:br>
-              <a:rPr lang="en-US" dirty="0"/>
-            </a:br>
-            <a:r>
-              <a:rPr lang="en-US" dirty="0"/>
-              <a:t>Metro Nashville &amp; ZIP-code level home prices, inventory, and sales (2020–2023)</a:t>
-            </a:r>
-          </a:p>
-          <a:p>
+              <a:t>Scope</a:t>
+            </a:r>
             <a:endParaRPr lang="en-US" dirty="0"/>
           </a:p>
           <a:p>
-            <a:pPr marL="285750" indent="-285750">
+            <a:pPr marL="742950" lvl="1" indent="-285750">
               <a:buFont typeface="Arial" panose="020B0604020202020204" pitchFamily="34" charset="0"/>
               <a:buChar char="•"/>
             </a:pPr>
             <a:r>
               <a:rPr lang="en-US" b="1" dirty="0"/>
-              <a:t>U.S. Census Bureau – ACS (5-Year Estimates)</a:t>
-            </a:r>
-            <a:br>
+              <a:t>Location:</a:t>
+            </a:r>
+            <a:r>
               <a:rPr lang="en-US" dirty="0"/>
-            </a:br>
+              <a:t> Metro Nashville</a:t>
+            </a:r>
+          </a:p>
+          <a:p>
+            <a:pPr marL="742950" lvl="1" indent="-285750">
+              <a:buFont typeface="Arial" panose="020B0604020202020204" pitchFamily="34" charset="0"/>
+              <a:buChar char="•"/>
+            </a:pPr>
+            <a:r>
+              <a:rPr lang="en-US" b="1" dirty="0"/>
+              <a:t>Period:</a:t>
+            </a:r>
             <a:r>
               <a:rPr lang="en-US" dirty="0"/>
-              <a:t>ZIP Code (ZCTA) median household income and housing cost data</a:t>
+              <a:t> 2020–2023</a:t>
+            </a:r>
+          </a:p>
+          <a:p>
+            <a:pPr marL="742950" lvl="1" indent="-285750">
+              <a:buFont typeface="Arial" panose="020B0604020202020204" pitchFamily="34" charset="0"/>
+              <a:buChar char="•"/>
+            </a:pPr>
+            <a:r>
+              <a:rPr lang="en-US" b="1" dirty="0"/>
+              <a:t>Focus:</a:t>
+            </a:r>
+            <a:r>
+              <a:rPr lang="en-US" dirty="0"/>
+              <a:t> Single-family housing affordability</a:t>
             </a:r>
           </a:p>
           <a:p>
@@ -13105,21 +15358,90 @@
             </a:pPr>
             <a:r>
               <a:rPr lang="en-US" b="1" dirty="0"/>
-              <a:t>Federal Reserve Economic Data (FRED)</a:t>
-            </a:r>
-            <a:br>
-              <a:rPr lang="en-US" dirty="0"/>
-            </a:br>
-            <a:r>
-              <a:rPr lang="en-US" dirty="0"/>
-              <a:t>National 30-year fixed mortgage interest rates</a:t>
-            </a:r>
-          </a:p>
-          <a:p>
-            <a:pPr marL="285750" indent="-285750">
+              <a:t>Data Sources</a:t>
+            </a:r>
+            <a:endParaRPr lang="en-US" dirty="0"/>
+          </a:p>
+          <a:p>
+            <a:pPr marL="742950" lvl="1" indent="-285750">
               <a:buFont typeface="Arial" panose="020B0604020202020204" pitchFamily="34" charset="0"/>
               <a:buChar char="•"/>
             </a:pPr>
+            <a:r>
+              <a:rPr lang="en-US" b="1" dirty="0"/>
+              <a:t>Metro Nashville Parcel Sales Data:</a:t>
+            </a:r>
+            <a:r>
+              <a:rPr lang="en-US" dirty="0"/>
+              <a:t> Used to calculate </a:t>
+            </a:r>
+            <a:r>
+              <a:rPr lang="en-US" b="1" dirty="0"/>
+              <a:t>median single-family home sale prices</a:t>
+            </a:r>
+            <a:r>
+              <a:rPr lang="en-US" dirty="0"/>
+              <a:t> from observed transactions</a:t>
+            </a:r>
+          </a:p>
+          <a:p>
+            <a:pPr marL="742950" lvl="1" indent="-285750">
+              <a:buFont typeface="Arial" panose="020B0604020202020204" pitchFamily="34" charset="0"/>
+              <a:buChar char="•"/>
+            </a:pPr>
+            <a:r>
+              <a:rPr lang="en-US" b="1" dirty="0"/>
+              <a:t>Redfin Market Data:</a:t>
+            </a:r>
+            <a:r>
+              <a:rPr lang="en-US" dirty="0"/>
+              <a:t> Used for </a:t>
+            </a:r>
+            <a:r>
+              <a:rPr lang="en-US" b="1" dirty="0"/>
+              <a:t>inventory indicators, homes sold, days on market, and market competitiveness</a:t>
+            </a:r>
+            <a:endParaRPr lang="en-US" dirty="0"/>
+          </a:p>
+          <a:p>
+            <a:pPr marL="742950" lvl="1" indent="-285750">
+              <a:buFont typeface="Arial" panose="020B0604020202020204" pitchFamily="34" charset="0"/>
+              <a:buChar char="•"/>
+            </a:pPr>
+            <a:r>
+              <a:rPr lang="en-US" b="1" dirty="0"/>
+              <a:t>U.S. Census ACS:</a:t>
+            </a:r>
+            <a:r>
+              <a:rPr lang="en-US" dirty="0"/>
+              <a:t> Used for </a:t>
+            </a:r>
+            <a:r>
+              <a:rPr lang="en-US" b="1" dirty="0"/>
+              <a:t>median household income and housing context</a:t>
+            </a:r>
+            <a:r>
+              <a:rPr lang="en-US" dirty="0"/>
+              <a:t> at the ZIP (ZCTA) level</a:t>
+            </a:r>
+          </a:p>
+          <a:p>
+            <a:pPr marL="742950" lvl="1" indent="-285750">
+              <a:buFont typeface="Arial" panose="020B0604020202020204" pitchFamily="34" charset="0"/>
+              <a:buChar char="•"/>
+            </a:pPr>
+            <a:r>
+              <a:rPr lang="en-US" b="1" dirty="0"/>
+              <a:t>FRED:</a:t>
+            </a:r>
+            <a:r>
+              <a:rPr lang="en-US" dirty="0"/>
+              <a:t> Used for </a:t>
+            </a:r>
+            <a:r>
+              <a:rPr lang="en-US" b="1" dirty="0"/>
+              <a:t>30-year fixed mortgage interest rates</a:t>
+            </a:r>
             <a:endParaRPr lang="en-US" dirty="0"/>
           </a:p>
         </p:txBody>
@@ -14495,14 +16817,14 @@
             <a:pPr algn="ctr"/>
             <a:r>
               <a:rPr lang="en-US" sz="3400" b="1" dirty="0"/>
-              <a:t>$334,906</a:t>
+              <a:t>$320,000</a:t>
             </a:r>
           </a:p>
           <a:p>
             <a:pPr algn="ctr"/>
             <a:r>
               <a:rPr lang="en-US" sz="1400" dirty="0"/>
-              <a:t>Avg Sale Price</a:t>
+              <a:t>Median Sale Price</a:t>
             </a:r>
           </a:p>
         </p:txBody>
@@ -14538,14 +16860,14 @@
             <a:pPr algn="ctr"/>
             <a:r>
               <a:rPr lang="en-US" sz="3400" b="1" dirty="0"/>
-              <a:t>$466,651</a:t>
+              <a:t>$437,200</a:t>
             </a:r>
           </a:p>
           <a:p>
             <a:pPr algn="ctr"/>
             <a:r>
               <a:rPr lang="en-US" sz="1400" dirty="0"/>
-              <a:t>Avg Sale Price</a:t>
+              <a:t>Median Sale Price</a:t>
             </a:r>
           </a:p>
         </p:txBody>
@@ -14581,14 +16903,14 @@
             <a:pPr algn="ctr"/>
             <a:r>
               <a:rPr lang="en-US" sz="3400" b="1" dirty="0"/>
-              <a:t>$77,039</a:t>
+              <a:t>$74,974</a:t>
             </a:r>
           </a:p>
           <a:p>
             <a:pPr algn="ctr"/>
             <a:r>
               <a:rPr lang="en-US" sz="1400" dirty="0"/>
-              <a:t>Avg Household Income</a:t>
+              <a:t>Median Household Income</a:t>
             </a:r>
           </a:p>
         </p:txBody>
@@ -14623,16 +16945,15 @@
           <a:p>
             <a:pPr algn="ctr"/>
             <a:r>
-              <a:rPr lang="en-US" sz="3400" b="1"/>
-              <a:t>$92,010</a:t>
-            </a:r>
-            <a:endParaRPr lang="en-US" sz="3400" b="1" dirty="0"/>
+              <a:rPr lang="en-US" sz="3400" b="1" dirty="0"/>
+              <a:t>$90,246</a:t>
+            </a:r>
           </a:p>
           <a:p>
             <a:pPr algn="ctr"/>
             <a:r>
               <a:rPr lang="en-US" sz="1400" dirty="0"/>
-              <a:t>Avg Household Income</a:t>
+              <a:t>Median Household Income</a:t>
             </a:r>
           </a:p>
         </p:txBody>
@@ -14722,7 +17043,7 @@
         <p:spPr>
           <a:xfrm>
             <a:off x="898057" y="4765128"/>
-            <a:ext cx="2056555" cy="830997"/>
+            <a:ext cx="2056555" cy="1261884"/>
           </a:xfrm>
           <a:prstGeom prst="rect">
             <a:avLst/>
@@ -14745,8 +17066,12 @@
             <a:pPr algn="ctr"/>
             <a:r>
               <a:rPr lang="en-US" sz="1400" dirty="0"/>
-              <a:t>Total Home Sales</a:t>
-            </a:r>
+              <a:t>Total Single-Family Home Sales</a:t>
+            </a:r>
+          </a:p>
+          <a:p>
+            <a:pPr algn="ctr"/>
+            <a:endParaRPr lang="en-US" sz="1400" dirty="0"/>
           </a:p>
         </p:txBody>
       </p:sp>
@@ -14808,7 +17133,7 @@
         <p:spPr>
           <a:xfrm>
             <a:off x="6587375" y="4765128"/>
-            <a:ext cx="2056555" cy="830997"/>
+            <a:ext cx="2056555" cy="1261884"/>
           </a:xfrm>
           <a:prstGeom prst="rect">
             <a:avLst/>
@@ -14831,8 +17156,12 @@
             <a:pPr algn="ctr"/>
             <a:r>
               <a:rPr lang="en-US" sz="1400" dirty="0"/>
-              <a:t>Total Home Sales</a:t>
-            </a:r>
+              <a:t>Total Single-Family Home Sales</a:t>
+            </a:r>
+          </a:p>
+          <a:p>
+            <a:pPr algn="ctr"/>
+            <a:endParaRPr lang="en-US" sz="1400" dirty="0"/>
           </a:p>
         </p:txBody>
       </p:sp>
@@ -14893,7 +17222,7 @@
         </p:nvSpPr>
         <p:spPr>
           <a:xfrm>
-            <a:off x="70339" y="6569125"/>
+            <a:off x="129545" y="6537321"/>
             <a:ext cx="4873450" cy="215444"/>
           </a:xfrm>
           <a:prstGeom prst="rect">
@@ -14908,12 +17237,8 @@
           <a:lstStyle/>
           <a:p>
             <a:r>
-              <a:rPr lang="en-US" sz="800" b="1" i="1" dirty="0"/>
-              <a:t>Source:</a:t>
-            </a:r>
-            <a:r>
               <a:rPr lang="en-US" sz="800" i="1" dirty="0"/>
-              <a:t> Redfin Housing Market Data; U.S. Census Bureau, American Community Survey (ACS)</a:t>
+              <a:t>Sources: Metro Nashville Parcel Data, Redfin, U.S. Census ACS, FRED</a:t>
             </a:r>
           </a:p>
         </p:txBody>
@@ -15767,8 +18092,8 @@
         </p:nvSpPr>
         <p:spPr>
           <a:xfrm>
-            <a:off x="1331976" y="1902062"/>
-            <a:ext cx="9525000" cy="369332"/>
+            <a:off x="1211580" y="1860404"/>
+            <a:ext cx="10311384" cy="369332"/>
           </a:xfrm>
           <a:prstGeom prst="rect">
             <a:avLst/>
@@ -15783,61 +18108,11 @@
           <a:p>
             <a:r>
               <a:rPr lang="en-US" dirty="0"/>
-              <a:t>Median home prices rose nearly twice as fast as household incomes between 2020 and 2023.</a:t>
+              <a:t>Median home prices increased substantially faster than household incomes between 2020 and 2023.</a:t>
             </a:r>
           </a:p>
         </p:txBody>
       </p:sp>
-      <p:pic>
-        <p:nvPicPr>
-          <p:cNvPr id="6" name="Picture 5" descr="A graph of a number of percent&#10;&#10;AI-generated content may be incorrect.">
-            <a:extLst>
-              <a:ext uri="{FF2B5EF4-FFF2-40B4-BE49-F238E27FC236}">
-                <a16:creationId xmlns:a16="http://schemas.microsoft.com/office/drawing/2014/main" id="{77D74E8A-7840-298A-D4E2-4ECE77828DAF}"/>
-              </a:ext>
-            </a:extLst>
-          </p:cNvPr>
-          <p:cNvPicPr>
-            <a:picLocks noChangeAspect="1"/>
-          </p:cNvPicPr>
-          <p:nvPr/>
-        </p:nvPicPr>
-        <p:blipFill>
-          <a:blip r:embed="rId3">
-            <a:extLst>
-              <a:ext uri="{28A0092B-C50C-407E-A947-70E740481C1C}">
-                <a14:useLocalDpi xmlns:a14="http://schemas.microsoft.com/office/drawing/2010/main" val="0"/>
-              </a:ext>
-            </a:extLst>
-          </a:blip>
-          <a:stretch>
-            <a:fillRect/>
-          </a:stretch>
-        </p:blipFill>
-        <p:spPr>
-          <a:xfrm>
-            <a:off x="1393920" y="2477795"/>
-            <a:ext cx="9404159" cy="3992651"/>
-          </a:xfrm>
-          <a:prstGeom prst="rect">
-            <a:avLst/>
-          </a:prstGeom>
-          <a:ln w="28575">
-            <a:solidFill>
-              <a:schemeClr val="bg2">
-                <a:lumMod val="25000"/>
-              </a:schemeClr>
-            </a:solidFill>
-          </a:ln>
-          <a:effectLst>
-            <a:outerShdw blurRad="63500" sx="102000" sy="102000" algn="ctr" rotWithShape="0">
-              <a:prstClr val="black">
-                <a:alpha val="40000"/>
-              </a:prstClr>
-            </a:outerShdw>
-          </a:effectLst>
-        </p:spPr>
-      </p:pic>
       <p:sp>
         <p:nvSpPr>
           <p:cNvPr id="7" name="TextBox 6">
@@ -15867,16 +18142,63 @@
           <a:lstStyle/>
           <a:p>
             <a:r>
-              <a:rPr lang="en-US" sz="800" b="1" i="1" dirty="0"/>
-              <a:t>Source:</a:t>
-            </a:r>
-            <a:r>
-              <a:rPr lang="en-US" sz="800" i="1" dirty="0"/>
-              <a:t> Redfin Housing Market Data; U.S. Census Bureau, American Community Survey (ACS)</a:t>
-            </a:r>
+              <a:rPr lang="en-US" sz="800" dirty="0"/>
+              <a:t>Sources: Metro Nashville Parcel Data, Redfin, U.S. Census ACS, FRED</a:t>
+            </a:r>
+            <a:endParaRPr lang="en-US" sz="800" i="1" dirty="0"/>
           </a:p>
         </p:txBody>
       </p:sp>
+      <p:pic>
+        <p:nvPicPr>
+          <p:cNvPr id="9" name="Picture 8" descr="A graph of a line&#10;&#10;AI-generated content may be incorrect.">
+            <a:extLst>
+              <a:ext uri="{FF2B5EF4-FFF2-40B4-BE49-F238E27FC236}">
+                <a16:creationId xmlns:a16="http://schemas.microsoft.com/office/drawing/2014/main" id="{6FF178BC-FBD3-AB90-954C-F71B135174E3}"/>
+              </a:ext>
+            </a:extLst>
+          </p:cNvPr>
+          <p:cNvPicPr>
+            <a:picLocks noChangeAspect="1"/>
+          </p:cNvPicPr>
+          <p:nvPr/>
+        </p:nvPicPr>
+        <p:blipFill>
+          <a:blip r:embed="rId3">
+            <a:extLst>
+              <a:ext uri="{28A0092B-C50C-407E-A947-70E740481C1C}">
+                <a14:useLocalDpi xmlns:a14="http://schemas.microsoft.com/office/drawing/2010/main" val="0"/>
+              </a:ext>
+            </a:extLst>
+          </a:blip>
+          <a:stretch>
+            <a:fillRect/>
+          </a:stretch>
+        </p:blipFill>
+        <p:spPr>
+          <a:xfrm>
+            <a:off x="1331976" y="2420858"/>
+            <a:ext cx="9525000" cy="3957145"/>
+          </a:xfrm>
+          <a:prstGeom prst="rect">
+            <a:avLst/>
+          </a:prstGeom>
+          <a:ln w="28575">
+            <a:solidFill>
+              <a:schemeClr val="bg2">
+                <a:lumMod val="25000"/>
+              </a:schemeClr>
+            </a:solidFill>
+          </a:ln>
+          <a:effectLst>
+            <a:outerShdw blurRad="63500" sx="102000" sy="102000" algn="ctr" rotWithShape="0">
+              <a:prstClr val="black">
+                <a:alpha val="40000"/>
+              </a:prstClr>
+            </a:outerShdw>
+          </a:effectLst>
+        </p:spPr>
+      </p:pic>
     </p:spTree>
     <p:extLst>
       <p:ext uri="{BB962C8B-B14F-4D97-AF65-F5344CB8AC3E}">
@@ -16727,7 +19049,7 @@
         <p:spPr>
           <a:xfrm>
             <a:off x="6805676" y="3887164"/>
-            <a:ext cx="4800600" cy="1477328"/>
+            <a:ext cx="4800600" cy="1754326"/>
           </a:xfrm>
           <a:prstGeom prst="rect">
             <a:avLst/>
@@ -16746,11 +19068,11 @@
             </a:r>
             <a:r>
               <a:rPr lang="en-US" b="1" dirty="0"/>
-              <a:t>4.7 to 5.8</a:t>
+              <a:t>4.3 to 5</a:t>
             </a:r>
             <a:r>
               <a:rPr lang="en-US" dirty="0"/>
-              <a:t>. While incomes rose in 2023, affordability remained strained, with the ratio still above pre-pandemic levels.</a:t>
+              <a:t>. While incomes rose in 2023, affordability remained strained, with the ratio remaining elevated relative to earlier pandemic years.</a:t>
             </a:r>
           </a:p>
         </p:txBody>
@@ -16898,56 +19220,6 @@
           </a:fontRef>
         </p:style>
       </p:cxnSp>
-      <p:pic>
-        <p:nvPicPr>
-          <p:cNvPr id="4" name="Picture 3" descr="A graph showing the growth of income&#10;&#10;AI-generated content may be incorrect.">
-            <a:extLst>
-              <a:ext uri="{FF2B5EF4-FFF2-40B4-BE49-F238E27FC236}">
-                <a16:creationId xmlns:a16="http://schemas.microsoft.com/office/drawing/2014/main" id="{81C2F2B9-F46E-BEFD-D723-DB00C6B71162}"/>
-              </a:ext>
-            </a:extLst>
-          </p:cNvPr>
-          <p:cNvPicPr>
-            <a:picLocks noChangeAspect="1"/>
-          </p:cNvPicPr>
-          <p:nvPr/>
-        </p:nvPicPr>
-        <p:blipFill>
-          <a:blip r:embed="rId3">
-            <a:extLst>
-              <a:ext uri="{28A0092B-C50C-407E-A947-70E740481C1C}">
-                <a14:useLocalDpi xmlns:a14="http://schemas.microsoft.com/office/drawing/2010/main" val="0"/>
-              </a:ext>
-            </a:extLst>
-          </a:blip>
-          <a:stretch>
-            <a:fillRect/>
-          </a:stretch>
-        </p:blipFill>
-        <p:spPr>
-          <a:xfrm>
-            <a:off x="422341" y="2209450"/>
-            <a:ext cx="5800660" cy="3781199"/>
-          </a:xfrm>
-          <a:prstGeom prst="rect">
-            <a:avLst/>
-          </a:prstGeom>
-          <a:ln w="28575">
-            <a:solidFill>
-              <a:schemeClr val="bg2">
-                <a:lumMod val="25000"/>
-              </a:schemeClr>
-            </a:solidFill>
-          </a:ln>
-          <a:effectLst>
-            <a:outerShdw blurRad="63500" sx="102000" sy="102000" algn="ctr" rotWithShape="0">
-              <a:prstClr val="black">
-                <a:alpha val="40000"/>
-              </a:prstClr>
-            </a:outerShdw>
-          </a:effectLst>
-        </p:spPr>
-      </p:pic>
       <p:sp>
         <p:nvSpPr>
           <p:cNvPr id="5" name="TextBox 4">
@@ -16977,16 +19249,63 @@
           <a:lstStyle/>
           <a:p>
             <a:r>
-              <a:rPr lang="en-US" sz="800" b="1" i="1" dirty="0"/>
-              <a:t>Source:</a:t>
-            </a:r>
-            <a:r>
-              <a:rPr lang="en-US" sz="800" i="1" dirty="0"/>
-              <a:t> Redfin Housing Market Data; U.S. Census Bureau, American Community Survey (ACS)</a:t>
-            </a:r>
+              <a:rPr lang="en-US" sz="800" dirty="0"/>
+              <a:t>Sources: Metro Nashville Parcel Data, Redfin, U.S. Census ACS, FRED</a:t>
+            </a:r>
+            <a:endParaRPr lang="en-US" sz="800" i="1" dirty="0"/>
           </a:p>
         </p:txBody>
       </p:sp>
+      <p:pic>
+        <p:nvPicPr>
+          <p:cNvPr id="9" name="Picture 8" descr="A graph showing the price of income&#10;&#10;AI-generated content may be incorrect.">
+            <a:extLst>
+              <a:ext uri="{FF2B5EF4-FFF2-40B4-BE49-F238E27FC236}">
+                <a16:creationId xmlns:a16="http://schemas.microsoft.com/office/drawing/2014/main" id="{5C497C67-C0A9-CB4E-1F9E-3062ED8BA593}"/>
+              </a:ext>
+            </a:extLst>
+          </p:cNvPr>
+          <p:cNvPicPr>
+            <a:picLocks noChangeAspect="1"/>
+          </p:cNvPicPr>
+          <p:nvPr/>
+        </p:nvPicPr>
+        <p:blipFill>
+          <a:blip r:embed="rId3">
+            <a:extLst>
+              <a:ext uri="{28A0092B-C50C-407E-A947-70E740481C1C}">
+                <a14:useLocalDpi xmlns:a14="http://schemas.microsoft.com/office/drawing/2010/main" val="0"/>
+              </a:ext>
+            </a:extLst>
+          </a:blip>
+          <a:stretch>
+            <a:fillRect/>
+          </a:stretch>
+        </p:blipFill>
+        <p:spPr>
+          <a:xfrm>
+            <a:off x="559246" y="2161403"/>
+            <a:ext cx="5744921" cy="3757792"/>
+          </a:xfrm>
+          <a:prstGeom prst="rect">
+            <a:avLst/>
+          </a:prstGeom>
+          <a:ln w="28575">
+            <a:solidFill>
+              <a:schemeClr val="bg2">
+                <a:lumMod val="25000"/>
+              </a:schemeClr>
+            </a:solidFill>
+          </a:ln>
+          <a:effectLst>
+            <a:outerShdw blurRad="63500" sx="102000" sy="102000" algn="ctr" rotWithShape="0">
+              <a:prstClr val="black">
+                <a:alpha val="40000"/>
+              </a:prstClr>
+            </a:outerShdw>
+          </a:effectLst>
+        </p:spPr>
+      </p:pic>
     </p:spTree>
     <p:extLst>
       <p:ext uri="{BB962C8B-B14F-4D97-AF65-F5344CB8AC3E}">
@@ -17837,7 +20156,7 @@
         <p:spPr>
           <a:xfrm>
             <a:off x="7425732" y="3075503"/>
-            <a:ext cx="4258268" cy="2031325"/>
+            <a:ext cx="4258268" cy="2308324"/>
           </a:xfrm>
           <a:prstGeom prst="rect">
             <a:avLst/>
@@ -17852,61 +20171,11 @@
           <a:p>
             <a:r>
               <a:rPr lang="en-US" dirty="0"/>
-              <a:t>Housing supply tightened sharply in 2021 as inventory fell and demand remained strong. Even as inventory partially recovered after 2021, higher prices and rising mortgage rates reduced sales activity, contributing to continued price pressure and affordability challenges.</a:t>
+              <a:t>Housing market conditions tightened sharply in 2021 as inventory declined and sales activity remained elevated. Even as inventory partially recovered after 2021, higher prices and rising mortgage rates reduced sales activity, contributing to continued price pressure and affordability challenges.</a:t>
             </a:r>
           </a:p>
         </p:txBody>
       </p:sp>
-      <p:pic>
-        <p:nvPicPr>
-          <p:cNvPr id="4" name="Picture 3" descr="A graph of a number of houses and a number of numbers&#10;&#10;AI-generated content may be incorrect.">
-            <a:extLst>
-              <a:ext uri="{FF2B5EF4-FFF2-40B4-BE49-F238E27FC236}">
-                <a16:creationId xmlns:a16="http://schemas.microsoft.com/office/drawing/2014/main" id="{16790ABE-1FE4-4DDF-939D-A6D93D939BAE}"/>
-              </a:ext>
-            </a:extLst>
-          </p:cNvPr>
-          <p:cNvPicPr>
-            <a:picLocks noChangeAspect="1"/>
-          </p:cNvPicPr>
-          <p:nvPr/>
-        </p:nvPicPr>
-        <p:blipFill>
-          <a:blip r:embed="rId3">
-            <a:extLst>
-              <a:ext uri="{28A0092B-C50C-407E-A947-70E740481C1C}">
-                <a14:useLocalDpi xmlns:a14="http://schemas.microsoft.com/office/drawing/2010/main" val="0"/>
-              </a:ext>
-            </a:extLst>
-          </a:blip>
-          <a:stretch>
-            <a:fillRect/>
-          </a:stretch>
-        </p:blipFill>
-        <p:spPr>
-          <a:xfrm>
-            <a:off x="508000" y="2048277"/>
-            <a:ext cx="6324879" cy="4424891"/>
-          </a:xfrm>
-          <a:prstGeom prst="rect">
-            <a:avLst/>
-          </a:prstGeom>
-          <a:ln w="28575">
-            <a:solidFill>
-              <a:schemeClr val="bg2">
-                <a:lumMod val="25000"/>
-              </a:schemeClr>
-            </a:solidFill>
-          </a:ln>
-          <a:effectLst>
-            <a:outerShdw blurRad="63500" sx="102000" sy="102000" algn="ctr" rotWithShape="0">
-              <a:prstClr val="black">
-                <a:alpha val="40000"/>
-              </a:prstClr>
-            </a:outerShdw>
-          </a:effectLst>
-        </p:spPr>
-      </p:pic>
       <p:sp>
         <p:nvSpPr>
           <p:cNvPr id="5" name="TextBox 4">
@@ -17936,16 +20205,63 @@
           <a:lstStyle/>
           <a:p>
             <a:r>
-              <a:rPr lang="en-US" sz="800" b="1" i="1" dirty="0"/>
-              <a:t>Source:</a:t>
-            </a:r>
-            <a:r>
-              <a:rPr lang="en-US" sz="800" i="1" dirty="0"/>
-              <a:t> Redfin Housing Market Data; U.S. Census Bureau, American Community Survey (ACS)</a:t>
-            </a:r>
+              <a:rPr lang="en-US" sz="800" dirty="0"/>
+              <a:t>Sources: Metro Nashville Parcel Data, Redfin, U.S. Census ACS, FRED</a:t>
+            </a:r>
+            <a:endParaRPr lang="en-US" sz="800" i="1" dirty="0"/>
           </a:p>
         </p:txBody>
       </p:sp>
+      <p:pic>
+        <p:nvPicPr>
+          <p:cNvPr id="9" name="Picture 8" descr="A graph showing the average by year&#10;&#10;AI-generated content may be incorrect.">
+            <a:extLst>
+              <a:ext uri="{FF2B5EF4-FFF2-40B4-BE49-F238E27FC236}">
+                <a16:creationId xmlns:a16="http://schemas.microsoft.com/office/drawing/2014/main" id="{447BF319-110E-8C7E-255E-0BF26EF164F3}"/>
+              </a:ext>
+            </a:extLst>
+          </p:cNvPr>
+          <p:cNvPicPr>
+            <a:picLocks noChangeAspect="1"/>
+          </p:cNvPicPr>
+          <p:nvPr/>
+        </p:nvPicPr>
+        <p:blipFill>
+          <a:blip r:embed="rId3">
+            <a:extLst>
+              <a:ext uri="{28A0092B-C50C-407E-A947-70E740481C1C}">
+                <a14:useLocalDpi xmlns:a14="http://schemas.microsoft.com/office/drawing/2010/main" val="0"/>
+              </a:ext>
+            </a:extLst>
+          </a:blip>
+          <a:stretch>
+            <a:fillRect/>
+          </a:stretch>
+        </p:blipFill>
+        <p:spPr>
+          <a:xfrm>
+            <a:off x="669036" y="2055813"/>
+            <a:ext cx="6251744" cy="4070672"/>
+          </a:xfrm>
+          <a:prstGeom prst="rect">
+            <a:avLst/>
+          </a:prstGeom>
+          <a:ln w="28575">
+            <a:solidFill>
+              <a:schemeClr val="bg2">
+                <a:lumMod val="25000"/>
+              </a:schemeClr>
+            </a:solidFill>
+          </a:ln>
+          <a:effectLst>
+            <a:outerShdw blurRad="63500" sx="102000" sy="102000" algn="ctr" rotWithShape="0">
+              <a:prstClr val="black">
+                <a:alpha val="40000"/>
+              </a:prstClr>
+            </a:outerShdw>
+          </a:effectLst>
+        </p:spPr>
+      </p:pic>
     </p:spTree>
     <p:extLst>
       <p:ext uri="{BB962C8B-B14F-4D97-AF65-F5344CB8AC3E}">
@@ -18796,7 +21112,7 @@
         <p:spPr>
           <a:xfrm>
             <a:off x="7449038" y="3278182"/>
-            <a:ext cx="4224866" cy="1200329"/>
+            <a:ext cx="4224866" cy="1477328"/>
           </a:xfrm>
           <a:prstGeom prst="rect">
             <a:avLst/>
@@ -18811,17 +21127,53 @@
           <a:p>
             <a:r>
               <a:rPr lang="en-US" dirty="0"/>
-              <a:t>Mortgage interest rates remained historically low in 2020–2021, but rose sharply beginning in 2022, increasing the cost of financing a home purchase.</a:t>
-            </a:r>
+              <a:t>Mortgage interest rates remained historically low in 2020–2021, but rose sharply beginning in 2022, increasing monthly mortgage payments and the cost of financing a home purchase.</a:t>
+            </a:r>
+          </a:p>
+        </p:txBody>
+      </p:sp>
+      <p:sp>
+        <p:nvSpPr>
+          <p:cNvPr id="7" name="TextBox 6">
+            <a:extLst>
+              <a:ext uri="{FF2B5EF4-FFF2-40B4-BE49-F238E27FC236}">
+                <a16:creationId xmlns:a16="http://schemas.microsoft.com/office/drawing/2014/main" id="{CD2A6343-3F32-E1BA-2F4E-58ECF4E926AE}"/>
+              </a:ext>
+            </a:extLst>
+          </p:cNvPr>
+          <p:cNvSpPr txBox="1"/>
+          <p:nvPr/>
+        </p:nvSpPr>
+        <p:spPr>
+          <a:xfrm>
+            <a:off x="162437" y="6559179"/>
+            <a:ext cx="4873450" cy="215444"/>
+          </a:xfrm>
+          <a:prstGeom prst="rect">
+            <a:avLst/>
+          </a:prstGeom>
+          <a:noFill/>
+        </p:spPr>
+        <p:txBody>
+          <a:bodyPr wrap="square" rtlCol="0">
+            <a:spAutoFit/>
+          </a:bodyPr>
+          <a:lstStyle/>
+          <a:p>
+            <a:r>
+              <a:rPr lang="en-US" sz="800" dirty="0"/>
+              <a:t>Sources: Metro Nashville Parcel Data, Redfin, U.S. Census ACS, FRED</a:t>
+            </a:r>
+            <a:endParaRPr lang="en-US" sz="800" i="1" dirty="0"/>
           </a:p>
         </p:txBody>
       </p:sp>
       <p:pic>
         <p:nvPicPr>
-          <p:cNvPr id="6" name="Picture 5" descr="A graph showing a line going up&#10;&#10;AI-generated content may be incorrect.">
+          <p:cNvPr id="9" name="Picture 8" descr="A graph showing a line going up&#10;&#10;AI-generated content may be incorrect.">
             <a:extLst>
               <a:ext uri="{FF2B5EF4-FFF2-40B4-BE49-F238E27FC236}">
-                <a16:creationId xmlns:a16="http://schemas.microsoft.com/office/drawing/2014/main" id="{54612A8B-9643-974C-DCE9-2E7FD4A71A57}"/>
+                <a16:creationId xmlns:a16="http://schemas.microsoft.com/office/drawing/2014/main" id="{720FA8DA-5597-C22F-4496-52547033AAB2}"/>
               </a:ext>
             </a:extLst>
           </p:cNvPr>
@@ -18831,7 +21183,7 @@
           <p:nvPr/>
         </p:nvPicPr>
         <p:blipFill>
-          <a:blip r:embed="rId2">
+          <a:blip r:embed="rId3">
             <a:extLst>
               <a:ext uri="{28A0092B-C50C-407E-A947-70E740481C1C}">
                 <a14:useLocalDpi xmlns:a14="http://schemas.microsoft.com/office/drawing/2010/main" val="0"/>
@@ -18844,8 +21196,8 @@
         </p:blipFill>
         <p:spPr>
           <a:xfrm>
-            <a:off x="669036" y="2207019"/>
-            <a:ext cx="6264955" cy="3879272"/>
+            <a:off x="669036" y="2076709"/>
+            <a:ext cx="6481704" cy="4101422"/>
           </a:xfrm>
           <a:prstGeom prst="rect">
             <a:avLst/>
@@ -18866,45 +21218,6 @@
           </a:effectLst>
         </p:spPr>
       </p:pic>
-      <p:sp>
-        <p:nvSpPr>
-          <p:cNvPr id="7" name="TextBox 6">
-            <a:extLst>
-              <a:ext uri="{FF2B5EF4-FFF2-40B4-BE49-F238E27FC236}">
-                <a16:creationId xmlns:a16="http://schemas.microsoft.com/office/drawing/2014/main" id="{CD2A6343-3F32-E1BA-2F4E-58ECF4E926AE}"/>
-              </a:ext>
-            </a:extLst>
-          </p:cNvPr>
-          <p:cNvSpPr txBox="1"/>
-          <p:nvPr/>
-        </p:nvSpPr>
-        <p:spPr>
-          <a:xfrm>
-            <a:off x="70339" y="6569125"/>
-            <a:ext cx="4873450" cy="215444"/>
-          </a:xfrm>
-          <a:prstGeom prst="rect">
-            <a:avLst/>
-          </a:prstGeom>
-          <a:noFill/>
-        </p:spPr>
-        <p:txBody>
-          <a:bodyPr wrap="square" rtlCol="0">
-            <a:spAutoFit/>
-          </a:bodyPr>
-          <a:lstStyle/>
-          <a:p>
-            <a:r>
-              <a:rPr lang="en-US" sz="800" b="1" i="1" dirty="0"/>
-              <a:t>Source:</a:t>
-            </a:r>
-            <a:r>
-              <a:rPr lang="en-US" sz="800" i="1" dirty="0"/>
-              <a:t> Redfin Housing Market Data; U.S. Census Bureau, American Community Survey (ACS)</a:t>
-            </a:r>
-          </a:p>
-        </p:txBody>
-      </p:sp>
     </p:spTree>
     <p:extLst>
       <p:ext uri="{BB962C8B-B14F-4D97-AF65-F5344CB8AC3E}">
